--- a/slide/style.pptx
+++ b/slide/style.pptx
@@ -1561,2869 +1561,7 @@
 </p:sldLayout>
 </file>
 
-<file path=ppt/slideLayouts/slideLayout2.xml><?xml version="1.0" encoding="utf-8"?>
-<p:sldLayout xmlns:a="http://schemas.openxmlformats.org/drawingml/2006/main" xmlns:r="http://schemas.openxmlformats.org/officeDocument/2006/relationships" xmlns:p="http://schemas.openxmlformats.org/presentationml/2006/main" preserve="1" userDrawn="1">
-  <p:cSld name="중간">
-    <p:spTree>
-      <p:nvGrpSpPr>
-        <p:cNvPr id="1" name=""/>
-        <p:cNvGrpSpPr/>
-        <p:nvPr/>
-      </p:nvGrpSpPr>
-      <p:grpSpPr>
-        <a:xfrm>
-          <a:off x="0" y="0"/>
-          <a:ext cx="0" cy="0"/>
-          <a:chOff x="0" y="0"/>
-          <a:chExt cx="0" cy="0"/>
-        </a:xfrm>
-      </p:grpSpPr>
-      <p:sp>
-        <p:nvSpPr>
-          <p:cNvPr id="6" name="직사각형 5">
-            <a:extLst>
-              <a:ext uri="{FF2B5EF4-FFF2-40B4-BE49-F238E27FC236}">
-                <a16:creationId xmlns:a16="http://schemas.microsoft.com/office/drawing/2014/main" id="{D2D5CCD6-DEBA-4450-9DE6-51A3553927BC}"/>
-              </a:ext>
-            </a:extLst>
-          </p:cNvPr>
-          <p:cNvSpPr/>
-          <p:nvPr userDrawn="1"/>
-        </p:nvSpPr>
-        <p:spPr>
-          <a:xfrm>
-            <a:off x="0" y="6673174"/>
-            <a:ext cx="12192000" cy="184826"/>
-          </a:xfrm>
-          <a:prstGeom prst="rect">
-            <a:avLst/>
-          </a:prstGeom>
-          <a:solidFill>
-            <a:schemeClr val="tx1">
-              <a:lumMod val="85000"/>
-              <a:lumOff val="15000"/>
-            </a:schemeClr>
-          </a:solidFill>
-          <a:ln>
-            <a:noFill/>
-          </a:ln>
-        </p:spPr>
-        <p:style>
-          <a:lnRef idx="2">
-            <a:schemeClr val="accent1">
-              <a:shade val="50000"/>
-            </a:schemeClr>
-          </a:lnRef>
-          <a:fillRef idx="1">
-            <a:schemeClr val="accent1"/>
-          </a:fillRef>
-          <a:effectRef idx="0">
-            <a:schemeClr val="accent1"/>
-          </a:effectRef>
-          <a:fontRef idx="minor">
-            <a:schemeClr val="lt1"/>
-          </a:fontRef>
-        </p:style>
-        <p:txBody>
-          <a:bodyPr rtlCol="0" anchor="ctr"/>
-          <a:lstStyle/>
-          <a:p>
-            <a:pPr algn="ctr"/>
-            <a:endParaRPr lang="ko-KR" altLang="en-US">
-              <a:ln>
-                <a:solidFill>
-                  <a:schemeClr val="tx1">
-                    <a:alpha val="0"/>
-                  </a:schemeClr>
-                </a:solidFill>
-              </a:ln>
-            </a:endParaRPr>
-          </a:p>
-        </p:txBody>
-      </p:sp>
-      <p:sp>
-        <p:nvSpPr>
-          <p:cNvPr id="7" name="TextBox 6">
-            <a:extLst>
-              <a:ext uri="{FF2B5EF4-FFF2-40B4-BE49-F238E27FC236}">
-                <a16:creationId xmlns:a16="http://schemas.microsoft.com/office/drawing/2014/main" id="{552646BE-A0A3-4A62-820E-FB203AD599C0}"/>
-              </a:ext>
-            </a:extLst>
-          </p:cNvPr>
-          <p:cNvSpPr txBox="1"/>
-          <p:nvPr userDrawn="1"/>
-        </p:nvSpPr>
-        <p:spPr>
-          <a:xfrm>
-            <a:off x="4702830" y="6657796"/>
-            <a:ext cx="2786340" cy="215444"/>
-          </a:xfrm>
-          <a:prstGeom prst="rect">
-            <a:avLst/>
-          </a:prstGeom>
-          <a:noFill/>
-        </p:spPr>
-        <p:txBody>
-          <a:bodyPr wrap="none" rtlCol="0">
-            <a:spAutoFit/>
-          </a:bodyPr>
-          <a:lstStyle/>
-          <a:p>
-            <a:pPr marL="0" marR="0" lvl="0" indent="0" algn="ctr" defTabSz="914400" rtl="0" eaLnBrk="1" fontAlgn="auto" latinLnBrk="1" hangingPunct="1">
-              <a:lnSpc>
-                <a:spcPct val="100000"/>
-              </a:lnSpc>
-              <a:spcBef>
-                <a:spcPts val="0"/>
-              </a:spcBef>
-              <a:spcAft>
-                <a:spcPts val="0"/>
-              </a:spcAft>
-              <a:buClrTx/>
-              <a:buSzTx/>
-              <a:buFontTx/>
-              <a:buNone/>
-              <a:tabLst/>
-              <a:defRPr/>
-            </a:pPr>
-            <a:r>
-              <a:rPr lang="en-US" altLang="ko-KR" sz="800">
-                <a:ln>
-                  <a:solidFill>
-                    <a:schemeClr val="tx1">
-                      <a:alpha val="0"/>
-                    </a:schemeClr>
-                  </a:solidFill>
-                </a:ln>
-                <a:solidFill>
-                  <a:schemeClr val="bg1"/>
-                </a:solidFill>
-                <a:latin typeface="Gotham" panose="02000604030000020004" pitchFamily="50" charset="0"/>
-                <a:ea typeface="나눔바른고딕" pitchFamily="50" charset="-127"/>
-              </a:rPr>
-              <a:t>Copyright FASTCAMPUS Corp. All Rights Reserved</a:t>
-            </a:r>
-          </a:p>
-        </p:txBody>
-      </p:sp>
-      <p:sp>
-        <p:nvSpPr>
-          <p:cNvPr id="10" name="제목 10">
-            <a:extLst>
-              <a:ext uri="{FF2B5EF4-FFF2-40B4-BE49-F238E27FC236}">
-                <a16:creationId xmlns:a16="http://schemas.microsoft.com/office/drawing/2014/main" id="{EF564003-98FF-47E8-BF21-0681B28D2D31}"/>
-              </a:ext>
-            </a:extLst>
-          </p:cNvPr>
-          <p:cNvSpPr>
-            <a:spLocks noGrp="1"/>
-          </p:cNvSpPr>
-          <p:nvPr>
-            <p:ph type="title" hasCustomPrompt="1"/>
-          </p:nvPr>
-        </p:nvSpPr>
-        <p:spPr>
-          <a:xfrm>
-            <a:off x="630867" y="2862057"/>
-            <a:ext cx="10930266" cy="1201773"/>
-          </a:xfrm>
-          <a:prstGeom prst="rect">
-            <a:avLst/>
-          </a:prstGeom>
-        </p:spPr>
-        <p:txBody>
-          <a:bodyPr/>
-          <a:lstStyle>
-            <a:lvl1pPr algn="ctr">
-              <a:defRPr sz="3600">
-                <a:ln>
-                  <a:solidFill>
-                    <a:schemeClr val="tx1">
-                      <a:alpha val="0"/>
-                    </a:schemeClr>
-                  </a:solidFill>
-                </a:ln>
-                <a:latin typeface="Noto Sans CJK KR Medium" panose="020B0600000000000000" pitchFamily="34" charset="-127"/>
-                <a:ea typeface="Noto Sans CJK KR Medium" panose="020B0600000000000000" pitchFamily="34" charset="-127"/>
-              </a:defRPr>
-            </a:lvl1pPr>
-          </a:lstStyle>
-          <a:p>
-            <a:r>
-              <a:rPr lang="ko-KR" altLang="en-US" dirty="0"/>
-              <a:t>챕터</a:t>
-            </a:r>
-            <a:r>
-              <a:rPr lang="en-US" altLang="ko-KR" dirty="0"/>
-              <a:t>(</a:t>
-            </a:r>
-            <a:r>
-              <a:rPr lang="ko-KR" altLang="en-US" dirty="0"/>
-              <a:t>클립 제목</a:t>
-            </a:r>
-            <a:r>
-              <a:rPr lang="en-US" altLang="ko-KR" dirty="0"/>
-              <a:t>)</a:t>
-            </a:r>
-            <a:r>
-              <a:rPr lang="ko-KR" altLang="en-US" dirty="0"/>
-              <a:t>명을 적어주세요</a:t>
-            </a:r>
-            <a:r>
-              <a:rPr lang="en-US" altLang="ko-KR" dirty="0"/>
-              <a:t>.</a:t>
-            </a:r>
-            <a:endParaRPr lang="ko-KR" altLang="en-US" dirty="0"/>
-          </a:p>
-        </p:txBody>
-      </p:sp>
-      <p:sp>
-        <p:nvSpPr>
-          <p:cNvPr id="14" name="TextBox 13">
-            <a:extLst>
-              <a:ext uri="{FF2B5EF4-FFF2-40B4-BE49-F238E27FC236}">
-                <a16:creationId xmlns:a16="http://schemas.microsoft.com/office/drawing/2014/main" id="{DCC0E3EA-3EC6-4209-956D-24BE6D694471}"/>
-              </a:ext>
-            </a:extLst>
-          </p:cNvPr>
-          <p:cNvSpPr txBox="1"/>
-          <p:nvPr userDrawn="1"/>
-        </p:nvSpPr>
-        <p:spPr>
-          <a:xfrm>
-            <a:off x="5388755" y="2321199"/>
-            <a:ext cx="1057597" cy="338554"/>
-          </a:xfrm>
-          <a:prstGeom prst="rect">
-            <a:avLst/>
-          </a:prstGeom>
-          <a:noFill/>
-        </p:spPr>
-        <p:txBody>
-          <a:bodyPr wrap="none" rtlCol="0">
-            <a:spAutoFit/>
-          </a:bodyPr>
-          <a:lstStyle/>
-          <a:p>
-            <a:r>
-              <a:rPr lang="en-US" altLang="ko-KR" sz="1600" b="1">
-                <a:ln>
-                  <a:solidFill>
-                    <a:schemeClr val="tx1">
-                      <a:alpha val="0"/>
-                    </a:schemeClr>
-                  </a:solidFill>
-                </a:ln>
-                <a:latin typeface="Gotham" panose="02000604030000020004" pitchFamily="50" charset="0"/>
-              </a:rPr>
-              <a:t>Chapter</a:t>
-            </a:r>
-            <a:r>
-              <a:rPr lang="en-US" altLang="ko-KR" sz="1600" b="1">
-                <a:ln>
-                  <a:solidFill>
-                    <a:schemeClr val="tx1">
-                      <a:alpha val="0"/>
-                    </a:schemeClr>
-                  </a:solidFill>
-                </a:ln>
-                <a:solidFill>
-                  <a:srgbClr val="EE234B"/>
-                </a:solidFill>
-                <a:latin typeface="Gotham" panose="02000604030000020004" pitchFamily="50" charset="0"/>
-              </a:rPr>
-              <a:t>.</a:t>
-            </a:r>
-            <a:endParaRPr lang="ko-KR" altLang="en-US" sz="1600" b="1">
-              <a:ln>
-                <a:solidFill>
-                  <a:schemeClr val="tx1">
-                    <a:alpha val="0"/>
-                  </a:schemeClr>
-                </a:solidFill>
-              </a:ln>
-              <a:solidFill>
-                <a:srgbClr val="EE234B"/>
-              </a:solidFill>
-              <a:latin typeface="Gotham" panose="02000604030000020004" pitchFamily="50" charset="0"/>
-            </a:endParaRPr>
-          </a:p>
-        </p:txBody>
-      </p:sp>
-      <p:sp>
-        <p:nvSpPr>
-          <p:cNvPr id="16" name="텍스트 개체 틀 15">
-            <a:extLst>
-              <a:ext uri="{FF2B5EF4-FFF2-40B4-BE49-F238E27FC236}">
-                <a16:creationId xmlns:a16="http://schemas.microsoft.com/office/drawing/2014/main" id="{31982FEE-BEF4-462E-9D1E-F6A7A5CB06E8}"/>
-              </a:ext>
-            </a:extLst>
-          </p:cNvPr>
-          <p:cNvSpPr>
-            <a:spLocks noGrp="1"/>
-          </p:cNvSpPr>
-          <p:nvPr>
-            <p:ph type="body" sz="quarter" idx="10" hasCustomPrompt="1"/>
-          </p:nvPr>
-        </p:nvSpPr>
-        <p:spPr>
-          <a:xfrm>
-            <a:off x="6286500" y="2333088"/>
-            <a:ext cx="620014" cy="283998"/>
-          </a:xfrm>
-          <a:prstGeom prst="rect">
-            <a:avLst/>
-          </a:prstGeom>
-        </p:spPr>
-        <p:txBody>
-          <a:bodyPr/>
-          <a:lstStyle>
-            <a:lvl1pPr marL="0" indent="0">
-              <a:buNone/>
-              <a:defRPr lang="ko-KR" altLang="en-US" sz="1800" b="1" kern="1200">
-                <a:ln>
-                  <a:solidFill>
-                    <a:schemeClr val="tx1">
-                      <a:alpha val="0"/>
-                    </a:schemeClr>
-                  </a:solidFill>
-                </a:ln>
-                <a:solidFill>
-                  <a:schemeClr val="tx1"/>
-                </a:solidFill>
-                <a:latin typeface="Gotham" panose="02000604030000020004" pitchFamily="50" charset="0"/>
-                <a:ea typeface="+mn-ea"/>
-                <a:cs typeface="+mn-cs"/>
-              </a:defRPr>
-            </a:lvl1pPr>
-          </a:lstStyle>
-          <a:p>
-            <a:pPr lvl="0"/>
-            <a:r>
-              <a:rPr lang="en-US" altLang="ko-KR"/>
-              <a:t>00</a:t>
-            </a:r>
-            <a:endParaRPr lang="ko-KR" altLang="en-US"/>
-          </a:p>
-        </p:txBody>
-      </p:sp>
-      <p:cxnSp>
-        <p:nvCxnSpPr>
-          <p:cNvPr id="12" name="직선 연결선 11">
-            <a:extLst>
-              <a:ext uri="{FF2B5EF4-FFF2-40B4-BE49-F238E27FC236}">
-                <a16:creationId xmlns:a16="http://schemas.microsoft.com/office/drawing/2014/main" id="{F073A345-7139-4242-AAE3-E828CAD4792B}"/>
-              </a:ext>
-            </a:extLst>
-          </p:cNvPr>
-          <p:cNvCxnSpPr>
-            <a:cxnSpLocks/>
-          </p:cNvCxnSpPr>
-          <p:nvPr userDrawn="1"/>
-        </p:nvCxnSpPr>
-        <p:spPr>
-          <a:xfrm rot="16200000">
-            <a:off x="6100153" y="2659753"/>
-            <a:ext cx="0" cy="195262"/>
-          </a:xfrm>
-          <a:prstGeom prst="line">
-            <a:avLst/>
-          </a:prstGeom>
-          <a:ln w="12700">
-            <a:solidFill>
-              <a:schemeClr val="tx1"/>
-            </a:solidFill>
-          </a:ln>
-        </p:spPr>
-        <p:style>
-          <a:lnRef idx="1">
-            <a:schemeClr val="accent1"/>
-          </a:lnRef>
-          <a:fillRef idx="0">
-            <a:schemeClr val="accent1"/>
-          </a:fillRef>
-          <a:effectRef idx="0">
-            <a:schemeClr val="accent1"/>
-          </a:effectRef>
-          <a:fontRef idx="minor">
-            <a:schemeClr val="tx1"/>
-          </a:fontRef>
-        </p:style>
-      </p:cxnSp>
-    </p:spTree>
-    <p:extLst>
-      <p:ext uri="{BB962C8B-B14F-4D97-AF65-F5344CB8AC3E}">
-        <p14:creationId xmlns:p14="http://schemas.microsoft.com/office/powerpoint/2010/main" val="959747380"/>
-      </p:ext>
-    </p:extLst>
-  </p:cSld>
-  <p:clrMapOvr>
-    <a:masterClrMapping/>
-  </p:clrMapOvr>
-  <p:extLst mod="1">
-    <p:ext uri="{DCECCB84-F9BA-43D5-87BE-67443E8EF086}">
-      <p15:sldGuideLst xmlns:p15="http://schemas.microsoft.com/office/powerpoint/2012/main">
-        <p15:guide id="1" orient="horz" pos="2160" userDrawn="1">
-          <p15:clr>
-            <a:srgbClr val="FBAE40"/>
-          </p15:clr>
-        </p15:guide>
-        <p15:guide id="2" pos="3840" userDrawn="1">
-          <p15:clr>
-            <a:srgbClr val="FBAE40"/>
-          </p15:clr>
-        </p15:guide>
-      </p15:sldGuideLst>
-    </p:ext>
-  </p:extLst>
-</p:sldLayout>
-</file>
-
-<file path=ppt/slideLayouts/slideLayout3.xml><?xml version="1.0" encoding="utf-8"?>
-<p:sldLayout xmlns:a="http://schemas.openxmlformats.org/drawingml/2006/main" xmlns:r="http://schemas.openxmlformats.org/officeDocument/2006/relationships" xmlns:p="http://schemas.openxmlformats.org/presentationml/2006/main" preserve="1" userDrawn="1">
-  <p:cSld name="1줄t">
-    <p:spTree>
-      <p:nvGrpSpPr>
-        <p:cNvPr id="1" name=""/>
-        <p:cNvGrpSpPr/>
-        <p:nvPr/>
-      </p:nvGrpSpPr>
-      <p:grpSpPr>
-        <a:xfrm>
-          <a:off x="0" y="0"/>
-          <a:ext cx="0" cy="0"/>
-          <a:chOff x="0" y="0"/>
-          <a:chExt cx="0" cy="0"/>
-        </a:xfrm>
-      </p:grpSpPr>
-      <p:sp>
-        <p:nvSpPr>
-          <p:cNvPr id="6" name="직사각형 5">
-            <a:extLst>
-              <a:ext uri="{FF2B5EF4-FFF2-40B4-BE49-F238E27FC236}">
-                <a16:creationId xmlns:a16="http://schemas.microsoft.com/office/drawing/2014/main" id="{D2D5CCD6-DEBA-4450-9DE6-51A3553927BC}"/>
-              </a:ext>
-            </a:extLst>
-          </p:cNvPr>
-          <p:cNvSpPr/>
-          <p:nvPr userDrawn="1"/>
-        </p:nvSpPr>
-        <p:spPr>
-          <a:xfrm>
-            <a:off x="0" y="6673174"/>
-            <a:ext cx="12192000" cy="184826"/>
-          </a:xfrm>
-          <a:prstGeom prst="rect">
-            <a:avLst/>
-          </a:prstGeom>
-          <a:solidFill>
-            <a:schemeClr val="tx1">
-              <a:lumMod val="85000"/>
-              <a:lumOff val="15000"/>
-            </a:schemeClr>
-          </a:solidFill>
-          <a:ln>
-            <a:noFill/>
-          </a:ln>
-        </p:spPr>
-        <p:style>
-          <a:lnRef idx="2">
-            <a:schemeClr val="accent1">
-              <a:shade val="50000"/>
-            </a:schemeClr>
-          </a:lnRef>
-          <a:fillRef idx="1">
-            <a:schemeClr val="accent1"/>
-          </a:fillRef>
-          <a:effectRef idx="0">
-            <a:schemeClr val="accent1"/>
-          </a:effectRef>
-          <a:fontRef idx="minor">
-            <a:schemeClr val="lt1"/>
-          </a:fontRef>
-        </p:style>
-        <p:txBody>
-          <a:bodyPr rtlCol="0" anchor="ctr"/>
-          <a:lstStyle/>
-          <a:p>
-            <a:pPr algn="ctr"/>
-            <a:endParaRPr lang="ko-KR" altLang="en-US">
-              <a:ln>
-                <a:solidFill>
-                  <a:schemeClr val="tx1">
-                    <a:alpha val="0"/>
-                  </a:schemeClr>
-                </a:solidFill>
-              </a:ln>
-            </a:endParaRPr>
-          </a:p>
-        </p:txBody>
-      </p:sp>
-      <p:sp>
-        <p:nvSpPr>
-          <p:cNvPr id="7" name="TextBox 6">
-            <a:extLst>
-              <a:ext uri="{FF2B5EF4-FFF2-40B4-BE49-F238E27FC236}">
-                <a16:creationId xmlns:a16="http://schemas.microsoft.com/office/drawing/2014/main" id="{552646BE-A0A3-4A62-820E-FB203AD599C0}"/>
-              </a:ext>
-            </a:extLst>
-          </p:cNvPr>
-          <p:cNvSpPr txBox="1"/>
-          <p:nvPr userDrawn="1"/>
-        </p:nvSpPr>
-        <p:spPr>
-          <a:xfrm>
-            <a:off x="4702830" y="6657796"/>
-            <a:ext cx="2786340" cy="215444"/>
-          </a:xfrm>
-          <a:prstGeom prst="rect">
-            <a:avLst/>
-          </a:prstGeom>
-          <a:noFill/>
-        </p:spPr>
-        <p:txBody>
-          <a:bodyPr wrap="none" rtlCol="0">
-            <a:spAutoFit/>
-          </a:bodyPr>
-          <a:lstStyle/>
-          <a:p>
-            <a:pPr marL="0" marR="0" lvl="0" indent="0" algn="ctr" defTabSz="914400" rtl="0" eaLnBrk="1" fontAlgn="auto" latinLnBrk="1" hangingPunct="1">
-              <a:lnSpc>
-                <a:spcPct val="100000"/>
-              </a:lnSpc>
-              <a:spcBef>
-                <a:spcPts val="0"/>
-              </a:spcBef>
-              <a:spcAft>
-                <a:spcPts val="0"/>
-              </a:spcAft>
-              <a:buClrTx/>
-              <a:buSzTx/>
-              <a:buFontTx/>
-              <a:buNone/>
-              <a:tabLst/>
-              <a:defRPr/>
-            </a:pPr>
-            <a:r>
-              <a:rPr lang="en-US" altLang="ko-KR" sz="800">
-                <a:ln>
-                  <a:solidFill>
-                    <a:schemeClr val="tx1">
-                      <a:alpha val="0"/>
-                    </a:schemeClr>
-                  </a:solidFill>
-                </a:ln>
-                <a:solidFill>
-                  <a:schemeClr val="bg1"/>
-                </a:solidFill>
-                <a:latin typeface="Gotham" panose="02000604030000020004" pitchFamily="50" charset="0"/>
-                <a:ea typeface="나눔바른고딕" pitchFamily="50" charset="-127"/>
-              </a:rPr>
-              <a:t>Copyright FASTCAMPUS Corp. All Rights Reserved</a:t>
-            </a:r>
-          </a:p>
-        </p:txBody>
-      </p:sp>
-      <p:sp>
-        <p:nvSpPr>
-          <p:cNvPr id="11" name="제목 10">
-            <a:extLst>
-              <a:ext uri="{FF2B5EF4-FFF2-40B4-BE49-F238E27FC236}">
-                <a16:creationId xmlns:a16="http://schemas.microsoft.com/office/drawing/2014/main" id="{0DB73C5E-A477-4148-A17D-8FBFC94B84D1}"/>
-              </a:ext>
-            </a:extLst>
-          </p:cNvPr>
-          <p:cNvSpPr>
-            <a:spLocks noGrp="1"/>
-          </p:cNvSpPr>
-          <p:nvPr>
-            <p:ph type="title" hasCustomPrompt="1"/>
-          </p:nvPr>
-        </p:nvSpPr>
-        <p:spPr>
-          <a:xfrm>
-            <a:off x="223228" y="333887"/>
-            <a:ext cx="10930266" cy="342659"/>
-          </a:xfrm>
-          <a:prstGeom prst="rect">
-            <a:avLst/>
-          </a:prstGeom>
-        </p:spPr>
-        <p:txBody>
-          <a:bodyPr/>
-          <a:lstStyle>
-            <a:lvl1pPr>
-              <a:defRPr sz="2400">
-                <a:ln>
-                  <a:solidFill>
-                    <a:schemeClr val="tx1">
-                      <a:alpha val="0"/>
-                    </a:schemeClr>
-                  </a:solidFill>
-                </a:ln>
-                <a:latin typeface="Noto Sans CJK KR Medium" panose="020B0600000000000000" pitchFamily="34" charset="-127"/>
-                <a:ea typeface="Noto Sans CJK KR Medium" panose="020B0600000000000000" pitchFamily="34" charset="-127"/>
-              </a:defRPr>
-            </a:lvl1pPr>
-          </a:lstStyle>
-          <a:p>
-            <a:r>
-              <a:rPr lang="ko-KR" altLang="en-US"/>
-              <a:t>슬라이드 핵심 내용이 한 줄이라면 이 슬라이드를 이용해 주세요</a:t>
-            </a:r>
-            <a:r>
-              <a:rPr lang="en-US" altLang="ko-KR"/>
-              <a:t>.</a:t>
-            </a:r>
-            <a:endParaRPr lang="ko-KR" altLang="en-US"/>
-          </a:p>
-        </p:txBody>
-      </p:sp>
-      <p:sp>
-        <p:nvSpPr>
-          <p:cNvPr id="13" name="TextBox 12">
-            <a:extLst>
-              <a:ext uri="{FF2B5EF4-FFF2-40B4-BE49-F238E27FC236}">
-                <a16:creationId xmlns:a16="http://schemas.microsoft.com/office/drawing/2014/main" id="{0F66DA56-C927-4870-A08B-A4E27CB636C4}"/>
-              </a:ext>
-            </a:extLst>
-          </p:cNvPr>
-          <p:cNvSpPr txBox="1"/>
-          <p:nvPr userDrawn="1"/>
-        </p:nvSpPr>
-        <p:spPr>
-          <a:xfrm>
-            <a:off x="103601" y="98583"/>
-            <a:ext cx="742511" cy="246221"/>
-          </a:xfrm>
-          <a:prstGeom prst="rect">
-            <a:avLst/>
-          </a:prstGeom>
-          <a:noFill/>
-        </p:spPr>
-        <p:txBody>
-          <a:bodyPr wrap="none" rtlCol="0">
-            <a:spAutoFit/>
-          </a:bodyPr>
-          <a:lstStyle/>
-          <a:p>
-            <a:r>
-              <a:rPr lang="en-US" altLang="ko-KR" sz="1000" b="1">
-                <a:ln>
-                  <a:solidFill>
-                    <a:schemeClr val="tx1">
-                      <a:alpha val="0"/>
-                    </a:schemeClr>
-                  </a:solidFill>
-                </a:ln>
-                <a:latin typeface="Gotham" panose="02000604030000020004" pitchFamily="50" charset="0"/>
-              </a:rPr>
-              <a:t>Chapter</a:t>
-            </a:r>
-            <a:r>
-              <a:rPr lang="en-US" altLang="ko-KR" sz="1000" b="1">
-                <a:ln>
-                  <a:solidFill>
-                    <a:schemeClr val="tx1">
-                      <a:alpha val="0"/>
-                    </a:schemeClr>
-                  </a:solidFill>
-                </a:ln>
-                <a:solidFill>
-                  <a:srgbClr val="EE234B"/>
-                </a:solidFill>
-                <a:latin typeface="Gotham" panose="02000604030000020004" pitchFamily="50" charset="0"/>
-              </a:rPr>
-              <a:t>.</a:t>
-            </a:r>
-            <a:endParaRPr lang="ko-KR" altLang="en-US" sz="1000" b="1">
-              <a:ln>
-                <a:solidFill>
-                  <a:schemeClr val="tx1">
-                    <a:alpha val="0"/>
-                  </a:schemeClr>
-                </a:solidFill>
-              </a:ln>
-              <a:solidFill>
-                <a:srgbClr val="EE234B"/>
-              </a:solidFill>
-              <a:latin typeface="Gotham" panose="02000604030000020004" pitchFamily="50" charset="0"/>
-            </a:endParaRPr>
-          </a:p>
-        </p:txBody>
-      </p:sp>
-      <p:sp>
-        <p:nvSpPr>
-          <p:cNvPr id="14" name="텍스트 개체 틀 15">
-            <a:extLst>
-              <a:ext uri="{FF2B5EF4-FFF2-40B4-BE49-F238E27FC236}">
-                <a16:creationId xmlns:a16="http://schemas.microsoft.com/office/drawing/2014/main" id="{E833FE27-D81B-4BD3-838C-88B7BEC0B521}"/>
-              </a:ext>
-            </a:extLst>
-          </p:cNvPr>
-          <p:cNvSpPr>
-            <a:spLocks noGrp="1"/>
-          </p:cNvSpPr>
-          <p:nvPr>
-            <p:ph type="body" sz="quarter" idx="10" hasCustomPrompt="1"/>
-          </p:nvPr>
-        </p:nvSpPr>
-        <p:spPr>
-          <a:xfrm>
-            <a:off x="682259" y="110625"/>
-            <a:ext cx="386922" cy="222136"/>
-          </a:xfrm>
-          <a:prstGeom prst="rect">
-            <a:avLst/>
-          </a:prstGeom>
-        </p:spPr>
-        <p:txBody>
-          <a:bodyPr/>
-          <a:lstStyle>
-            <a:lvl1pPr marL="0" indent="0">
-              <a:buNone/>
-              <a:defRPr lang="ko-KR" altLang="en-US" sz="1050" b="1" kern="1200">
-                <a:ln>
-                  <a:solidFill>
-                    <a:schemeClr val="tx1">
-                      <a:alpha val="0"/>
-                    </a:schemeClr>
-                  </a:solidFill>
-                </a:ln>
-                <a:solidFill>
-                  <a:schemeClr val="tx1"/>
-                </a:solidFill>
-                <a:latin typeface="Gotham" panose="02000604030000020004" pitchFamily="50" charset="0"/>
-                <a:ea typeface="+mn-ea"/>
-                <a:cs typeface="+mn-cs"/>
-              </a:defRPr>
-            </a:lvl1pPr>
-          </a:lstStyle>
-          <a:p>
-            <a:pPr lvl="0"/>
-            <a:r>
-              <a:rPr lang="en-US" altLang="ko-KR"/>
-              <a:t>00</a:t>
-            </a:r>
-            <a:endParaRPr lang="ko-KR" altLang="en-US"/>
-          </a:p>
-        </p:txBody>
-      </p:sp>
-      <p:cxnSp>
-        <p:nvCxnSpPr>
-          <p:cNvPr id="16" name="직선 연결선 15">
-            <a:extLst>
-              <a:ext uri="{FF2B5EF4-FFF2-40B4-BE49-F238E27FC236}">
-                <a16:creationId xmlns:a16="http://schemas.microsoft.com/office/drawing/2014/main" id="{16CD7445-9D88-43FB-A201-8A51AC3005BB}"/>
-              </a:ext>
-            </a:extLst>
-          </p:cNvPr>
-          <p:cNvCxnSpPr>
-            <a:cxnSpLocks/>
-          </p:cNvCxnSpPr>
-          <p:nvPr userDrawn="1"/>
-        </p:nvCxnSpPr>
-        <p:spPr>
-          <a:xfrm>
-            <a:off x="223228" y="433388"/>
-            <a:ext cx="0" cy="195262"/>
-          </a:xfrm>
-          <a:prstGeom prst="line">
-            <a:avLst/>
-          </a:prstGeom>
-          <a:ln w="28575">
-            <a:solidFill>
-              <a:schemeClr val="tx1"/>
-            </a:solidFill>
-          </a:ln>
-        </p:spPr>
-        <p:style>
-          <a:lnRef idx="1">
-            <a:schemeClr val="accent1"/>
-          </a:lnRef>
-          <a:fillRef idx="0">
-            <a:schemeClr val="accent1"/>
-          </a:fillRef>
-          <a:effectRef idx="0">
-            <a:schemeClr val="accent1"/>
-          </a:effectRef>
-          <a:fontRef idx="minor">
-            <a:schemeClr val="tx1"/>
-          </a:fontRef>
-        </p:style>
-      </p:cxnSp>
-      <p:sp>
-        <p:nvSpPr>
-          <p:cNvPr id="3" name="내용 개체 틀 2">
-            <a:extLst>
-              <a:ext uri="{FF2B5EF4-FFF2-40B4-BE49-F238E27FC236}">
-                <a16:creationId xmlns:a16="http://schemas.microsoft.com/office/drawing/2014/main" id="{F3613B8B-683C-4498-8B71-325E011C51AD}"/>
-              </a:ext>
-            </a:extLst>
-          </p:cNvPr>
-          <p:cNvSpPr>
-            <a:spLocks noGrp="1"/>
-          </p:cNvSpPr>
-          <p:nvPr>
-            <p:ph sz="quarter" idx="11" hasCustomPrompt="1"/>
-          </p:nvPr>
-        </p:nvSpPr>
-        <p:spPr>
-          <a:xfrm>
-            <a:off x="914559" y="110568"/>
-            <a:ext cx="2200592" cy="222250"/>
-          </a:xfrm>
-          <a:prstGeom prst="rect">
-            <a:avLst/>
-          </a:prstGeom>
-          <a:ln>
-            <a:noFill/>
-          </a:ln>
-        </p:spPr>
-        <p:txBody>
-          <a:bodyPr/>
-          <a:lstStyle>
-            <a:lvl1pPr marL="0" indent="0">
-              <a:buNone/>
-              <a:defRPr sz="1000">
-                <a:ln>
-                  <a:solidFill>
-                    <a:schemeClr val="tx1">
-                      <a:alpha val="0"/>
-                    </a:schemeClr>
-                  </a:solidFill>
-                </a:ln>
-                <a:solidFill>
-                  <a:srgbClr val="EF234B"/>
-                </a:solidFill>
-                <a:latin typeface="Noto Sans CJK KR Medium" panose="020B0600000000000000" pitchFamily="34" charset="-127"/>
-                <a:ea typeface="Noto Sans CJK KR Medium" panose="020B0600000000000000" pitchFamily="34" charset="-127"/>
-              </a:defRPr>
-            </a:lvl1pPr>
-          </a:lstStyle>
-          <a:p>
-            <a:pPr lvl="0"/>
-            <a:r>
-              <a:rPr lang="ko-KR" altLang="en-US" dirty="0" err="1"/>
-              <a:t>챕터명을</a:t>
-            </a:r>
-            <a:r>
-              <a:rPr lang="ko-KR" altLang="en-US" dirty="0"/>
-              <a:t> 적어주세요</a:t>
-            </a:r>
-            <a:r>
-              <a:rPr lang="en-US" altLang="ko-KR" dirty="0"/>
-              <a:t>.</a:t>
-            </a:r>
-            <a:endParaRPr lang="ko-KR" altLang="en-US" dirty="0"/>
-          </a:p>
-        </p:txBody>
-      </p:sp>
-      <p:sp>
-        <p:nvSpPr>
-          <p:cNvPr id="4" name="텍스트 개체 틀 3">
-            <a:extLst>
-              <a:ext uri="{FF2B5EF4-FFF2-40B4-BE49-F238E27FC236}">
-                <a16:creationId xmlns:a16="http://schemas.microsoft.com/office/drawing/2014/main" id="{87BEC569-FAE8-4A56-B45C-59458049BB63}"/>
-              </a:ext>
-            </a:extLst>
-          </p:cNvPr>
-          <p:cNvSpPr>
-            <a:spLocks noGrp="1"/>
-          </p:cNvSpPr>
-          <p:nvPr>
-            <p:ph type="body" sz="quarter" idx="12"/>
-          </p:nvPr>
-        </p:nvSpPr>
-        <p:spPr>
-          <a:xfrm>
-            <a:off x="682260" y="1136650"/>
-            <a:ext cx="10471516" cy="4584700"/>
-          </a:xfrm>
-          <a:prstGeom prst="rect">
-            <a:avLst/>
-          </a:prstGeom>
-        </p:spPr>
-        <p:txBody>
-          <a:bodyPr/>
-          <a:lstStyle>
-            <a:lvl1pPr>
-              <a:defRPr>
-                <a:latin typeface="+mn-ea"/>
-                <a:ea typeface="+mn-ea"/>
-              </a:defRPr>
-            </a:lvl1pPr>
-            <a:lvl2pPr>
-              <a:defRPr>
-                <a:latin typeface="+mn-ea"/>
-                <a:ea typeface="+mn-ea"/>
-              </a:defRPr>
-            </a:lvl2pPr>
-            <a:lvl3pPr>
-              <a:defRPr>
-                <a:latin typeface="+mn-ea"/>
-                <a:ea typeface="+mn-ea"/>
-              </a:defRPr>
-            </a:lvl3pPr>
-            <a:lvl4pPr>
-              <a:defRPr>
-                <a:latin typeface="+mn-ea"/>
-                <a:ea typeface="+mn-ea"/>
-              </a:defRPr>
-            </a:lvl4pPr>
-            <a:lvl5pPr>
-              <a:defRPr>
-                <a:latin typeface="+mn-ea"/>
-                <a:ea typeface="+mn-ea"/>
-              </a:defRPr>
-            </a:lvl5pPr>
-          </a:lstStyle>
-          <a:p>
-            <a:pPr lvl="0"/>
-            <a:r>
-              <a:rPr lang="ko-KR" altLang="en-US" dirty="0"/>
-              <a:t>마스터 텍스트 스타일 편집</a:t>
-            </a:r>
-          </a:p>
-          <a:p>
-            <a:pPr lvl="1"/>
-            <a:r>
-              <a:rPr lang="ko-KR" altLang="en-US" dirty="0"/>
-              <a:t>둘째 수준</a:t>
-            </a:r>
-          </a:p>
-          <a:p>
-            <a:pPr lvl="2"/>
-            <a:r>
-              <a:rPr lang="ko-KR" altLang="en-US" dirty="0"/>
-              <a:t>셋째 수준</a:t>
-            </a:r>
-          </a:p>
-          <a:p>
-            <a:pPr lvl="3"/>
-            <a:r>
-              <a:rPr lang="ko-KR" altLang="en-US" dirty="0"/>
-              <a:t>넷째 수준</a:t>
-            </a:r>
-          </a:p>
-          <a:p>
-            <a:pPr lvl="4"/>
-            <a:r>
-              <a:rPr lang="ko-KR" altLang="en-US" dirty="0"/>
-              <a:t>다섯째 수준</a:t>
-            </a:r>
-          </a:p>
-        </p:txBody>
-      </p:sp>
-    </p:spTree>
-    <p:extLst>
-      <p:ext uri="{BB962C8B-B14F-4D97-AF65-F5344CB8AC3E}">
-        <p14:creationId xmlns:p14="http://schemas.microsoft.com/office/powerpoint/2010/main" val="1587548017"/>
-      </p:ext>
-    </p:extLst>
-  </p:cSld>
-  <p:clrMapOvr>
-    <a:masterClrMapping/>
-  </p:clrMapOvr>
-</p:sldLayout>
-</file>
-
-<file path=ppt/slideLayouts/slideLayout4.xml><?xml version="1.0" encoding="utf-8"?>
-<p:sldLayout xmlns:a="http://schemas.openxmlformats.org/drawingml/2006/main" xmlns:r="http://schemas.openxmlformats.org/officeDocument/2006/relationships" xmlns:p="http://schemas.openxmlformats.org/presentationml/2006/main" preserve="1" userDrawn="1">
-  <p:cSld name="1줄ti">
-    <p:spTree>
-      <p:nvGrpSpPr>
-        <p:cNvPr id="1" name=""/>
-        <p:cNvGrpSpPr/>
-        <p:nvPr/>
-      </p:nvGrpSpPr>
-      <p:grpSpPr>
-        <a:xfrm>
-          <a:off x="0" y="0"/>
-          <a:ext cx="0" cy="0"/>
-          <a:chOff x="0" y="0"/>
-          <a:chExt cx="0" cy="0"/>
-        </a:xfrm>
-      </p:grpSpPr>
-      <p:sp>
-        <p:nvSpPr>
-          <p:cNvPr id="6" name="직사각형 5">
-            <a:extLst>
-              <a:ext uri="{FF2B5EF4-FFF2-40B4-BE49-F238E27FC236}">
-                <a16:creationId xmlns:a16="http://schemas.microsoft.com/office/drawing/2014/main" id="{D2D5CCD6-DEBA-4450-9DE6-51A3553927BC}"/>
-              </a:ext>
-            </a:extLst>
-          </p:cNvPr>
-          <p:cNvSpPr/>
-          <p:nvPr userDrawn="1"/>
-        </p:nvSpPr>
-        <p:spPr>
-          <a:xfrm>
-            <a:off x="0" y="6673174"/>
-            <a:ext cx="12192000" cy="184826"/>
-          </a:xfrm>
-          <a:prstGeom prst="rect">
-            <a:avLst/>
-          </a:prstGeom>
-          <a:solidFill>
-            <a:schemeClr val="tx1">
-              <a:lumMod val="85000"/>
-              <a:lumOff val="15000"/>
-            </a:schemeClr>
-          </a:solidFill>
-          <a:ln>
-            <a:noFill/>
-          </a:ln>
-        </p:spPr>
-        <p:style>
-          <a:lnRef idx="2">
-            <a:schemeClr val="accent1">
-              <a:shade val="50000"/>
-            </a:schemeClr>
-          </a:lnRef>
-          <a:fillRef idx="1">
-            <a:schemeClr val="accent1"/>
-          </a:fillRef>
-          <a:effectRef idx="0">
-            <a:schemeClr val="accent1"/>
-          </a:effectRef>
-          <a:fontRef idx="minor">
-            <a:schemeClr val="lt1"/>
-          </a:fontRef>
-        </p:style>
-        <p:txBody>
-          <a:bodyPr rtlCol="0" anchor="ctr"/>
-          <a:lstStyle/>
-          <a:p>
-            <a:pPr algn="ctr"/>
-            <a:endParaRPr lang="ko-KR" altLang="en-US">
-              <a:ln>
-                <a:solidFill>
-                  <a:schemeClr val="tx1">
-                    <a:alpha val="0"/>
-                  </a:schemeClr>
-                </a:solidFill>
-              </a:ln>
-            </a:endParaRPr>
-          </a:p>
-        </p:txBody>
-      </p:sp>
-      <p:sp>
-        <p:nvSpPr>
-          <p:cNvPr id="7" name="TextBox 6">
-            <a:extLst>
-              <a:ext uri="{FF2B5EF4-FFF2-40B4-BE49-F238E27FC236}">
-                <a16:creationId xmlns:a16="http://schemas.microsoft.com/office/drawing/2014/main" id="{552646BE-A0A3-4A62-820E-FB203AD599C0}"/>
-              </a:ext>
-            </a:extLst>
-          </p:cNvPr>
-          <p:cNvSpPr txBox="1"/>
-          <p:nvPr userDrawn="1"/>
-        </p:nvSpPr>
-        <p:spPr>
-          <a:xfrm>
-            <a:off x="4702830" y="6657796"/>
-            <a:ext cx="2786340" cy="215444"/>
-          </a:xfrm>
-          <a:prstGeom prst="rect">
-            <a:avLst/>
-          </a:prstGeom>
-          <a:noFill/>
-        </p:spPr>
-        <p:txBody>
-          <a:bodyPr wrap="none" rtlCol="0">
-            <a:spAutoFit/>
-          </a:bodyPr>
-          <a:lstStyle/>
-          <a:p>
-            <a:pPr marL="0" marR="0" lvl="0" indent="0" algn="ctr" defTabSz="914400" rtl="0" eaLnBrk="1" fontAlgn="auto" latinLnBrk="1" hangingPunct="1">
-              <a:lnSpc>
-                <a:spcPct val="100000"/>
-              </a:lnSpc>
-              <a:spcBef>
-                <a:spcPts val="0"/>
-              </a:spcBef>
-              <a:spcAft>
-                <a:spcPts val="0"/>
-              </a:spcAft>
-              <a:buClrTx/>
-              <a:buSzTx/>
-              <a:buFontTx/>
-              <a:buNone/>
-              <a:tabLst/>
-              <a:defRPr/>
-            </a:pPr>
-            <a:r>
-              <a:rPr lang="en-US" altLang="ko-KR" sz="800">
-                <a:ln>
-                  <a:solidFill>
-                    <a:schemeClr val="tx1">
-                      <a:alpha val="0"/>
-                    </a:schemeClr>
-                  </a:solidFill>
-                </a:ln>
-                <a:solidFill>
-                  <a:schemeClr val="bg1"/>
-                </a:solidFill>
-                <a:latin typeface="Gotham" panose="02000604030000020004" pitchFamily="50" charset="0"/>
-                <a:ea typeface="나눔바른고딕" pitchFamily="50" charset="-127"/>
-              </a:rPr>
-              <a:t>Copyright FASTCAMPUS Corp. All Rights Reserved</a:t>
-            </a:r>
-          </a:p>
-        </p:txBody>
-      </p:sp>
-      <p:sp>
-        <p:nvSpPr>
-          <p:cNvPr id="11" name="제목 10">
-            <a:extLst>
-              <a:ext uri="{FF2B5EF4-FFF2-40B4-BE49-F238E27FC236}">
-                <a16:creationId xmlns:a16="http://schemas.microsoft.com/office/drawing/2014/main" id="{0DB73C5E-A477-4148-A17D-8FBFC94B84D1}"/>
-              </a:ext>
-            </a:extLst>
-          </p:cNvPr>
-          <p:cNvSpPr>
-            <a:spLocks noGrp="1"/>
-          </p:cNvSpPr>
-          <p:nvPr>
-            <p:ph type="title" hasCustomPrompt="1"/>
-          </p:nvPr>
-        </p:nvSpPr>
-        <p:spPr>
-          <a:xfrm>
-            <a:off x="223228" y="333887"/>
-            <a:ext cx="10930266" cy="342659"/>
-          </a:xfrm>
-          <a:prstGeom prst="rect">
-            <a:avLst/>
-          </a:prstGeom>
-        </p:spPr>
-        <p:txBody>
-          <a:bodyPr/>
-          <a:lstStyle>
-            <a:lvl1pPr>
-              <a:defRPr sz="2400">
-                <a:ln>
-                  <a:solidFill>
-                    <a:schemeClr val="tx1">
-                      <a:alpha val="0"/>
-                    </a:schemeClr>
-                  </a:solidFill>
-                </a:ln>
-                <a:latin typeface="Noto Sans CJK KR Medium" panose="020B0600000000000000" pitchFamily="34" charset="-127"/>
-                <a:ea typeface="Noto Sans CJK KR Medium" panose="020B0600000000000000" pitchFamily="34" charset="-127"/>
-              </a:defRPr>
-            </a:lvl1pPr>
-          </a:lstStyle>
-          <a:p>
-            <a:r>
-              <a:rPr lang="ko-KR" altLang="en-US"/>
-              <a:t>슬라이드 핵심 내용이 한 줄이라면 이 슬라이드를 이용해 주세요</a:t>
-            </a:r>
-            <a:r>
-              <a:rPr lang="en-US" altLang="ko-KR"/>
-              <a:t>.</a:t>
-            </a:r>
-            <a:endParaRPr lang="ko-KR" altLang="en-US"/>
-          </a:p>
-        </p:txBody>
-      </p:sp>
-      <p:sp>
-        <p:nvSpPr>
-          <p:cNvPr id="13" name="TextBox 12">
-            <a:extLst>
-              <a:ext uri="{FF2B5EF4-FFF2-40B4-BE49-F238E27FC236}">
-                <a16:creationId xmlns:a16="http://schemas.microsoft.com/office/drawing/2014/main" id="{0F66DA56-C927-4870-A08B-A4E27CB636C4}"/>
-              </a:ext>
-            </a:extLst>
-          </p:cNvPr>
-          <p:cNvSpPr txBox="1"/>
-          <p:nvPr userDrawn="1"/>
-        </p:nvSpPr>
-        <p:spPr>
-          <a:xfrm>
-            <a:off x="103601" y="98583"/>
-            <a:ext cx="742511" cy="246221"/>
-          </a:xfrm>
-          <a:prstGeom prst="rect">
-            <a:avLst/>
-          </a:prstGeom>
-          <a:noFill/>
-        </p:spPr>
-        <p:txBody>
-          <a:bodyPr wrap="none" rtlCol="0">
-            <a:spAutoFit/>
-          </a:bodyPr>
-          <a:lstStyle/>
-          <a:p>
-            <a:r>
-              <a:rPr lang="en-US" altLang="ko-KR" sz="1000" b="1">
-                <a:ln>
-                  <a:solidFill>
-                    <a:schemeClr val="tx1">
-                      <a:alpha val="0"/>
-                    </a:schemeClr>
-                  </a:solidFill>
-                </a:ln>
-                <a:latin typeface="Gotham" panose="02000604030000020004" pitchFamily="50" charset="0"/>
-              </a:rPr>
-              <a:t>Chapter</a:t>
-            </a:r>
-            <a:r>
-              <a:rPr lang="en-US" altLang="ko-KR" sz="1000" b="1">
-                <a:ln>
-                  <a:solidFill>
-                    <a:schemeClr val="tx1">
-                      <a:alpha val="0"/>
-                    </a:schemeClr>
-                  </a:solidFill>
-                </a:ln>
-                <a:solidFill>
-                  <a:srgbClr val="EE234B"/>
-                </a:solidFill>
-                <a:latin typeface="Gotham" panose="02000604030000020004" pitchFamily="50" charset="0"/>
-              </a:rPr>
-              <a:t>.</a:t>
-            </a:r>
-            <a:endParaRPr lang="ko-KR" altLang="en-US" sz="1000" b="1">
-              <a:ln>
-                <a:solidFill>
-                  <a:schemeClr val="tx1">
-                    <a:alpha val="0"/>
-                  </a:schemeClr>
-                </a:solidFill>
-              </a:ln>
-              <a:solidFill>
-                <a:srgbClr val="EE234B"/>
-              </a:solidFill>
-              <a:latin typeface="Gotham" panose="02000604030000020004" pitchFamily="50" charset="0"/>
-            </a:endParaRPr>
-          </a:p>
-        </p:txBody>
-      </p:sp>
-      <p:sp>
-        <p:nvSpPr>
-          <p:cNvPr id="14" name="텍스트 개체 틀 15">
-            <a:extLst>
-              <a:ext uri="{FF2B5EF4-FFF2-40B4-BE49-F238E27FC236}">
-                <a16:creationId xmlns:a16="http://schemas.microsoft.com/office/drawing/2014/main" id="{E833FE27-D81B-4BD3-838C-88B7BEC0B521}"/>
-              </a:ext>
-            </a:extLst>
-          </p:cNvPr>
-          <p:cNvSpPr>
-            <a:spLocks noGrp="1"/>
-          </p:cNvSpPr>
-          <p:nvPr>
-            <p:ph type="body" sz="quarter" idx="10" hasCustomPrompt="1"/>
-          </p:nvPr>
-        </p:nvSpPr>
-        <p:spPr>
-          <a:xfrm>
-            <a:off x="682259" y="110625"/>
-            <a:ext cx="386922" cy="222136"/>
-          </a:xfrm>
-          <a:prstGeom prst="rect">
-            <a:avLst/>
-          </a:prstGeom>
-        </p:spPr>
-        <p:txBody>
-          <a:bodyPr/>
-          <a:lstStyle>
-            <a:lvl1pPr marL="0" indent="0">
-              <a:buNone/>
-              <a:defRPr lang="ko-KR" altLang="en-US" sz="1050" b="1" kern="1200">
-                <a:ln>
-                  <a:solidFill>
-                    <a:schemeClr val="tx1">
-                      <a:alpha val="0"/>
-                    </a:schemeClr>
-                  </a:solidFill>
-                </a:ln>
-                <a:solidFill>
-                  <a:schemeClr val="tx1"/>
-                </a:solidFill>
-                <a:latin typeface="Gotham" panose="02000604030000020004" pitchFamily="50" charset="0"/>
-                <a:ea typeface="+mn-ea"/>
-                <a:cs typeface="+mn-cs"/>
-              </a:defRPr>
-            </a:lvl1pPr>
-          </a:lstStyle>
-          <a:p>
-            <a:pPr lvl="0"/>
-            <a:r>
-              <a:rPr lang="en-US" altLang="ko-KR"/>
-              <a:t>00</a:t>
-            </a:r>
-            <a:endParaRPr lang="ko-KR" altLang="en-US"/>
-          </a:p>
-        </p:txBody>
-      </p:sp>
-      <p:cxnSp>
-        <p:nvCxnSpPr>
-          <p:cNvPr id="16" name="직선 연결선 15">
-            <a:extLst>
-              <a:ext uri="{FF2B5EF4-FFF2-40B4-BE49-F238E27FC236}">
-                <a16:creationId xmlns:a16="http://schemas.microsoft.com/office/drawing/2014/main" id="{16CD7445-9D88-43FB-A201-8A51AC3005BB}"/>
-              </a:ext>
-            </a:extLst>
-          </p:cNvPr>
-          <p:cNvCxnSpPr>
-            <a:cxnSpLocks/>
-          </p:cNvCxnSpPr>
-          <p:nvPr userDrawn="1"/>
-        </p:nvCxnSpPr>
-        <p:spPr>
-          <a:xfrm>
-            <a:off x="223228" y="433388"/>
-            <a:ext cx="0" cy="195262"/>
-          </a:xfrm>
-          <a:prstGeom prst="line">
-            <a:avLst/>
-          </a:prstGeom>
-          <a:ln w="28575">
-            <a:solidFill>
-              <a:schemeClr val="tx1"/>
-            </a:solidFill>
-          </a:ln>
-        </p:spPr>
-        <p:style>
-          <a:lnRef idx="1">
-            <a:schemeClr val="accent1"/>
-          </a:lnRef>
-          <a:fillRef idx="0">
-            <a:schemeClr val="accent1"/>
-          </a:fillRef>
-          <a:effectRef idx="0">
-            <a:schemeClr val="accent1"/>
-          </a:effectRef>
-          <a:fontRef idx="minor">
-            <a:schemeClr val="tx1"/>
-          </a:fontRef>
-        </p:style>
-      </p:cxnSp>
-      <p:sp>
-        <p:nvSpPr>
-          <p:cNvPr id="3" name="내용 개체 틀 2">
-            <a:extLst>
-              <a:ext uri="{FF2B5EF4-FFF2-40B4-BE49-F238E27FC236}">
-                <a16:creationId xmlns:a16="http://schemas.microsoft.com/office/drawing/2014/main" id="{F3613B8B-683C-4498-8B71-325E011C51AD}"/>
-              </a:ext>
-            </a:extLst>
-          </p:cNvPr>
-          <p:cNvSpPr>
-            <a:spLocks noGrp="1"/>
-          </p:cNvSpPr>
-          <p:nvPr>
-            <p:ph sz="quarter" idx="11" hasCustomPrompt="1"/>
-          </p:nvPr>
-        </p:nvSpPr>
-        <p:spPr>
-          <a:xfrm>
-            <a:off x="914559" y="110568"/>
-            <a:ext cx="2200592" cy="222250"/>
-          </a:xfrm>
-          <a:prstGeom prst="rect">
-            <a:avLst/>
-          </a:prstGeom>
-          <a:ln>
-            <a:noFill/>
-          </a:ln>
-        </p:spPr>
-        <p:txBody>
-          <a:bodyPr/>
-          <a:lstStyle>
-            <a:lvl1pPr marL="0" indent="0">
-              <a:buNone/>
-              <a:defRPr sz="1000">
-                <a:ln>
-                  <a:solidFill>
-                    <a:schemeClr val="tx1">
-                      <a:alpha val="0"/>
-                    </a:schemeClr>
-                  </a:solidFill>
-                </a:ln>
-                <a:solidFill>
-                  <a:srgbClr val="EF234B"/>
-                </a:solidFill>
-                <a:latin typeface="Noto Sans CJK KR Medium" panose="020B0600000000000000" pitchFamily="34" charset="-127"/>
-                <a:ea typeface="Noto Sans CJK KR Medium" panose="020B0600000000000000" pitchFamily="34" charset="-127"/>
-              </a:defRPr>
-            </a:lvl1pPr>
-          </a:lstStyle>
-          <a:p>
-            <a:pPr lvl="0"/>
-            <a:r>
-              <a:rPr lang="ko-KR" altLang="en-US" dirty="0" err="1"/>
-              <a:t>챕터명을</a:t>
-            </a:r>
-            <a:r>
-              <a:rPr lang="ko-KR" altLang="en-US" dirty="0"/>
-              <a:t> 적어주세요</a:t>
-            </a:r>
-            <a:r>
-              <a:rPr lang="en-US" altLang="ko-KR" dirty="0"/>
-              <a:t>.</a:t>
-            </a:r>
-            <a:endParaRPr lang="ko-KR" altLang="en-US" dirty="0"/>
-          </a:p>
-        </p:txBody>
-      </p:sp>
-      <p:sp>
-        <p:nvSpPr>
-          <p:cNvPr id="4" name="텍스트 개체 틀 3">
-            <a:extLst>
-              <a:ext uri="{FF2B5EF4-FFF2-40B4-BE49-F238E27FC236}">
-                <a16:creationId xmlns:a16="http://schemas.microsoft.com/office/drawing/2014/main" id="{87BEC569-FAE8-4A56-B45C-59458049BB63}"/>
-              </a:ext>
-            </a:extLst>
-          </p:cNvPr>
-          <p:cNvSpPr>
-            <a:spLocks noGrp="1"/>
-          </p:cNvSpPr>
-          <p:nvPr>
-            <p:ph type="body" sz="quarter" idx="12"/>
-          </p:nvPr>
-        </p:nvSpPr>
-        <p:spPr>
-          <a:xfrm>
-            <a:off x="682260" y="901517"/>
-            <a:ext cx="10471516" cy="631190"/>
-          </a:xfrm>
-          <a:prstGeom prst="rect">
-            <a:avLst/>
-          </a:prstGeom>
-        </p:spPr>
-        <p:txBody>
-          <a:bodyPr/>
-          <a:lstStyle>
-            <a:lvl1pPr>
-              <a:defRPr>
-                <a:latin typeface="+mn-ea"/>
-                <a:ea typeface="+mn-ea"/>
-              </a:defRPr>
-            </a:lvl1pPr>
-            <a:lvl2pPr marL="457200" indent="0">
-              <a:buNone/>
-              <a:defRPr>
-                <a:latin typeface="+mn-ea"/>
-                <a:ea typeface="+mn-ea"/>
-              </a:defRPr>
-            </a:lvl2pPr>
-            <a:lvl3pPr>
-              <a:defRPr>
-                <a:latin typeface="+mn-ea"/>
-                <a:ea typeface="+mn-ea"/>
-              </a:defRPr>
-            </a:lvl3pPr>
-            <a:lvl4pPr>
-              <a:defRPr>
-                <a:latin typeface="+mn-ea"/>
-                <a:ea typeface="+mn-ea"/>
-              </a:defRPr>
-            </a:lvl4pPr>
-            <a:lvl5pPr>
-              <a:defRPr>
-                <a:latin typeface="+mn-ea"/>
-                <a:ea typeface="+mn-ea"/>
-              </a:defRPr>
-            </a:lvl5pPr>
-          </a:lstStyle>
-          <a:p>
-            <a:pPr lvl="0"/>
-            <a:r>
-              <a:rPr lang="ko-KR" altLang="en-US" dirty="0"/>
-              <a:t>마스터 텍스트 스타일 편집</a:t>
-            </a:r>
-          </a:p>
-        </p:txBody>
-      </p:sp>
-      <p:sp>
-        <p:nvSpPr>
-          <p:cNvPr id="5" name="내용 개체 틀 4">
-            <a:extLst>
-              <a:ext uri="{FF2B5EF4-FFF2-40B4-BE49-F238E27FC236}">
-                <a16:creationId xmlns:a16="http://schemas.microsoft.com/office/drawing/2014/main" id="{3E03AC32-29DE-4F8F-B2CF-8ED75863342B}"/>
-              </a:ext>
-            </a:extLst>
-          </p:cNvPr>
-          <p:cNvSpPr>
-            <a:spLocks noGrp="1"/>
-          </p:cNvSpPr>
-          <p:nvPr>
-            <p:ph sz="quarter" idx="13"/>
-          </p:nvPr>
-        </p:nvSpPr>
-        <p:spPr>
-          <a:xfrm>
-            <a:off x="682625" y="1619793"/>
-            <a:ext cx="10471150" cy="4336690"/>
-          </a:xfrm>
-          <a:prstGeom prst="rect">
-            <a:avLst/>
-          </a:prstGeom>
-        </p:spPr>
-        <p:txBody>
-          <a:bodyPr/>
-          <a:lstStyle/>
-          <a:p>
-            <a:pPr lvl="0"/>
-            <a:r>
-              <a:rPr lang="ko-KR" altLang="en-US"/>
-              <a:t>마스터 텍스트 스타일 편집</a:t>
-            </a:r>
-          </a:p>
-          <a:p>
-            <a:pPr lvl="1"/>
-            <a:r>
-              <a:rPr lang="ko-KR" altLang="en-US"/>
-              <a:t>둘째 수준</a:t>
-            </a:r>
-          </a:p>
-          <a:p>
-            <a:pPr lvl="2"/>
-            <a:r>
-              <a:rPr lang="ko-KR" altLang="en-US"/>
-              <a:t>셋째 수준</a:t>
-            </a:r>
-          </a:p>
-          <a:p>
-            <a:pPr lvl="3"/>
-            <a:r>
-              <a:rPr lang="ko-KR" altLang="en-US"/>
-              <a:t>넷째 수준</a:t>
-            </a:r>
-          </a:p>
-          <a:p>
-            <a:pPr lvl="4"/>
-            <a:r>
-              <a:rPr lang="ko-KR" altLang="en-US"/>
-              <a:t>다섯째 수준</a:t>
-            </a:r>
-          </a:p>
-        </p:txBody>
-      </p:sp>
-    </p:spTree>
-    <p:extLst>
-      <p:ext uri="{BB962C8B-B14F-4D97-AF65-F5344CB8AC3E}">
-        <p14:creationId xmlns:p14="http://schemas.microsoft.com/office/powerpoint/2010/main" val="3345231262"/>
-      </p:ext>
-    </p:extLst>
-  </p:cSld>
-  <p:clrMapOvr>
-    <a:masterClrMapping/>
-  </p:clrMapOvr>
-</p:sldLayout>
-</file>
-
-<file path=ppt/slideLayouts/slideLayout5.xml><?xml version="1.0" encoding="utf-8"?>
-<p:sldLayout xmlns:a="http://schemas.openxmlformats.org/drawingml/2006/main" xmlns:r="http://schemas.openxmlformats.org/officeDocument/2006/relationships" xmlns:p="http://schemas.openxmlformats.org/presentationml/2006/main" preserve="1" userDrawn="1">
-  <p:cSld name="2줄t">
-    <p:spTree>
-      <p:nvGrpSpPr>
-        <p:cNvPr id="1" name=""/>
-        <p:cNvGrpSpPr/>
-        <p:nvPr/>
-      </p:nvGrpSpPr>
-      <p:grpSpPr>
-        <a:xfrm>
-          <a:off x="0" y="0"/>
-          <a:ext cx="0" cy="0"/>
-          <a:chOff x="0" y="0"/>
-          <a:chExt cx="0" cy="0"/>
-        </a:xfrm>
-      </p:grpSpPr>
-      <p:sp>
-        <p:nvSpPr>
-          <p:cNvPr id="6" name="직사각형 5">
-            <a:extLst>
-              <a:ext uri="{FF2B5EF4-FFF2-40B4-BE49-F238E27FC236}">
-                <a16:creationId xmlns:a16="http://schemas.microsoft.com/office/drawing/2014/main" id="{D2D5CCD6-DEBA-4450-9DE6-51A3553927BC}"/>
-              </a:ext>
-            </a:extLst>
-          </p:cNvPr>
-          <p:cNvSpPr/>
-          <p:nvPr userDrawn="1"/>
-        </p:nvSpPr>
-        <p:spPr>
-          <a:xfrm>
-            <a:off x="0" y="6673174"/>
-            <a:ext cx="12192000" cy="184826"/>
-          </a:xfrm>
-          <a:prstGeom prst="rect">
-            <a:avLst/>
-          </a:prstGeom>
-          <a:solidFill>
-            <a:schemeClr val="tx1">
-              <a:lumMod val="85000"/>
-              <a:lumOff val="15000"/>
-            </a:schemeClr>
-          </a:solidFill>
-          <a:ln>
-            <a:noFill/>
-          </a:ln>
-        </p:spPr>
-        <p:style>
-          <a:lnRef idx="2">
-            <a:schemeClr val="accent1">
-              <a:shade val="50000"/>
-            </a:schemeClr>
-          </a:lnRef>
-          <a:fillRef idx="1">
-            <a:schemeClr val="accent1"/>
-          </a:fillRef>
-          <a:effectRef idx="0">
-            <a:schemeClr val="accent1"/>
-          </a:effectRef>
-          <a:fontRef idx="minor">
-            <a:schemeClr val="lt1"/>
-          </a:fontRef>
-        </p:style>
-        <p:txBody>
-          <a:bodyPr rtlCol="0" anchor="ctr"/>
-          <a:lstStyle/>
-          <a:p>
-            <a:pPr algn="ctr"/>
-            <a:endParaRPr lang="ko-KR" altLang="en-US">
-              <a:ln>
-                <a:solidFill>
-                  <a:schemeClr val="tx1">
-                    <a:alpha val="0"/>
-                  </a:schemeClr>
-                </a:solidFill>
-              </a:ln>
-            </a:endParaRPr>
-          </a:p>
-        </p:txBody>
-      </p:sp>
-      <p:sp>
-        <p:nvSpPr>
-          <p:cNvPr id="7" name="TextBox 6">
-            <a:extLst>
-              <a:ext uri="{FF2B5EF4-FFF2-40B4-BE49-F238E27FC236}">
-                <a16:creationId xmlns:a16="http://schemas.microsoft.com/office/drawing/2014/main" id="{552646BE-A0A3-4A62-820E-FB203AD599C0}"/>
-              </a:ext>
-            </a:extLst>
-          </p:cNvPr>
-          <p:cNvSpPr txBox="1"/>
-          <p:nvPr userDrawn="1"/>
-        </p:nvSpPr>
-        <p:spPr>
-          <a:xfrm>
-            <a:off x="4702830" y="6657796"/>
-            <a:ext cx="2786340" cy="215444"/>
-          </a:xfrm>
-          <a:prstGeom prst="rect">
-            <a:avLst/>
-          </a:prstGeom>
-          <a:noFill/>
-        </p:spPr>
-        <p:txBody>
-          <a:bodyPr wrap="none" rtlCol="0">
-            <a:spAutoFit/>
-          </a:bodyPr>
-          <a:lstStyle/>
-          <a:p>
-            <a:pPr marL="0" marR="0" lvl="0" indent="0" algn="ctr" defTabSz="914400" rtl="0" eaLnBrk="1" fontAlgn="auto" latinLnBrk="1" hangingPunct="1">
-              <a:lnSpc>
-                <a:spcPct val="100000"/>
-              </a:lnSpc>
-              <a:spcBef>
-                <a:spcPts val="0"/>
-              </a:spcBef>
-              <a:spcAft>
-                <a:spcPts val="0"/>
-              </a:spcAft>
-              <a:buClrTx/>
-              <a:buSzTx/>
-              <a:buFontTx/>
-              <a:buNone/>
-              <a:tabLst/>
-              <a:defRPr/>
-            </a:pPr>
-            <a:r>
-              <a:rPr lang="en-US" altLang="ko-KR" sz="800">
-                <a:ln>
-                  <a:solidFill>
-                    <a:schemeClr val="tx1">
-                      <a:alpha val="0"/>
-                    </a:schemeClr>
-                  </a:solidFill>
-                </a:ln>
-                <a:solidFill>
-                  <a:schemeClr val="bg1"/>
-                </a:solidFill>
-                <a:latin typeface="Gotham" panose="02000604030000020004" pitchFamily="50" charset="0"/>
-                <a:ea typeface="나눔바른고딕" pitchFamily="50" charset="-127"/>
-              </a:rPr>
-              <a:t>Copyright FASTCAMPUS Corp. All Rights Reserved</a:t>
-            </a:r>
-          </a:p>
-        </p:txBody>
-      </p:sp>
-      <p:sp>
-        <p:nvSpPr>
-          <p:cNvPr id="11" name="제목 10">
-            <a:extLst>
-              <a:ext uri="{FF2B5EF4-FFF2-40B4-BE49-F238E27FC236}">
-                <a16:creationId xmlns:a16="http://schemas.microsoft.com/office/drawing/2014/main" id="{0DB73C5E-A477-4148-A17D-8FBFC94B84D1}"/>
-              </a:ext>
-            </a:extLst>
-          </p:cNvPr>
-          <p:cNvSpPr>
-            <a:spLocks noGrp="1"/>
-          </p:cNvSpPr>
-          <p:nvPr>
-            <p:ph type="title" hasCustomPrompt="1"/>
-          </p:nvPr>
-        </p:nvSpPr>
-        <p:spPr>
-          <a:xfrm>
-            <a:off x="223228" y="333887"/>
-            <a:ext cx="10930266" cy="747201"/>
-          </a:xfrm>
-          <a:prstGeom prst="rect">
-            <a:avLst/>
-          </a:prstGeom>
-        </p:spPr>
-        <p:txBody>
-          <a:bodyPr/>
-          <a:lstStyle>
-            <a:lvl1pPr>
-              <a:defRPr sz="2400">
-                <a:ln>
-                  <a:solidFill>
-                    <a:schemeClr val="tx1">
-                      <a:alpha val="0"/>
-                    </a:schemeClr>
-                  </a:solidFill>
-                </a:ln>
-                <a:latin typeface="Noto Sans CJK KR Medium" panose="020B0600000000000000" pitchFamily="34" charset="-127"/>
-                <a:ea typeface="Noto Sans CJK KR Medium" panose="020B0600000000000000" pitchFamily="34" charset="-127"/>
-              </a:defRPr>
-            </a:lvl1pPr>
-          </a:lstStyle>
-          <a:p>
-            <a:r>
-              <a:rPr lang="ko-KR" altLang="en-US"/>
-              <a:t>슬라이드 핵심 내용이 두 줄이라면 이 슬라이드를 이용해 주세요</a:t>
-            </a:r>
-            <a:r>
-              <a:rPr lang="en-US" altLang="ko-KR"/>
-              <a:t>.</a:t>
-            </a:r>
-            <a:br>
-              <a:rPr lang="en-US" altLang="ko-KR"/>
-            </a:br>
-            <a:r>
-              <a:rPr lang="ko-KR" altLang="en-US"/>
-              <a:t>슬라이드 핵심 내용이 두 줄이라면 이 슬라이드를 이용해 주세요</a:t>
-            </a:r>
-            <a:r>
-              <a:rPr lang="en-US" altLang="ko-KR"/>
-              <a:t>.</a:t>
-            </a:r>
-            <a:endParaRPr lang="ko-KR" altLang="en-US"/>
-          </a:p>
-        </p:txBody>
-      </p:sp>
-      <p:cxnSp>
-        <p:nvCxnSpPr>
-          <p:cNvPr id="15" name="직선 연결선 14">
-            <a:extLst>
-              <a:ext uri="{FF2B5EF4-FFF2-40B4-BE49-F238E27FC236}">
-                <a16:creationId xmlns:a16="http://schemas.microsoft.com/office/drawing/2014/main" id="{2D8FABE3-381D-4D33-92D4-6730414AF52B}"/>
-              </a:ext>
-            </a:extLst>
-          </p:cNvPr>
-          <p:cNvCxnSpPr>
-            <a:cxnSpLocks/>
-          </p:cNvCxnSpPr>
-          <p:nvPr userDrawn="1"/>
-        </p:nvCxnSpPr>
-        <p:spPr>
-          <a:xfrm>
-            <a:off x="223228" y="433388"/>
-            <a:ext cx="0" cy="509587"/>
-          </a:xfrm>
-          <a:prstGeom prst="line">
-            <a:avLst/>
-          </a:prstGeom>
-          <a:ln w="28575">
-            <a:solidFill>
-              <a:schemeClr val="tx1"/>
-            </a:solidFill>
-          </a:ln>
-        </p:spPr>
-        <p:style>
-          <a:lnRef idx="1">
-            <a:schemeClr val="accent1"/>
-          </a:lnRef>
-          <a:fillRef idx="0">
-            <a:schemeClr val="accent1"/>
-          </a:fillRef>
-          <a:effectRef idx="0">
-            <a:schemeClr val="accent1"/>
-          </a:effectRef>
-          <a:fontRef idx="minor">
-            <a:schemeClr val="tx1"/>
-          </a:fontRef>
-        </p:style>
-      </p:cxnSp>
-      <p:sp>
-        <p:nvSpPr>
-          <p:cNvPr id="10" name="TextBox 9">
-            <a:extLst>
-              <a:ext uri="{FF2B5EF4-FFF2-40B4-BE49-F238E27FC236}">
-                <a16:creationId xmlns:a16="http://schemas.microsoft.com/office/drawing/2014/main" id="{FBFEADF3-9FC1-4591-881B-0202C29DA1EB}"/>
-              </a:ext>
-            </a:extLst>
-          </p:cNvPr>
-          <p:cNvSpPr txBox="1"/>
-          <p:nvPr userDrawn="1"/>
-        </p:nvSpPr>
-        <p:spPr>
-          <a:xfrm>
-            <a:off x="103601" y="98583"/>
-            <a:ext cx="742511" cy="246221"/>
-          </a:xfrm>
-          <a:prstGeom prst="rect">
-            <a:avLst/>
-          </a:prstGeom>
-          <a:noFill/>
-        </p:spPr>
-        <p:txBody>
-          <a:bodyPr wrap="none" rtlCol="0">
-            <a:spAutoFit/>
-          </a:bodyPr>
-          <a:lstStyle/>
-          <a:p>
-            <a:r>
-              <a:rPr lang="en-US" altLang="ko-KR" sz="1000" b="1">
-                <a:ln>
-                  <a:solidFill>
-                    <a:schemeClr val="tx1">
-                      <a:alpha val="0"/>
-                    </a:schemeClr>
-                  </a:solidFill>
-                </a:ln>
-                <a:latin typeface="Gotham" panose="02000604030000020004" pitchFamily="50" charset="0"/>
-              </a:rPr>
-              <a:t>Chapter</a:t>
-            </a:r>
-            <a:r>
-              <a:rPr lang="en-US" altLang="ko-KR" sz="1000" b="1">
-                <a:ln>
-                  <a:solidFill>
-                    <a:schemeClr val="tx1">
-                      <a:alpha val="0"/>
-                    </a:schemeClr>
-                  </a:solidFill>
-                </a:ln>
-                <a:solidFill>
-                  <a:srgbClr val="EE234B"/>
-                </a:solidFill>
-                <a:latin typeface="Gotham" panose="02000604030000020004" pitchFamily="50" charset="0"/>
-              </a:rPr>
-              <a:t>.</a:t>
-            </a:r>
-            <a:endParaRPr lang="ko-KR" altLang="en-US" sz="1000" b="1">
-              <a:ln>
-                <a:solidFill>
-                  <a:schemeClr val="tx1">
-                    <a:alpha val="0"/>
-                  </a:schemeClr>
-                </a:solidFill>
-              </a:ln>
-              <a:solidFill>
-                <a:srgbClr val="EE234B"/>
-              </a:solidFill>
-              <a:latin typeface="Gotham" panose="02000604030000020004" pitchFamily="50" charset="0"/>
-            </a:endParaRPr>
-          </a:p>
-        </p:txBody>
-      </p:sp>
-      <p:sp>
-        <p:nvSpPr>
-          <p:cNvPr id="12" name="텍스트 개체 틀 15">
-            <a:extLst>
-              <a:ext uri="{FF2B5EF4-FFF2-40B4-BE49-F238E27FC236}">
-                <a16:creationId xmlns:a16="http://schemas.microsoft.com/office/drawing/2014/main" id="{5109B78E-4EB3-4BA4-A001-983E3344F50F}"/>
-              </a:ext>
-            </a:extLst>
-          </p:cNvPr>
-          <p:cNvSpPr>
-            <a:spLocks noGrp="1"/>
-          </p:cNvSpPr>
-          <p:nvPr>
-            <p:ph type="body" sz="quarter" idx="10" hasCustomPrompt="1"/>
-          </p:nvPr>
-        </p:nvSpPr>
-        <p:spPr>
-          <a:xfrm>
-            <a:off x="682259" y="110625"/>
-            <a:ext cx="386922" cy="222136"/>
-          </a:xfrm>
-          <a:prstGeom prst="rect">
-            <a:avLst/>
-          </a:prstGeom>
-        </p:spPr>
-        <p:txBody>
-          <a:bodyPr/>
-          <a:lstStyle>
-            <a:lvl1pPr marL="0" indent="0">
-              <a:buNone/>
-              <a:defRPr lang="ko-KR" altLang="en-US" sz="1050" b="1" kern="1200">
-                <a:ln>
-                  <a:solidFill>
-                    <a:schemeClr val="tx1">
-                      <a:alpha val="0"/>
-                    </a:schemeClr>
-                  </a:solidFill>
-                </a:ln>
-                <a:solidFill>
-                  <a:schemeClr val="tx1"/>
-                </a:solidFill>
-                <a:latin typeface="Gotham" panose="02000604030000020004" pitchFamily="50" charset="0"/>
-                <a:ea typeface="+mn-ea"/>
-                <a:cs typeface="+mn-cs"/>
-              </a:defRPr>
-            </a:lvl1pPr>
-          </a:lstStyle>
-          <a:p>
-            <a:pPr lvl="0"/>
-            <a:r>
-              <a:rPr lang="en-US" altLang="ko-KR"/>
-              <a:t>00</a:t>
-            </a:r>
-            <a:endParaRPr lang="ko-KR" altLang="en-US"/>
-          </a:p>
-        </p:txBody>
-      </p:sp>
-      <p:sp>
-        <p:nvSpPr>
-          <p:cNvPr id="16" name="내용 개체 틀 2">
-            <a:extLst>
-              <a:ext uri="{FF2B5EF4-FFF2-40B4-BE49-F238E27FC236}">
-                <a16:creationId xmlns:a16="http://schemas.microsoft.com/office/drawing/2014/main" id="{28AC45E3-D3DA-4BCD-A59C-BF8E0CA51FBE}"/>
-              </a:ext>
-            </a:extLst>
-          </p:cNvPr>
-          <p:cNvSpPr>
-            <a:spLocks noGrp="1"/>
-          </p:cNvSpPr>
-          <p:nvPr>
-            <p:ph sz="quarter" idx="11" hasCustomPrompt="1"/>
-          </p:nvPr>
-        </p:nvSpPr>
-        <p:spPr>
-          <a:xfrm>
-            <a:off x="914559" y="110568"/>
-            <a:ext cx="2200592" cy="222250"/>
-          </a:xfrm>
-          <a:prstGeom prst="rect">
-            <a:avLst/>
-          </a:prstGeom>
-          <a:ln>
-            <a:noFill/>
-          </a:ln>
-        </p:spPr>
-        <p:txBody>
-          <a:bodyPr/>
-          <a:lstStyle>
-            <a:lvl1pPr marL="0" indent="0">
-              <a:buNone/>
-              <a:defRPr sz="1000">
-                <a:ln>
-                  <a:solidFill>
-                    <a:schemeClr val="tx1">
-                      <a:alpha val="0"/>
-                    </a:schemeClr>
-                  </a:solidFill>
-                </a:ln>
-                <a:solidFill>
-                  <a:srgbClr val="EF234B"/>
-                </a:solidFill>
-                <a:latin typeface="Noto Sans CJK KR Medium" panose="020B0600000000000000" pitchFamily="34" charset="-127"/>
-                <a:ea typeface="Noto Sans CJK KR Medium" panose="020B0600000000000000" pitchFamily="34" charset="-127"/>
-              </a:defRPr>
-            </a:lvl1pPr>
-          </a:lstStyle>
-          <a:p>
-            <a:pPr lvl="0"/>
-            <a:r>
-              <a:rPr lang="ko-KR" altLang="en-US"/>
-              <a:t>챕터명을 적어주세요</a:t>
-            </a:r>
-            <a:r>
-              <a:rPr lang="en-US" altLang="ko-KR"/>
-              <a:t>.</a:t>
-            </a:r>
-            <a:endParaRPr lang="ko-KR" altLang="en-US"/>
-          </a:p>
-        </p:txBody>
-      </p:sp>
-      <p:sp>
-        <p:nvSpPr>
-          <p:cNvPr id="9" name="텍스트 개체 틀 3">
-            <a:extLst>
-              <a:ext uri="{FF2B5EF4-FFF2-40B4-BE49-F238E27FC236}">
-                <a16:creationId xmlns:a16="http://schemas.microsoft.com/office/drawing/2014/main" id="{7814FD79-ABF7-4808-9A34-2E29F3977DB1}"/>
-              </a:ext>
-            </a:extLst>
-          </p:cNvPr>
-          <p:cNvSpPr>
-            <a:spLocks noGrp="1"/>
-          </p:cNvSpPr>
-          <p:nvPr>
-            <p:ph type="body" sz="quarter" idx="12"/>
-          </p:nvPr>
-        </p:nvSpPr>
-        <p:spPr>
-          <a:xfrm>
-            <a:off x="682260" y="1316392"/>
-            <a:ext cx="10471516" cy="4404958"/>
-          </a:xfrm>
-          <a:prstGeom prst="rect">
-            <a:avLst/>
-          </a:prstGeom>
-        </p:spPr>
-        <p:txBody>
-          <a:bodyPr/>
-          <a:lstStyle>
-            <a:lvl1pPr>
-              <a:defRPr>
-                <a:latin typeface="+mn-ea"/>
-                <a:ea typeface="+mn-ea"/>
-              </a:defRPr>
-            </a:lvl1pPr>
-            <a:lvl2pPr>
-              <a:defRPr>
-                <a:latin typeface="+mn-ea"/>
-                <a:ea typeface="+mn-ea"/>
-              </a:defRPr>
-            </a:lvl2pPr>
-            <a:lvl3pPr>
-              <a:defRPr>
-                <a:latin typeface="+mn-ea"/>
-                <a:ea typeface="+mn-ea"/>
-              </a:defRPr>
-            </a:lvl3pPr>
-            <a:lvl4pPr>
-              <a:defRPr>
-                <a:latin typeface="+mn-ea"/>
-                <a:ea typeface="+mn-ea"/>
-              </a:defRPr>
-            </a:lvl4pPr>
-            <a:lvl5pPr>
-              <a:defRPr>
-                <a:latin typeface="+mn-ea"/>
-                <a:ea typeface="+mn-ea"/>
-              </a:defRPr>
-            </a:lvl5pPr>
-          </a:lstStyle>
-          <a:p>
-            <a:pPr lvl="0"/>
-            <a:r>
-              <a:rPr lang="ko-KR" altLang="en-US" dirty="0"/>
-              <a:t>마스터 텍스트 스타일 편집</a:t>
-            </a:r>
-          </a:p>
-          <a:p>
-            <a:pPr lvl="1"/>
-            <a:r>
-              <a:rPr lang="ko-KR" altLang="en-US" dirty="0"/>
-              <a:t>둘째 수준</a:t>
-            </a:r>
-          </a:p>
-          <a:p>
-            <a:pPr lvl="2"/>
-            <a:r>
-              <a:rPr lang="ko-KR" altLang="en-US" dirty="0"/>
-              <a:t>셋째 수준</a:t>
-            </a:r>
-          </a:p>
-          <a:p>
-            <a:pPr lvl="3"/>
-            <a:r>
-              <a:rPr lang="ko-KR" altLang="en-US" dirty="0"/>
-              <a:t>넷째 수준</a:t>
-            </a:r>
-          </a:p>
-          <a:p>
-            <a:pPr lvl="4"/>
-            <a:r>
-              <a:rPr lang="ko-KR" altLang="en-US" dirty="0"/>
-              <a:t>다섯째 수준</a:t>
-            </a:r>
-          </a:p>
-        </p:txBody>
-      </p:sp>
-    </p:spTree>
-    <p:extLst>
-      <p:ext uri="{BB962C8B-B14F-4D97-AF65-F5344CB8AC3E}">
-        <p14:creationId xmlns:p14="http://schemas.microsoft.com/office/powerpoint/2010/main" val="2159620223"/>
-      </p:ext>
-    </p:extLst>
-  </p:cSld>
-  <p:clrMapOvr>
-    <a:masterClrMapping/>
-  </p:clrMapOvr>
-</p:sldLayout>
-</file>
-
-<file path=ppt/slideLayouts/slideLayout6.xml><?xml version="1.0" encoding="utf-8"?>
-<p:sldLayout xmlns:a="http://schemas.openxmlformats.org/drawingml/2006/main" xmlns:r="http://schemas.openxmlformats.org/officeDocument/2006/relationships" xmlns:p="http://schemas.openxmlformats.org/presentationml/2006/main" preserve="1" userDrawn="1">
-  <p:cSld name="2줄ti">
-    <p:spTree>
-      <p:nvGrpSpPr>
-        <p:cNvPr id="1" name=""/>
-        <p:cNvGrpSpPr/>
-        <p:nvPr/>
-      </p:nvGrpSpPr>
-      <p:grpSpPr>
-        <a:xfrm>
-          <a:off x="0" y="0"/>
-          <a:ext cx="0" cy="0"/>
-          <a:chOff x="0" y="0"/>
-          <a:chExt cx="0" cy="0"/>
-        </a:xfrm>
-      </p:grpSpPr>
-      <p:sp>
-        <p:nvSpPr>
-          <p:cNvPr id="6" name="직사각형 5">
-            <a:extLst>
-              <a:ext uri="{FF2B5EF4-FFF2-40B4-BE49-F238E27FC236}">
-                <a16:creationId xmlns:a16="http://schemas.microsoft.com/office/drawing/2014/main" id="{D2D5CCD6-DEBA-4450-9DE6-51A3553927BC}"/>
-              </a:ext>
-            </a:extLst>
-          </p:cNvPr>
-          <p:cNvSpPr/>
-          <p:nvPr userDrawn="1"/>
-        </p:nvSpPr>
-        <p:spPr>
-          <a:xfrm>
-            <a:off x="0" y="6673174"/>
-            <a:ext cx="12192000" cy="184826"/>
-          </a:xfrm>
-          <a:prstGeom prst="rect">
-            <a:avLst/>
-          </a:prstGeom>
-          <a:solidFill>
-            <a:schemeClr val="tx1">
-              <a:lumMod val="85000"/>
-              <a:lumOff val="15000"/>
-            </a:schemeClr>
-          </a:solidFill>
-          <a:ln>
-            <a:noFill/>
-          </a:ln>
-        </p:spPr>
-        <p:style>
-          <a:lnRef idx="2">
-            <a:schemeClr val="accent1">
-              <a:shade val="50000"/>
-            </a:schemeClr>
-          </a:lnRef>
-          <a:fillRef idx="1">
-            <a:schemeClr val="accent1"/>
-          </a:fillRef>
-          <a:effectRef idx="0">
-            <a:schemeClr val="accent1"/>
-          </a:effectRef>
-          <a:fontRef idx="minor">
-            <a:schemeClr val="lt1"/>
-          </a:fontRef>
-        </p:style>
-        <p:txBody>
-          <a:bodyPr rtlCol="0" anchor="ctr"/>
-          <a:lstStyle/>
-          <a:p>
-            <a:pPr algn="ctr"/>
-            <a:endParaRPr lang="ko-KR" altLang="en-US">
-              <a:ln>
-                <a:solidFill>
-                  <a:schemeClr val="tx1">
-                    <a:alpha val="0"/>
-                  </a:schemeClr>
-                </a:solidFill>
-              </a:ln>
-            </a:endParaRPr>
-          </a:p>
-        </p:txBody>
-      </p:sp>
-      <p:sp>
-        <p:nvSpPr>
-          <p:cNvPr id="7" name="TextBox 6">
-            <a:extLst>
-              <a:ext uri="{FF2B5EF4-FFF2-40B4-BE49-F238E27FC236}">
-                <a16:creationId xmlns:a16="http://schemas.microsoft.com/office/drawing/2014/main" id="{552646BE-A0A3-4A62-820E-FB203AD599C0}"/>
-              </a:ext>
-            </a:extLst>
-          </p:cNvPr>
-          <p:cNvSpPr txBox="1"/>
-          <p:nvPr userDrawn="1"/>
-        </p:nvSpPr>
-        <p:spPr>
-          <a:xfrm>
-            <a:off x="4702830" y="6657796"/>
-            <a:ext cx="2786340" cy="215444"/>
-          </a:xfrm>
-          <a:prstGeom prst="rect">
-            <a:avLst/>
-          </a:prstGeom>
-          <a:noFill/>
-        </p:spPr>
-        <p:txBody>
-          <a:bodyPr wrap="none" rtlCol="0">
-            <a:spAutoFit/>
-          </a:bodyPr>
-          <a:lstStyle/>
-          <a:p>
-            <a:pPr marL="0" marR="0" lvl="0" indent="0" algn="ctr" defTabSz="914400" rtl="0" eaLnBrk="1" fontAlgn="auto" latinLnBrk="1" hangingPunct="1">
-              <a:lnSpc>
-                <a:spcPct val="100000"/>
-              </a:lnSpc>
-              <a:spcBef>
-                <a:spcPts val="0"/>
-              </a:spcBef>
-              <a:spcAft>
-                <a:spcPts val="0"/>
-              </a:spcAft>
-              <a:buClrTx/>
-              <a:buSzTx/>
-              <a:buFontTx/>
-              <a:buNone/>
-              <a:tabLst/>
-              <a:defRPr/>
-            </a:pPr>
-            <a:r>
-              <a:rPr lang="en-US" altLang="ko-KR" sz="800">
-                <a:ln>
-                  <a:solidFill>
-                    <a:schemeClr val="tx1">
-                      <a:alpha val="0"/>
-                    </a:schemeClr>
-                  </a:solidFill>
-                </a:ln>
-                <a:solidFill>
-                  <a:schemeClr val="bg1"/>
-                </a:solidFill>
-                <a:latin typeface="Gotham" panose="02000604030000020004" pitchFamily="50" charset="0"/>
-                <a:ea typeface="나눔바른고딕" pitchFamily="50" charset="-127"/>
-              </a:rPr>
-              <a:t>Copyright FASTCAMPUS Corp. All Rights Reserved</a:t>
-            </a:r>
-          </a:p>
-        </p:txBody>
-      </p:sp>
-      <p:sp>
-        <p:nvSpPr>
-          <p:cNvPr id="11" name="제목 10">
-            <a:extLst>
-              <a:ext uri="{FF2B5EF4-FFF2-40B4-BE49-F238E27FC236}">
-                <a16:creationId xmlns:a16="http://schemas.microsoft.com/office/drawing/2014/main" id="{0DB73C5E-A477-4148-A17D-8FBFC94B84D1}"/>
-              </a:ext>
-            </a:extLst>
-          </p:cNvPr>
-          <p:cNvSpPr>
-            <a:spLocks noGrp="1"/>
-          </p:cNvSpPr>
-          <p:nvPr>
-            <p:ph type="title" hasCustomPrompt="1"/>
-          </p:nvPr>
-        </p:nvSpPr>
-        <p:spPr>
-          <a:xfrm>
-            <a:off x="223228" y="333887"/>
-            <a:ext cx="10930266" cy="747201"/>
-          </a:xfrm>
-          <a:prstGeom prst="rect">
-            <a:avLst/>
-          </a:prstGeom>
-        </p:spPr>
-        <p:txBody>
-          <a:bodyPr/>
-          <a:lstStyle>
-            <a:lvl1pPr>
-              <a:defRPr sz="2400">
-                <a:ln>
-                  <a:solidFill>
-                    <a:schemeClr val="tx1">
-                      <a:alpha val="0"/>
-                    </a:schemeClr>
-                  </a:solidFill>
-                </a:ln>
-                <a:latin typeface="Noto Sans CJK KR Medium" panose="020B0600000000000000" pitchFamily="34" charset="-127"/>
-                <a:ea typeface="Noto Sans CJK KR Medium" panose="020B0600000000000000" pitchFamily="34" charset="-127"/>
-              </a:defRPr>
-            </a:lvl1pPr>
-          </a:lstStyle>
-          <a:p>
-            <a:r>
-              <a:rPr lang="ko-KR" altLang="en-US"/>
-              <a:t>슬라이드 핵심 내용이 두 줄이라면 이 슬라이드를 이용해 주세요</a:t>
-            </a:r>
-            <a:r>
-              <a:rPr lang="en-US" altLang="ko-KR"/>
-              <a:t>.</a:t>
-            </a:r>
-            <a:br>
-              <a:rPr lang="en-US" altLang="ko-KR"/>
-            </a:br>
-            <a:r>
-              <a:rPr lang="ko-KR" altLang="en-US"/>
-              <a:t>슬라이드 핵심 내용이 두 줄이라면 이 슬라이드를 이용해 주세요</a:t>
-            </a:r>
-            <a:r>
-              <a:rPr lang="en-US" altLang="ko-KR"/>
-              <a:t>.</a:t>
-            </a:r>
-            <a:endParaRPr lang="ko-KR" altLang="en-US"/>
-          </a:p>
-        </p:txBody>
-      </p:sp>
-      <p:cxnSp>
-        <p:nvCxnSpPr>
-          <p:cNvPr id="15" name="직선 연결선 14">
-            <a:extLst>
-              <a:ext uri="{FF2B5EF4-FFF2-40B4-BE49-F238E27FC236}">
-                <a16:creationId xmlns:a16="http://schemas.microsoft.com/office/drawing/2014/main" id="{2D8FABE3-381D-4D33-92D4-6730414AF52B}"/>
-              </a:ext>
-            </a:extLst>
-          </p:cNvPr>
-          <p:cNvCxnSpPr>
-            <a:cxnSpLocks/>
-          </p:cNvCxnSpPr>
-          <p:nvPr userDrawn="1"/>
-        </p:nvCxnSpPr>
-        <p:spPr>
-          <a:xfrm>
-            <a:off x="223228" y="433388"/>
-            <a:ext cx="0" cy="509587"/>
-          </a:xfrm>
-          <a:prstGeom prst="line">
-            <a:avLst/>
-          </a:prstGeom>
-          <a:ln w="28575">
-            <a:solidFill>
-              <a:schemeClr val="tx1"/>
-            </a:solidFill>
-          </a:ln>
-        </p:spPr>
-        <p:style>
-          <a:lnRef idx="1">
-            <a:schemeClr val="accent1"/>
-          </a:lnRef>
-          <a:fillRef idx="0">
-            <a:schemeClr val="accent1"/>
-          </a:fillRef>
-          <a:effectRef idx="0">
-            <a:schemeClr val="accent1"/>
-          </a:effectRef>
-          <a:fontRef idx="minor">
-            <a:schemeClr val="tx1"/>
-          </a:fontRef>
-        </p:style>
-      </p:cxnSp>
-      <p:sp>
-        <p:nvSpPr>
-          <p:cNvPr id="10" name="TextBox 9">
-            <a:extLst>
-              <a:ext uri="{FF2B5EF4-FFF2-40B4-BE49-F238E27FC236}">
-                <a16:creationId xmlns:a16="http://schemas.microsoft.com/office/drawing/2014/main" id="{FBFEADF3-9FC1-4591-881B-0202C29DA1EB}"/>
-              </a:ext>
-            </a:extLst>
-          </p:cNvPr>
-          <p:cNvSpPr txBox="1"/>
-          <p:nvPr userDrawn="1"/>
-        </p:nvSpPr>
-        <p:spPr>
-          <a:xfrm>
-            <a:off x="103601" y="98583"/>
-            <a:ext cx="742511" cy="246221"/>
-          </a:xfrm>
-          <a:prstGeom prst="rect">
-            <a:avLst/>
-          </a:prstGeom>
-          <a:noFill/>
-        </p:spPr>
-        <p:txBody>
-          <a:bodyPr wrap="none" rtlCol="0">
-            <a:spAutoFit/>
-          </a:bodyPr>
-          <a:lstStyle/>
-          <a:p>
-            <a:r>
-              <a:rPr lang="en-US" altLang="ko-KR" sz="1000" b="1">
-                <a:ln>
-                  <a:solidFill>
-                    <a:schemeClr val="tx1">
-                      <a:alpha val="0"/>
-                    </a:schemeClr>
-                  </a:solidFill>
-                </a:ln>
-                <a:latin typeface="Gotham" panose="02000604030000020004" pitchFamily="50" charset="0"/>
-              </a:rPr>
-              <a:t>Chapter</a:t>
-            </a:r>
-            <a:r>
-              <a:rPr lang="en-US" altLang="ko-KR" sz="1000" b="1">
-                <a:ln>
-                  <a:solidFill>
-                    <a:schemeClr val="tx1">
-                      <a:alpha val="0"/>
-                    </a:schemeClr>
-                  </a:solidFill>
-                </a:ln>
-                <a:solidFill>
-                  <a:srgbClr val="EE234B"/>
-                </a:solidFill>
-                <a:latin typeface="Gotham" panose="02000604030000020004" pitchFamily="50" charset="0"/>
-              </a:rPr>
-              <a:t>.</a:t>
-            </a:r>
-            <a:endParaRPr lang="ko-KR" altLang="en-US" sz="1000" b="1">
-              <a:ln>
-                <a:solidFill>
-                  <a:schemeClr val="tx1">
-                    <a:alpha val="0"/>
-                  </a:schemeClr>
-                </a:solidFill>
-              </a:ln>
-              <a:solidFill>
-                <a:srgbClr val="EE234B"/>
-              </a:solidFill>
-              <a:latin typeface="Gotham" panose="02000604030000020004" pitchFamily="50" charset="0"/>
-            </a:endParaRPr>
-          </a:p>
-        </p:txBody>
-      </p:sp>
-      <p:sp>
-        <p:nvSpPr>
-          <p:cNvPr id="12" name="텍스트 개체 틀 15">
-            <a:extLst>
-              <a:ext uri="{FF2B5EF4-FFF2-40B4-BE49-F238E27FC236}">
-                <a16:creationId xmlns:a16="http://schemas.microsoft.com/office/drawing/2014/main" id="{5109B78E-4EB3-4BA4-A001-983E3344F50F}"/>
-              </a:ext>
-            </a:extLst>
-          </p:cNvPr>
-          <p:cNvSpPr>
-            <a:spLocks noGrp="1"/>
-          </p:cNvSpPr>
-          <p:nvPr>
-            <p:ph type="body" sz="quarter" idx="10" hasCustomPrompt="1"/>
-          </p:nvPr>
-        </p:nvSpPr>
-        <p:spPr>
-          <a:xfrm>
-            <a:off x="682259" y="110625"/>
-            <a:ext cx="386922" cy="222136"/>
-          </a:xfrm>
-          <a:prstGeom prst="rect">
-            <a:avLst/>
-          </a:prstGeom>
-        </p:spPr>
-        <p:txBody>
-          <a:bodyPr/>
-          <a:lstStyle>
-            <a:lvl1pPr marL="0" indent="0">
-              <a:buNone/>
-              <a:defRPr lang="ko-KR" altLang="en-US" sz="1050" b="1" kern="1200">
-                <a:ln>
-                  <a:solidFill>
-                    <a:schemeClr val="tx1">
-                      <a:alpha val="0"/>
-                    </a:schemeClr>
-                  </a:solidFill>
-                </a:ln>
-                <a:solidFill>
-                  <a:schemeClr val="tx1"/>
-                </a:solidFill>
-                <a:latin typeface="Gotham" panose="02000604030000020004" pitchFamily="50" charset="0"/>
-                <a:ea typeface="+mn-ea"/>
-                <a:cs typeface="+mn-cs"/>
-              </a:defRPr>
-            </a:lvl1pPr>
-          </a:lstStyle>
-          <a:p>
-            <a:pPr lvl="0"/>
-            <a:r>
-              <a:rPr lang="en-US" altLang="ko-KR"/>
-              <a:t>00</a:t>
-            </a:r>
-            <a:endParaRPr lang="ko-KR" altLang="en-US"/>
-          </a:p>
-        </p:txBody>
-      </p:sp>
-      <p:sp>
-        <p:nvSpPr>
-          <p:cNvPr id="16" name="내용 개체 틀 2">
-            <a:extLst>
-              <a:ext uri="{FF2B5EF4-FFF2-40B4-BE49-F238E27FC236}">
-                <a16:creationId xmlns:a16="http://schemas.microsoft.com/office/drawing/2014/main" id="{28AC45E3-D3DA-4BCD-A59C-BF8E0CA51FBE}"/>
-              </a:ext>
-            </a:extLst>
-          </p:cNvPr>
-          <p:cNvSpPr>
-            <a:spLocks noGrp="1"/>
-          </p:cNvSpPr>
-          <p:nvPr>
-            <p:ph sz="quarter" idx="11" hasCustomPrompt="1"/>
-          </p:nvPr>
-        </p:nvSpPr>
-        <p:spPr>
-          <a:xfrm>
-            <a:off x="914559" y="110568"/>
-            <a:ext cx="2200592" cy="222250"/>
-          </a:xfrm>
-          <a:prstGeom prst="rect">
-            <a:avLst/>
-          </a:prstGeom>
-          <a:ln>
-            <a:noFill/>
-          </a:ln>
-        </p:spPr>
-        <p:txBody>
-          <a:bodyPr/>
-          <a:lstStyle>
-            <a:lvl1pPr marL="0" indent="0">
-              <a:buNone/>
-              <a:defRPr sz="1000">
-                <a:ln>
-                  <a:solidFill>
-                    <a:schemeClr val="tx1">
-                      <a:alpha val="0"/>
-                    </a:schemeClr>
-                  </a:solidFill>
-                </a:ln>
-                <a:solidFill>
-                  <a:srgbClr val="EF234B"/>
-                </a:solidFill>
-                <a:latin typeface="Noto Sans CJK KR Medium" panose="020B0600000000000000" pitchFamily="34" charset="-127"/>
-                <a:ea typeface="Noto Sans CJK KR Medium" panose="020B0600000000000000" pitchFamily="34" charset="-127"/>
-              </a:defRPr>
-            </a:lvl1pPr>
-          </a:lstStyle>
-          <a:p>
-            <a:pPr lvl="0"/>
-            <a:r>
-              <a:rPr lang="ko-KR" altLang="en-US"/>
-              <a:t>챕터명을 적어주세요</a:t>
-            </a:r>
-            <a:r>
-              <a:rPr lang="en-US" altLang="ko-KR"/>
-              <a:t>.</a:t>
-            </a:r>
-            <a:endParaRPr lang="ko-KR" altLang="en-US"/>
-          </a:p>
-        </p:txBody>
-      </p:sp>
-      <p:sp>
-        <p:nvSpPr>
-          <p:cNvPr id="13" name="텍스트 개체 틀 3">
-            <a:extLst>
-              <a:ext uri="{FF2B5EF4-FFF2-40B4-BE49-F238E27FC236}">
-                <a16:creationId xmlns:a16="http://schemas.microsoft.com/office/drawing/2014/main" id="{220DC519-6952-4452-B5C2-E7BF30533A07}"/>
-              </a:ext>
-            </a:extLst>
-          </p:cNvPr>
-          <p:cNvSpPr>
-            <a:spLocks noGrp="1"/>
-          </p:cNvSpPr>
-          <p:nvPr>
-            <p:ph type="body" sz="quarter" idx="12"/>
-          </p:nvPr>
-        </p:nvSpPr>
-        <p:spPr>
-          <a:xfrm>
-            <a:off x="682260" y="1197611"/>
-            <a:ext cx="10471516" cy="631190"/>
-          </a:xfrm>
-          <a:prstGeom prst="rect">
-            <a:avLst/>
-          </a:prstGeom>
-        </p:spPr>
-        <p:txBody>
-          <a:bodyPr/>
-          <a:lstStyle>
-            <a:lvl1pPr>
-              <a:defRPr>
-                <a:latin typeface="+mn-ea"/>
-                <a:ea typeface="+mn-ea"/>
-              </a:defRPr>
-            </a:lvl1pPr>
-            <a:lvl2pPr marL="457200" indent="0">
-              <a:buNone/>
-              <a:defRPr>
-                <a:latin typeface="+mn-ea"/>
-                <a:ea typeface="+mn-ea"/>
-              </a:defRPr>
-            </a:lvl2pPr>
-            <a:lvl3pPr>
-              <a:defRPr>
-                <a:latin typeface="+mn-ea"/>
-                <a:ea typeface="+mn-ea"/>
-              </a:defRPr>
-            </a:lvl3pPr>
-            <a:lvl4pPr>
-              <a:defRPr>
-                <a:latin typeface="+mn-ea"/>
-                <a:ea typeface="+mn-ea"/>
-              </a:defRPr>
-            </a:lvl4pPr>
-            <a:lvl5pPr>
-              <a:defRPr>
-                <a:latin typeface="+mn-ea"/>
-                <a:ea typeface="+mn-ea"/>
-              </a:defRPr>
-            </a:lvl5pPr>
-          </a:lstStyle>
-          <a:p>
-            <a:pPr lvl="0"/>
-            <a:r>
-              <a:rPr lang="ko-KR" altLang="en-US" dirty="0"/>
-              <a:t>마스터 텍스트 스타일 편집</a:t>
-            </a:r>
-          </a:p>
-        </p:txBody>
-      </p:sp>
-      <p:sp>
-        <p:nvSpPr>
-          <p:cNvPr id="14" name="내용 개체 틀 4">
-            <a:extLst>
-              <a:ext uri="{FF2B5EF4-FFF2-40B4-BE49-F238E27FC236}">
-                <a16:creationId xmlns:a16="http://schemas.microsoft.com/office/drawing/2014/main" id="{B4BCBC52-90ED-473A-8D76-FDCE98E926C1}"/>
-              </a:ext>
-            </a:extLst>
-          </p:cNvPr>
-          <p:cNvSpPr>
-            <a:spLocks noGrp="1"/>
-          </p:cNvSpPr>
-          <p:nvPr>
-            <p:ph sz="quarter" idx="13"/>
-          </p:nvPr>
-        </p:nvSpPr>
-        <p:spPr>
-          <a:xfrm>
-            <a:off x="682625" y="1915887"/>
-            <a:ext cx="10471150" cy="3994196"/>
-          </a:xfrm>
-          <a:prstGeom prst="rect">
-            <a:avLst/>
-          </a:prstGeom>
-        </p:spPr>
-        <p:txBody>
-          <a:bodyPr/>
-          <a:lstStyle/>
-          <a:p>
-            <a:pPr lvl="0"/>
-            <a:r>
-              <a:rPr lang="ko-KR" altLang="en-US"/>
-              <a:t>마스터 텍스트 스타일 편집</a:t>
-            </a:r>
-          </a:p>
-          <a:p>
-            <a:pPr lvl="1"/>
-            <a:r>
-              <a:rPr lang="ko-KR" altLang="en-US"/>
-              <a:t>둘째 수준</a:t>
-            </a:r>
-          </a:p>
-          <a:p>
-            <a:pPr lvl="2"/>
-            <a:r>
-              <a:rPr lang="ko-KR" altLang="en-US"/>
-              <a:t>셋째 수준</a:t>
-            </a:r>
-          </a:p>
-          <a:p>
-            <a:pPr lvl="3"/>
-            <a:r>
-              <a:rPr lang="ko-KR" altLang="en-US"/>
-              <a:t>넷째 수준</a:t>
-            </a:r>
-          </a:p>
-          <a:p>
-            <a:pPr lvl="4"/>
-            <a:r>
-              <a:rPr lang="ko-KR" altLang="en-US"/>
-              <a:t>다섯째 수준</a:t>
-            </a:r>
-          </a:p>
-        </p:txBody>
-      </p:sp>
-    </p:spTree>
-    <p:extLst>
-      <p:ext uri="{BB962C8B-B14F-4D97-AF65-F5344CB8AC3E}">
-        <p14:creationId xmlns:p14="http://schemas.microsoft.com/office/powerpoint/2010/main" val="3916191393"/>
-      </p:ext>
-    </p:extLst>
-  </p:cSld>
-  <p:clrMapOvr>
-    <a:masterClrMapping/>
-  </p:clrMapOvr>
-</p:sldLayout>
-</file>
-
-<file path=ppt/slideLayouts/slideLayout7.xml><?xml version="1.0" encoding="utf-8"?>
-<p:sldLayout xmlns:a="http://schemas.openxmlformats.org/drawingml/2006/main" xmlns:r="http://schemas.openxmlformats.org/officeDocument/2006/relationships" xmlns:p="http://schemas.openxmlformats.org/presentationml/2006/main" preserve="1" userDrawn="1">
-  <p:cSld name="빈">
-    <p:spTree>
-      <p:nvGrpSpPr>
-        <p:cNvPr id="1" name=""/>
-        <p:cNvGrpSpPr/>
-        <p:nvPr/>
-      </p:nvGrpSpPr>
-      <p:grpSpPr>
-        <a:xfrm>
-          <a:off x="0" y="0"/>
-          <a:ext cx="0" cy="0"/>
-          <a:chOff x="0" y="0"/>
-          <a:chExt cx="0" cy="0"/>
-        </a:xfrm>
-      </p:grpSpPr>
-      <p:sp>
-        <p:nvSpPr>
-          <p:cNvPr id="6" name="직사각형 5">
-            <a:extLst>
-              <a:ext uri="{FF2B5EF4-FFF2-40B4-BE49-F238E27FC236}">
-                <a16:creationId xmlns:a16="http://schemas.microsoft.com/office/drawing/2014/main" id="{D2D5CCD6-DEBA-4450-9DE6-51A3553927BC}"/>
-              </a:ext>
-            </a:extLst>
-          </p:cNvPr>
-          <p:cNvSpPr/>
-          <p:nvPr userDrawn="1"/>
-        </p:nvSpPr>
-        <p:spPr>
-          <a:xfrm>
-            <a:off x="0" y="6673174"/>
-            <a:ext cx="12192000" cy="184826"/>
-          </a:xfrm>
-          <a:prstGeom prst="rect">
-            <a:avLst/>
-          </a:prstGeom>
-          <a:solidFill>
-            <a:schemeClr val="tx1">
-              <a:lumMod val="85000"/>
-              <a:lumOff val="15000"/>
-            </a:schemeClr>
-          </a:solidFill>
-          <a:ln>
-            <a:noFill/>
-          </a:ln>
-        </p:spPr>
-        <p:style>
-          <a:lnRef idx="2">
-            <a:schemeClr val="accent1">
-              <a:shade val="50000"/>
-            </a:schemeClr>
-          </a:lnRef>
-          <a:fillRef idx="1">
-            <a:schemeClr val="accent1"/>
-          </a:fillRef>
-          <a:effectRef idx="0">
-            <a:schemeClr val="accent1"/>
-          </a:effectRef>
-          <a:fontRef idx="minor">
-            <a:schemeClr val="lt1"/>
-          </a:fontRef>
-        </p:style>
-        <p:txBody>
-          <a:bodyPr rtlCol="0" anchor="ctr"/>
-          <a:lstStyle/>
-          <a:p>
-            <a:pPr algn="ctr"/>
-            <a:endParaRPr lang="ko-KR" altLang="en-US">
-              <a:ln>
-                <a:solidFill>
-                  <a:schemeClr val="tx1">
-                    <a:alpha val="0"/>
-                  </a:schemeClr>
-                </a:solidFill>
-              </a:ln>
-            </a:endParaRPr>
-          </a:p>
-        </p:txBody>
-      </p:sp>
-      <p:sp>
-        <p:nvSpPr>
-          <p:cNvPr id="7" name="TextBox 6">
-            <a:extLst>
-              <a:ext uri="{FF2B5EF4-FFF2-40B4-BE49-F238E27FC236}">
-                <a16:creationId xmlns:a16="http://schemas.microsoft.com/office/drawing/2014/main" id="{552646BE-A0A3-4A62-820E-FB203AD599C0}"/>
-              </a:ext>
-            </a:extLst>
-          </p:cNvPr>
-          <p:cNvSpPr txBox="1"/>
-          <p:nvPr userDrawn="1"/>
-        </p:nvSpPr>
-        <p:spPr>
-          <a:xfrm>
-            <a:off x="4702830" y="6657796"/>
-            <a:ext cx="2786340" cy="215444"/>
-          </a:xfrm>
-          <a:prstGeom prst="rect">
-            <a:avLst/>
-          </a:prstGeom>
-          <a:noFill/>
-        </p:spPr>
-        <p:txBody>
-          <a:bodyPr wrap="none" rtlCol="0">
-            <a:spAutoFit/>
-          </a:bodyPr>
-          <a:lstStyle/>
-          <a:p>
-            <a:pPr marL="0" marR="0" lvl="0" indent="0" algn="ctr" defTabSz="914400" rtl="0" eaLnBrk="1" fontAlgn="auto" latinLnBrk="1" hangingPunct="1">
-              <a:lnSpc>
-                <a:spcPct val="100000"/>
-              </a:lnSpc>
-              <a:spcBef>
-                <a:spcPts val="0"/>
-              </a:spcBef>
-              <a:spcAft>
-                <a:spcPts val="0"/>
-              </a:spcAft>
-              <a:buClrTx/>
-              <a:buSzTx/>
-              <a:buFontTx/>
-              <a:buNone/>
-              <a:tabLst/>
-              <a:defRPr/>
-            </a:pPr>
-            <a:r>
-              <a:rPr lang="en-US" altLang="ko-KR" sz="800">
-                <a:ln>
-                  <a:solidFill>
-                    <a:schemeClr val="tx1">
-                      <a:alpha val="0"/>
-                    </a:schemeClr>
-                  </a:solidFill>
-                </a:ln>
-                <a:solidFill>
-                  <a:schemeClr val="bg1"/>
-                </a:solidFill>
-                <a:latin typeface="Gotham" panose="02000604030000020004" pitchFamily="50" charset="0"/>
-                <a:ea typeface="나눔바른고딕" pitchFamily="50" charset="-127"/>
-              </a:rPr>
-              <a:t>Copyright FASTCAMPUS Corp. All Rights Reserved</a:t>
-            </a:r>
-          </a:p>
-        </p:txBody>
-      </p:sp>
-    </p:spTree>
-    <p:extLst>
-      <p:ext uri="{BB962C8B-B14F-4D97-AF65-F5344CB8AC3E}">
-        <p14:creationId xmlns:p14="http://schemas.microsoft.com/office/powerpoint/2010/main" val="1599381654"/>
-      </p:ext>
-    </p:extLst>
-  </p:cSld>
-  <p:clrMapOvr>
-    <a:masterClrMapping/>
-  </p:clrMapOvr>
-</p:sldLayout>
-</file>
-
-<file path=ppt/slideLayouts/slideLayout8.xml><?xml version="1.0" encoding="utf-8"?>
+<file path=ppt/slideLayouts/slideLayout10.xml><?xml version="1.0" encoding="utf-8"?>
 <p:sldLayout xmlns:a="http://schemas.openxmlformats.org/drawingml/2006/main" xmlns:r="http://schemas.openxmlformats.org/officeDocument/2006/relationships" xmlns:p="http://schemas.openxmlformats.org/presentationml/2006/main" preserve="1" userDrawn="1">
   <p:cSld name="끝">
     <p:spTree>
@@ -5018,6 +2156,4179 @@
 </p:sldLayout>
 </file>
 
+<file path=ppt/slideLayouts/slideLayout2.xml><?xml version="1.0" encoding="utf-8"?>
+<p:sldLayout xmlns:a="http://schemas.openxmlformats.org/drawingml/2006/main" xmlns:r="http://schemas.openxmlformats.org/officeDocument/2006/relationships" xmlns:p="http://schemas.openxmlformats.org/presentationml/2006/main" preserve="1" userDrawn="1">
+  <p:cSld name="중간">
+    <p:spTree>
+      <p:nvGrpSpPr>
+        <p:cNvPr id="1" name=""/>
+        <p:cNvGrpSpPr/>
+        <p:nvPr/>
+      </p:nvGrpSpPr>
+      <p:grpSpPr>
+        <a:xfrm>
+          <a:off x="0" y="0"/>
+          <a:ext cx="0" cy="0"/>
+          <a:chOff x="0" y="0"/>
+          <a:chExt cx="0" cy="0"/>
+        </a:xfrm>
+      </p:grpSpPr>
+      <p:sp>
+        <p:nvSpPr>
+          <p:cNvPr id="6" name="직사각형 5">
+            <a:extLst>
+              <a:ext uri="{FF2B5EF4-FFF2-40B4-BE49-F238E27FC236}">
+                <a16:creationId xmlns:a16="http://schemas.microsoft.com/office/drawing/2014/main" id="{D2D5CCD6-DEBA-4450-9DE6-51A3553927BC}"/>
+              </a:ext>
+            </a:extLst>
+          </p:cNvPr>
+          <p:cNvSpPr/>
+          <p:nvPr userDrawn="1"/>
+        </p:nvSpPr>
+        <p:spPr>
+          <a:xfrm>
+            <a:off x="0" y="6673174"/>
+            <a:ext cx="12192000" cy="184826"/>
+          </a:xfrm>
+          <a:prstGeom prst="rect">
+            <a:avLst/>
+          </a:prstGeom>
+          <a:solidFill>
+            <a:schemeClr val="tx1">
+              <a:lumMod val="85000"/>
+              <a:lumOff val="15000"/>
+            </a:schemeClr>
+          </a:solidFill>
+          <a:ln>
+            <a:noFill/>
+          </a:ln>
+        </p:spPr>
+        <p:style>
+          <a:lnRef idx="2">
+            <a:schemeClr val="accent1">
+              <a:shade val="50000"/>
+            </a:schemeClr>
+          </a:lnRef>
+          <a:fillRef idx="1">
+            <a:schemeClr val="accent1"/>
+          </a:fillRef>
+          <a:effectRef idx="0">
+            <a:schemeClr val="accent1"/>
+          </a:effectRef>
+          <a:fontRef idx="minor">
+            <a:schemeClr val="lt1"/>
+          </a:fontRef>
+        </p:style>
+        <p:txBody>
+          <a:bodyPr rtlCol="0" anchor="ctr"/>
+          <a:lstStyle/>
+          <a:p>
+            <a:pPr algn="ctr"/>
+            <a:endParaRPr lang="ko-KR" altLang="en-US">
+              <a:ln>
+                <a:solidFill>
+                  <a:schemeClr val="tx1">
+                    <a:alpha val="0"/>
+                  </a:schemeClr>
+                </a:solidFill>
+              </a:ln>
+            </a:endParaRPr>
+          </a:p>
+        </p:txBody>
+      </p:sp>
+      <p:sp>
+        <p:nvSpPr>
+          <p:cNvPr id="7" name="TextBox 6">
+            <a:extLst>
+              <a:ext uri="{FF2B5EF4-FFF2-40B4-BE49-F238E27FC236}">
+                <a16:creationId xmlns:a16="http://schemas.microsoft.com/office/drawing/2014/main" id="{552646BE-A0A3-4A62-820E-FB203AD599C0}"/>
+              </a:ext>
+            </a:extLst>
+          </p:cNvPr>
+          <p:cNvSpPr txBox="1"/>
+          <p:nvPr userDrawn="1"/>
+        </p:nvSpPr>
+        <p:spPr>
+          <a:xfrm>
+            <a:off x="4702830" y="6657796"/>
+            <a:ext cx="2786340" cy="215444"/>
+          </a:xfrm>
+          <a:prstGeom prst="rect">
+            <a:avLst/>
+          </a:prstGeom>
+          <a:noFill/>
+        </p:spPr>
+        <p:txBody>
+          <a:bodyPr wrap="none" rtlCol="0">
+            <a:spAutoFit/>
+          </a:bodyPr>
+          <a:lstStyle/>
+          <a:p>
+            <a:pPr marL="0" marR="0" lvl="0" indent="0" algn="ctr" defTabSz="914400" rtl="0" eaLnBrk="1" fontAlgn="auto" latinLnBrk="1" hangingPunct="1">
+              <a:lnSpc>
+                <a:spcPct val="100000"/>
+              </a:lnSpc>
+              <a:spcBef>
+                <a:spcPts val="0"/>
+              </a:spcBef>
+              <a:spcAft>
+                <a:spcPts val="0"/>
+              </a:spcAft>
+              <a:buClrTx/>
+              <a:buSzTx/>
+              <a:buFontTx/>
+              <a:buNone/>
+              <a:tabLst/>
+              <a:defRPr/>
+            </a:pPr>
+            <a:r>
+              <a:rPr lang="en-US" altLang="ko-KR" sz="800">
+                <a:ln>
+                  <a:solidFill>
+                    <a:schemeClr val="tx1">
+                      <a:alpha val="0"/>
+                    </a:schemeClr>
+                  </a:solidFill>
+                </a:ln>
+                <a:solidFill>
+                  <a:schemeClr val="bg1"/>
+                </a:solidFill>
+                <a:latin typeface="Gotham" panose="02000604030000020004" pitchFamily="50" charset="0"/>
+                <a:ea typeface="나눔바른고딕" pitchFamily="50" charset="-127"/>
+              </a:rPr>
+              <a:t>Copyright FASTCAMPUS Corp. All Rights Reserved</a:t>
+            </a:r>
+          </a:p>
+        </p:txBody>
+      </p:sp>
+      <p:sp>
+        <p:nvSpPr>
+          <p:cNvPr id="10" name="제목 10">
+            <a:extLst>
+              <a:ext uri="{FF2B5EF4-FFF2-40B4-BE49-F238E27FC236}">
+                <a16:creationId xmlns:a16="http://schemas.microsoft.com/office/drawing/2014/main" id="{EF564003-98FF-47E8-BF21-0681B28D2D31}"/>
+              </a:ext>
+            </a:extLst>
+          </p:cNvPr>
+          <p:cNvSpPr>
+            <a:spLocks noGrp="1"/>
+          </p:cNvSpPr>
+          <p:nvPr>
+            <p:ph type="title" hasCustomPrompt="1"/>
+          </p:nvPr>
+        </p:nvSpPr>
+        <p:spPr>
+          <a:xfrm>
+            <a:off x="630867" y="2862057"/>
+            <a:ext cx="10930266" cy="1201773"/>
+          </a:xfrm>
+          <a:prstGeom prst="rect">
+            <a:avLst/>
+          </a:prstGeom>
+        </p:spPr>
+        <p:txBody>
+          <a:bodyPr/>
+          <a:lstStyle>
+            <a:lvl1pPr algn="ctr">
+              <a:defRPr sz="3600">
+                <a:ln>
+                  <a:solidFill>
+                    <a:schemeClr val="tx1">
+                      <a:alpha val="0"/>
+                    </a:schemeClr>
+                  </a:solidFill>
+                </a:ln>
+                <a:latin typeface="Noto Sans CJK KR Medium" panose="020B0600000000000000" pitchFamily="34" charset="-127"/>
+                <a:ea typeface="Noto Sans CJK KR Medium" panose="020B0600000000000000" pitchFamily="34" charset="-127"/>
+              </a:defRPr>
+            </a:lvl1pPr>
+          </a:lstStyle>
+          <a:p>
+            <a:r>
+              <a:rPr lang="ko-KR" altLang="en-US" dirty="0"/>
+              <a:t>챕터</a:t>
+            </a:r>
+            <a:r>
+              <a:rPr lang="en-US" altLang="ko-KR" dirty="0"/>
+              <a:t>(</a:t>
+            </a:r>
+            <a:r>
+              <a:rPr lang="ko-KR" altLang="en-US" dirty="0"/>
+              <a:t>클립 제목</a:t>
+            </a:r>
+            <a:r>
+              <a:rPr lang="en-US" altLang="ko-KR" dirty="0"/>
+              <a:t>)</a:t>
+            </a:r>
+            <a:r>
+              <a:rPr lang="ko-KR" altLang="en-US" dirty="0"/>
+              <a:t>명을 적어주세요</a:t>
+            </a:r>
+            <a:r>
+              <a:rPr lang="en-US" altLang="ko-KR" dirty="0"/>
+              <a:t>.</a:t>
+            </a:r>
+            <a:endParaRPr lang="ko-KR" altLang="en-US" dirty="0"/>
+          </a:p>
+        </p:txBody>
+      </p:sp>
+      <p:sp>
+        <p:nvSpPr>
+          <p:cNvPr id="14" name="TextBox 13">
+            <a:extLst>
+              <a:ext uri="{FF2B5EF4-FFF2-40B4-BE49-F238E27FC236}">
+                <a16:creationId xmlns:a16="http://schemas.microsoft.com/office/drawing/2014/main" id="{DCC0E3EA-3EC6-4209-956D-24BE6D694471}"/>
+              </a:ext>
+            </a:extLst>
+          </p:cNvPr>
+          <p:cNvSpPr txBox="1"/>
+          <p:nvPr userDrawn="1"/>
+        </p:nvSpPr>
+        <p:spPr>
+          <a:xfrm>
+            <a:off x="5388755" y="2321199"/>
+            <a:ext cx="1057597" cy="338554"/>
+          </a:xfrm>
+          <a:prstGeom prst="rect">
+            <a:avLst/>
+          </a:prstGeom>
+          <a:noFill/>
+        </p:spPr>
+        <p:txBody>
+          <a:bodyPr wrap="none" rtlCol="0">
+            <a:spAutoFit/>
+          </a:bodyPr>
+          <a:lstStyle/>
+          <a:p>
+            <a:r>
+              <a:rPr lang="en-US" altLang="ko-KR" sz="1600" b="1">
+                <a:ln>
+                  <a:solidFill>
+                    <a:schemeClr val="tx1">
+                      <a:alpha val="0"/>
+                    </a:schemeClr>
+                  </a:solidFill>
+                </a:ln>
+                <a:latin typeface="Gotham" panose="02000604030000020004" pitchFamily="50" charset="0"/>
+              </a:rPr>
+              <a:t>Chapter</a:t>
+            </a:r>
+            <a:r>
+              <a:rPr lang="en-US" altLang="ko-KR" sz="1600" b="1">
+                <a:ln>
+                  <a:solidFill>
+                    <a:schemeClr val="tx1">
+                      <a:alpha val="0"/>
+                    </a:schemeClr>
+                  </a:solidFill>
+                </a:ln>
+                <a:solidFill>
+                  <a:srgbClr val="EE234B"/>
+                </a:solidFill>
+                <a:latin typeface="Gotham" panose="02000604030000020004" pitchFamily="50" charset="0"/>
+              </a:rPr>
+              <a:t>.</a:t>
+            </a:r>
+            <a:endParaRPr lang="ko-KR" altLang="en-US" sz="1600" b="1">
+              <a:ln>
+                <a:solidFill>
+                  <a:schemeClr val="tx1">
+                    <a:alpha val="0"/>
+                  </a:schemeClr>
+                </a:solidFill>
+              </a:ln>
+              <a:solidFill>
+                <a:srgbClr val="EE234B"/>
+              </a:solidFill>
+              <a:latin typeface="Gotham" panose="02000604030000020004" pitchFamily="50" charset="0"/>
+            </a:endParaRPr>
+          </a:p>
+        </p:txBody>
+      </p:sp>
+      <p:sp>
+        <p:nvSpPr>
+          <p:cNvPr id="16" name="텍스트 개체 틀 15">
+            <a:extLst>
+              <a:ext uri="{FF2B5EF4-FFF2-40B4-BE49-F238E27FC236}">
+                <a16:creationId xmlns:a16="http://schemas.microsoft.com/office/drawing/2014/main" id="{31982FEE-BEF4-462E-9D1E-F6A7A5CB06E8}"/>
+              </a:ext>
+            </a:extLst>
+          </p:cNvPr>
+          <p:cNvSpPr>
+            <a:spLocks noGrp="1"/>
+          </p:cNvSpPr>
+          <p:nvPr>
+            <p:ph type="body" sz="quarter" idx="10" hasCustomPrompt="1"/>
+          </p:nvPr>
+        </p:nvSpPr>
+        <p:spPr>
+          <a:xfrm>
+            <a:off x="6286500" y="2333088"/>
+            <a:ext cx="620014" cy="283998"/>
+          </a:xfrm>
+          <a:prstGeom prst="rect">
+            <a:avLst/>
+          </a:prstGeom>
+        </p:spPr>
+        <p:txBody>
+          <a:bodyPr/>
+          <a:lstStyle>
+            <a:lvl1pPr marL="0" indent="0">
+              <a:buNone/>
+              <a:defRPr lang="ko-KR" altLang="en-US" sz="1800" b="1" kern="1200">
+                <a:ln>
+                  <a:solidFill>
+                    <a:schemeClr val="tx1">
+                      <a:alpha val="0"/>
+                    </a:schemeClr>
+                  </a:solidFill>
+                </a:ln>
+                <a:solidFill>
+                  <a:schemeClr val="tx1"/>
+                </a:solidFill>
+                <a:latin typeface="Gotham" panose="02000604030000020004" pitchFamily="50" charset="0"/>
+                <a:ea typeface="+mn-ea"/>
+                <a:cs typeface="+mn-cs"/>
+              </a:defRPr>
+            </a:lvl1pPr>
+          </a:lstStyle>
+          <a:p>
+            <a:pPr lvl="0"/>
+            <a:r>
+              <a:rPr lang="en-US" altLang="ko-KR"/>
+              <a:t>00</a:t>
+            </a:r>
+            <a:endParaRPr lang="ko-KR" altLang="en-US"/>
+          </a:p>
+        </p:txBody>
+      </p:sp>
+      <p:cxnSp>
+        <p:nvCxnSpPr>
+          <p:cNvPr id="12" name="직선 연결선 11">
+            <a:extLst>
+              <a:ext uri="{FF2B5EF4-FFF2-40B4-BE49-F238E27FC236}">
+                <a16:creationId xmlns:a16="http://schemas.microsoft.com/office/drawing/2014/main" id="{F073A345-7139-4242-AAE3-E828CAD4792B}"/>
+              </a:ext>
+            </a:extLst>
+          </p:cNvPr>
+          <p:cNvCxnSpPr>
+            <a:cxnSpLocks/>
+          </p:cNvCxnSpPr>
+          <p:nvPr userDrawn="1"/>
+        </p:nvCxnSpPr>
+        <p:spPr>
+          <a:xfrm rot="16200000">
+            <a:off x="6100153" y="2659753"/>
+            <a:ext cx="0" cy="195262"/>
+          </a:xfrm>
+          <a:prstGeom prst="line">
+            <a:avLst/>
+          </a:prstGeom>
+          <a:ln w="12700">
+            <a:solidFill>
+              <a:schemeClr val="tx1"/>
+            </a:solidFill>
+          </a:ln>
+        </p:spPr>
+        <p:style>
+          <a:lnRef idx="1">
+            <a:schemeClr val="accent1"/>
+          </a:lnRef>
+          <a:fillRef idx="0">
+            <a:schemeClr val="accent1"/>
+          </a:fillRef>
+          <a:effectRef idx="0">
+            <a:schemeClr val="accent1"/>
+          </a:effectRef>
+          <a:fontRef idx="minor">
+            <a:schemeClr val="tx1"/>
+          </a:fontRef>
+        </p:style>
+      </p:cxnSp>
+    </p:spTree>
+    <p:extLst>
+      <p:ext uri="{BB962C8B-B14F-4D97-AF65-F5344CB8AC3E}">
+        <p14:creationId xmlns:p14="http://schemas.microsoft.com/office/powerpoint/2010/main" val="959747380"/>
+      </p:ext>
+    </p:extLst>
+  </p:cSld>
+  <p:clrMapOvr>
+    <a:masterClrMapping/>
+  </p:clrMapOvr>
+  <p:extLst mod="1">
+    <p:ext uri="{DCECCB84-F9BA-43D5-87BE-67443E8EF086}">
+      <p15:sldGuideLst xmlns:p15="http://schemas.microsoft.com/office/powerpoint/2012/main">
+        <p15:guide id="1" orient="horz" pos="2160" userDrawn="1">
+          <p15:clr>
+            <a:srgbClr val="FBAE40"/>
+          </p15:clr>
+        </p15:guide>
+        <p15:guide id="2" pos="3840" userDrawn="1">
+          <p15:clr>
+            <a:srgbClr val="FBAE40"/>
+          </p15:clr>
+        </p15:guide>
+      </p15:sldGuideLst>
+    </p:ext>
+  </p:extLst>
+</p:sldLayout>
+</file>
+
+<file path=ppt/slideLayouts/slideLayout3.xml><?xml version="1.0" encoding="utf-8"?>
+<p:sldLayout xmlns:a="http://schemas.openxmlformats.org/drawingml/2006/main" xmlns:r="http://schemas.openxmlformats.org/officeDocument/2006/relationships" xmlns:p="http://schemas.openxmlformats.org/presentationml/2006/main" preserve="1" userDrawn="1">
+  <p:cSld name="1줄t">
+    <p:spTree>
+      <p:nvGrpSpPr>
+        <p:cNvPr id="1" name=""/>
+        <p:cNvGrpSpPr/>
+        <p:nvPr/>
+      </p:nvGrpSpPr>
+      <p:grpSpPr>
+        <a:xfrm>
+          <a:off x="0" y="0"/>
+          <a:ext cx="0" cy="0"/>
+          <a:chOff x="0" y="0"/>
+          <a:chExt cx="0" cy="0"/>
+        </a:xfrm>
+      </p:grpSpPr>
+      <p:sp>
+        <p:nvSpPr>
+          <p:cNvPr id="6" name="직사각형 5">
+            <a:extLst>
+              <a:ext uri="{FF2B5EF4-FFF2-40B4-BE49-F238E27FC236}">
+                <a16:creationId xmlns:a16="http://schemas.microsoft.com/office/drawing/2014/main" id="{D2D5CCD6-DEBA-4450-9DE6-51A3553927BC}"/>
+              </a:ext>
+            </a:extLst>
+          </p:cNvPr>
+          <p:cNvSpPr/>
+          <p:nvPr userDrawn="1"/>
+        </p:nvSpPr>
+        <p:spPr>
+          <a:xfrm>
+            <a:off x="0" y="6673174"/>
+            <a:ext cx="12192000" cy="184826"/>
+          </a:xfrm>
+          <a:prstGeom prst="rect">
+            <a:avLst/>
+          </a:prstGeom>
+          <a:solidFill>
+            <a:schemeClr val="tx1">
+              <a:lumMod val="85000"/>
+              <a:lumOff val="15000"/>
+            </a:schemeClr>
+          </a:solidFill>
+          <a:ln>
+            <a:noFill/>
+          </a:ln>
+        </p:spPr>
+        <p:style>
+          <a:lnRef idx="2">
+            <a:schemeClr val="accent1">
+              <a:shade val="50000"/>
+            </a:schemeClr>
+          </a:lnRef>
+          <a:fillRef idx="1">
+            <a:schemeClr val="accent1"/>
+          </a:fillRef>
+          <a:effectRef idx="0">
+            <a:schemeClr val="accent1"/>
+          </a:effectRef>
+          <a:fontRef idx="minor">
+            <a:schemeClr val="lt1"/>
+          </a:fontRef>
+        </p:style>
+        <p:txBody>
+          <a:bodyPr rtlCol="0" anchor="ctr"/>
+          <a:lstStyle/>
+          <a:p>
+            <a:pPr algn="ctr"/>
+            <a:endParaRPr lang="ko-KR" altLang="en-US">
+              <a:ln>
+                <a:solidFill>
+                  <a:schemeClr val="tx1">
+                    <a:alpha val="0"/>
+                  </a:schemeClr>
+                </a:solidFill>
+              </a:ln>
+            </a:endParaRPr>
+          </a:p>
+        </p:txBody>
+      </p:sp>
+      <p:sp>
+        <p:nvSpPr>
+          <p:cNvPr id="7" name="TextBox 6">
+            <a:extLst>
+              <a:ext uri="{FF2B5EF4-FFF2-40B4-BE49-F238E27FC236}">
+                <a16:creationId xmlns:a16="http://schemas.microsoft.com/office/drawing/2014/main" id="{552646BE-A0A3-4A62-820E-FB203AD599C0}"/>
+              </a:ext>
+            </a:extLst>
+          </p:cNvPr>
+          <p:cNvSpPr txBox="1"/>
+          <p:nvPr userDrawn="1"/>
+        </p:nvSpPr>
+        <p:spPr>
+          <a:xfrm>
+            <a:off x="4702830" y="6657796"/>
+            <a:ext cx="2786340" cy="215444"/>
+          </a:xfrm>
+          <a:prstGeom prst="rect">
+            <a:avLst/>
+          </a:prstGeom>
+          <a:noFill/>
+        </p:spPr>
+        <p:txBody>
+          <a:bodyPr wrap="none" rtlCol="0">
+            <a:spAutoFit/>
+          </a:bodyPr>
+          <a:lstStyle/>
+          <a:p>
+            <a:pPr marL="0" marR="0" lvl="0" indent="0" algn="ctr" defTabSz="914400" rtl="0" eaLnBrk="1" fontAlgn="auto" latinLnBrk="1" hangingPunct="1">
+              <a:lnSpc>
+                <a:spcPct val="100000"/>
+              </a:lnSpc>
+              <a:spcBef>
+                <a:spcPts val="0"/>
+              </a:spcBef>
+              <a:spcAft>
+                <a:spcPts val="0"/>
+              </a:spcAft>
+              <a:buClrTx/>
+              <a:buSzTx/>
+              <a:buFontTx/>
+              <a:buNone/>
+              <a:tabLst/>
+              <a:defRPr/>
+            </a:pPr>
+            <a:r>
+              <a:rPr lang="en-US" altLang="ko-KR" sz="800">
+                <a:ln>
+                  <a:solidFill>
+                    <a:schemeClr val="tx1">
+                      <a:alpha val="0"/>
+                    </a:schemeClr>
+                  </a:solidFill>
+                </a:ln>
+                <a:solidFill>
+                  <a:schemeClr val="bg1"/>
+                </a:solidFill>
+                <a:latin typeface="Gotham" panose="02000604030000020004" pitchFamily="50" charset="0"/>
+                <a:ea typeface="나눔바른고딕" pitchFamily="50" charset="-127"/>
+              </a:rPr>
+              <a:t>Copyright FASTCAMPUS Corp. All Rights Reserved</a:t>
+            </a:r>
+          </a:p>
+        </p:txBody>
+      </p:sp>
+      <p:sp>
+        <p:nvSpPr>
+          <p:cNvPr id="11" name="제목 10">
+            <a:extLst>
+              <a:ext uri="{FF2B5EF4-FFF2-40B4-BE49-F238E27FC236}">
+                <a16:creationId xmlns:a16="http://schemas.microsoft.com/office/drawing/2014/main" id="{0DB73C5E-A477-4148-A17D-8FBFC94B84D1}"/>
+              </a:ext>
+            </a:extLst>
+          </p:cNvPr>
+          <p:cNvSpPr>
+            <a:spLocks noGrp="1"/>
+          </p:cNvSpPr>
+          <p:nvPr>
+            <p:ph type="title" hasCustomPrompt="1"/>
+          </p:nvPr>
+        </p:nvSpPr>
+        <p:spPr>
+          <a:xfrm>
+            <a:off x="223228" y="333887"/>
+            <a:ext cx="10930266" cy="342659"/>
+          </a:xfrm>
+          <a:prstGeom prst="rect">
+            <a:avLst/>
+          </a:prstGeom>
+        </p:spPr>
+        <p:txBody>
+          <a:bodyPr/>
+          <a:lstStyle>
+            <a:lvl1pPr>
+              <a:defRPr sz="2400">
+                <a:ln>
+                  <a:solidFill>
+                    <a:schemeClr val="tx1">
+                      <a:alpha val="0"/>
+                    </a:schemeClr>
+                  </a:solidFill>
+                </a:ln>
+                <a:latin typeface="Noto Sans CJK KR Medium" panose="020B0600000000000000" pitchFamily="34" charset="-127"/>
+                <a:ea typeface="Noto Sans CJK KR Medium" panose="020B0600000000000000" pitchFamily="34" charset="-127"/>
+              </a:defRPr>
+            </a:lvl1pPr>
+          </a:lstStyle>
+          <a:p>
+            <a:r>
+              <a:rPr lang="ko-KR" altLang="en-US"/>
+              <a:t>슬라이드 핵심 내용이 한 줄이라면 이 슬라이드를 이용해 주세요</a:t>
+            </a:r>
+            <a:r>
+              <a:rPr lang="en-US" altLang="ko-KR"/>
+              <a:t>.</a:t>
+            </a:r>
+            <a:endParaRPr lang="ko-KR" altLang="en-US"/>
+          </a:p>
+        </p:txBody>
+      </p:sp>
+      <p:sp>
+        <p:nvSpPr>
+          <p:cNvPr id="13" name="TextBox 12">
+            <a:extLst>
+              <a:ext uri="{FF2B5EF4-FFF2-40B4-BE49-F238E27FC236}">
+                <a16:creationId xmlns:a16="http://schemas.microsoft.com/office/drawing/2014/main" id="{0F66DA56-C927-4870-A08B-A4E27CB636C4}"/>
+              </a:ext>
+            </a:extLst>
+          </p:cNvPr>
+          <p:cNvSpPr txBox="1"/>
+          <p:nvPr userDrawn="1"/>
+        </p:nvSpPr>
+        <p:spPr>
+          <a:xfrm>
+            <a:off x="103601" y="98583"/>
+            <a:ext cx="742511" cy="246221"/>
+          </a:xfrm>
+          <a:prstGeom prst="rect">
+            <a:avLst/>
+          </a:prstGeom>
+          <a:noFill/>
+        </p:spPr>
+        <p:txBody>
+          <a:bodyPr wrap="none" rtlCol="0">
+            <a:spAutoFit/>
+          </a:bodyPr>
+          <a:lstStyle/>
+          <a:p>
+            <a:r>
+              <a:rPr lang="en-US" altLang="ko-KR" sz="1000" b="1">
+                <a:ln>
+                  <a:solidFill>
+                    <a:schemeClr val="tx1">
+                      <a:alpha val="0"/>
+                    </a:schemeClr>
+                  </a:solidFill>
+                </a:ln>
+                <a:latin typeface="Gotham" panose="02000604030000020004" pitchFamily="50" charset="0"/>
+              </a:rPr>
+              <a:t>Chapter</a:t>
+            </a:r>
+            <a:r>
+              <a:rPr lang="en-US" altLang="ko-KR" sz="1000" b="1">
+                <a:ln>
+                  <a:solidFill>
+                    <a:schemeClr val="tx1">
+                      <a:alpha val="0"/>
+                    </a:schemeClr>
+                  </a:solidFill>
+                </a:ln>
+                <a:solidFill>
+                  <a:srgbClr val="EE234B"/>
+                </a:solidFill>
+                <a:latin typeface="Gotham" panose="02000604030000020004" pitchFamily="50" charset="0"/>
+              </a:rPr>
+              <a:t>.</a:t>
+            </a:r>
+            <a:endParaRPr lang="ko-KR" altLang="en-US" sz="1000" b="1">
+              <a:ln>
+                <a:solidFill>
+                  <a:schemeClr val="tx1">
+                    <a:alpha val="0"/>
+                  </a:schemeClr>
+                </a:solidFill>
+              </a:ln>
+              <a:solidFill>
+                <a:srgbClr val="EE234B"/>
+              </a:solidFill>
+              <a:latin typeface="Gotham" panose="02000604030000020004" pitchFamily="50" charset="0"/>
+            </a:endParaRPr>
+          </a:p>
+        </p:txBody>
+      </p:sp>
+      <p:sp>
+        <p:nvSpPr>
+          <p:cNvPr id="14" name="텍스트 개체 틀 15">
+            <a:extLst>
+              <a:ext uri="{FF2B5EF4-FFF2-40B4-BE49-F238E27FC236}">
+                <a16:creationId xmlns:a16="http://schemas.microsoft.com/office/drawing/2014/main" id="{E833FE27-D81B-4BD3-838C-88B7BEC0B521}"/>
+              </a:ext>
+            </a:extLst>
+          </p:cNvPr>
+          <p:cNvSpPr>
+            <a:spLocks noGrp="1"/>
+          </p:cNvSpPr>
+          <p:nvPr>
+            <p:ph type="body" sz="quarter" idx="10" hasCustomPrompt="1"/>
+          </p:nvPr>
+        </p:nvSpPr>
+        <p:spPr>
+          <a:xfrm>
+            <a:off x="682259" y="110625"/>
+            <a:ext cx="386922" cy="222136"/>
+          </a:xfrm>
+          <a:prstGeom prst="rect">
+            <a:avLst/>
+          </a:prstGeom>
+        </p:spPr>
+        <p:txBody>
+          <a:bodyPr/>
+          <a:lstStyle>
+            <a:lvl1pPr marL="0" indent="0">
+              <a:buNone/>
+              <a:defRPr lang="ko-KR" altLang="en-US" sz="1050" b="1" kern="1200">
+                <a:ln>
+                  <a:solidFill>
+                    <a:schemeClr val="tx1">
+                      <a:alpha val="0"/>
+                    </a:schemeClr>
+                  </a:solidFill>
+                </a:ln>
+                <a:solidFill>
+                  <a:schemeClr val="tx1"/>
+                </a:solidFill>
+                <a:latin typeface="Gotham" panose="02000604030000020004" pitchFamily="50" charset="0"/>
+                <a:ea typeface="+mn-ea"/>
+                <a:cs typeface="+mn-cs"/>
+              </a:defRPr>
+            </a:lvl1pPr>
+          </a:lstStyle>
+          <a:p>
+            <a:pPr lvl="0"/>
+            <a:r>
+              <a:rPr lang="en-US" altLang="ko-KR"/>
+              <a:t>00</a:t>
+            </a:r>
+            <a:endParaRPr lang="ko-KR" altLang="en-US"/>
+          </a:p>
+        </p:txBody>
+      </p:sp>
+      <p:cxnSp>
+        <p:nvCxnSpPr>
+          <p:cNvPr id="16" name="직선 연결선 15">
+            <a:extLst>
+              <a:ext uri="{FF2B5EF4-FFF2-40B4-BE49-F238E27FC236}">
+                <a16:creationId xmlns:a16="http://schemas.microsoft.com/office/drawing/2014/main" id="{16CD7445-9D88-43FB-A201-8A51AC3005BB}"/>
+              </a:ext>
+            </a:extLst>
+          </p:cNvPr>
+          <p:cNvCxnSpPr>
+            <a:cxnSpLocks/>
+          </p:cNvCxnSpPr>
+          <p:nvPr userDrawn="1"/>
+        </p:nvCxnSpPr>
+        <p:spPr>
+          <a:xfrm>
+            <a:off x="223228" y="433388"/>
+            <a:ext cx="0" cy="195262"/>
+          </a:xfrm>
+          <a:prstGeom prst="line">
+            <a:avLst/>
+          </a:prstGeom>
+          <a:ln w="28575">
+            <a:solidFill>
+              <a:schemeClr val="tx1"/>
+            </a:solidFill>
+          </a:ln>
+        </p:spPr>
+        <p:style>
+          <a:lnRef idx="1">
+            <a:schemeClr val="accent1"/>
+          </a:lnRef>
+          <a:fillRef idx="0">
+            <a:schemeClr val="accent1"/>
+          </a:fillRef>
+          <a:effectRef idx="0">
+            <a:schemeClr val="accent1"/>
+          </a:effectRef>
+          <a:fontRef idx="minor">
+            <a:schemeClr val="tx1"/>
+          </a:fontRef>
+        </p:style>
+      </p:cxnSp>
+      <p:sp>
+        <p:nvSpPr>
+          <p:cNvPr id="3" name="내용 개체 틀 2">
+            <a:extLst>
+              <a:ext uri="{FF2B5EF4-FFF2-40B4-BE49-F238E27FC236}">
+                <a16:creationId xmlns:a16="http://schemas.microsoft.com/office/drawing/2014/main" id="{F3613B8B-683C-4498-8B71-325E011C51AD}"/>
+              </a:ext>
+            </a:extLst>
+          </p:cNvPr>
+          <p:cNvSpPr>
+            <a:spLocks noGrp="1"/>
+          </p:cNvSpPr>
+          <p:nvPr>
+            <p:ph sz="quarter" idx="11" hasCustomPrompt="1"/>
+          </p:nvPr>
+        </p:nvSpPr>
+        <p:spPr>
+          <a:xfrm>
+            <a:off x="914559" y="110568"/>
+            <a:ext cx="2200592" cy="222250"/>
+          </a:xfrm>
+          <a:prstGeom prst="rect">
+            <a:avLst/>
+          </a:prstGeom>
+          <a:ln>
+            <a:noFill/>
+          </a:ln>
+        </p:spPr>
+        <p:txBody>
+          <a:bodyPr/>
+          <a:lstStyle>
+            <a:lvl1pPr marL="0" indent="0">
+              <a:buNone/>
+              <a:defRPr sz="1000">
+                <a:ln>
+                  <a:solidFill>
+                    <a:schemeClr val="tx1">
+                      <a:alpha val="0"/>
+                    </a:schemeClr>
+                  </a:solidFill>
+                </a:ln>
+                <a:solidFill>
+                  <a:srgbClr val="EF234B"/>
+                </a:solidFill>
+                <a:latin typeface="Noto Sans CJK KR Medium" panose="020B0600000000000000" pitchFamily="34" charset="-127"/>
+                <a:ea typeface="Noto Sans CJK KR Medium" panose="020B0600000000000000" pitchFamily="34" charset="-127"/>
+              </a:defRPr>
+            </a:lvl1pPr>
+          </a:lstStyle>
+          <a:p>
+            <a:pPr lvl="0"/>
+            <a:r>
+              <a:rPr lang="ko-KR" altLang="en-US" dirty="0" err="1"/>
+              <a:t>챕터명을</a:t>
+            </a:r>
+            <a:r>
+              <a:rPr lang="ko-KR" altLang="en-US" dirty="0"/>
+              <a:t> 적어주세요</a:t>
+            </a:r>
+            <a:r>
+              <a:rPr lang="en-US" altLang="ko-KR" dirty="0"/>
+              <a:t>.</a:t>
+            </a:r>
+            <a:endParaRPr lang="ko-KR" altLang="en-US" dirty="0"/>
+          </a:p>
+        </p:txBody>
+      </p:sp>
+      <p:sp>
+        <p:nvSpPr>
+          <p:cNvPr id="4" name="텍스트 개체 틀 3">
+            <a:extLst>
+              <a:ext uri="{FF2B5EF4-FFF2-40B4-BE49-F238E27FC236}">
+                <a16:creationId xmlns:a16="http://schemas.microsoft.com/office/drawing/2014/main" id="{87BEC569-FAE8-4A56-B45C-59458049BB63}"/>
+              </a:ext>
+            </a:extLst>
+          </p:cNvPr>
+          <p:cNvSpPr>
+            <a:spLocks noGrp="1"/>
+          </p:cNvSpPr>
+          <p:nvPr>
+            <p:ph type="body" sz="quarter" idx="12"/>
+          </p:nvPr>
+        </p:nvSpPr>
+        <p:spPr>
+          <a:xfrm>
+            <a:off x="682260" y="1136650"/>
+            <a:ext cx="10471516" cy="4584700"/>
+          </a:xfrm>
+          <a:prstGeom prst="rect">
+            <a:avLst/>
+          </a:prstGeom>
+        </p:spPr>
+        <p:txBody>
+          <a:bodyPr/>
+          <a:lstStyle>
+            <a:lvl1pPr>
+              <a:defRPr>
+                <a:latin typeface="+mn-ea"/>
+                <a:ea typeface="+mn-ea"/>
+              </a:defRPr>
+            </a:lvl1pPr>
+            <a:lvl2pPr>
+              <a:defRPr>
+                <a:latin typeface="+mn-ea"/>
+                <a:ea typeface="+mn-ea"/>
+              </a:defRPr>
+            </a:lvl2pPr>
+            <a:lvl3pPr>
+              <a:defRPr>
+                <a:latin typeface="+mn-ea"/>
+                <a:ea typeface="+mn-ea"/>
+              </a:defRPr>
+            </a:lvl3pPr>
+            <a:lvl4pPr>
+              <a:defRPr>
+                <a:latin typeface="+mn-ea"/>
+                <a:ea typeface="+mn-ea"/>
+              </a:defRPr>
+            </a:lvl4pPr>
+            <a:lvl5pPr>
+              <a:defRPr>
+                <a:latin typeface="+mn-ea"/>
+                <a:ea typeface="+mn-ea"/>
+              </a:defRPr>
+            </a:lvl5pPr>
+          </a:lstStyle>
+          <a:p>
+            <a:pPr lvl="0"/>
+            <a:r>
+              <a:rPr lang="ko-KR" altLang="en-US" dirty="0"/>
+              <a:t>마스터 텍스트 스타일 편집</a:t>
+            </a:r>
+          </a:p>
+          <a:p>
+            <a:pPr lvl="1"/>
+            <a:r>
+              <a:rPr lang="ko-KR" altLang="en-US" dirty="0"/>
+              <a:t>둘째 수준</a:t>
+            </a:r>
+          </a:p>
+          <a:p>
+            <a:pPr lvl="2"/>
+            <a:r>
+              <a:rPr lang="ko-KR" altLang="en-US" dirty="0"/>
+              <a:t>셋째 수준</a:t>
+            </a:r>
+          </a:p>
+          <a:p>
+            <a:pPr lvl="3"/>
+            <a:r>
+              <a:rPr lang="ko-KR" altLang="en-US" dirty="0"/>
+              <a:t>넷째 수준</a:t>
+            </a:r>
+          </a:p>
+          <a:p>
+            <a:pPr lvl="4"/>
+            <a:r>
+              <a:rPr lang="ko-KR" altLang="en-US" dirty="0"/>
+              <a:t>다섯째 수준</a:t>
+            </a:r>
+          </a:p>
+        </p:txBody>
+      </p:sp>
+    </p:spTree>
+    <p:extLst>
+      <p:ext uri="{BB962C8B-B14F-4D97-AF65-F5344CB8AC3E}">
+        <p14:creationId xmlns:p14="http://schemas.microsoft.com/office/powerpoint/2010/main" val="1587548017"/>
+      </p:ext>
+    </p:extLst>
+  </p:cSld>
+  <p:clrMapOvr>
+    <a:masterClrMapping/>
+  </p:clrMapOvr>
+</p:sldLayout>
+</file>
+
+<file path=ppt/slideLayouts/slideLayout4.xml><?xml version="1.0" encoding="utf-8"?>
+<p:sldLayout xmlns:a="http://schemas.openxmlformats.org/drawingml/2006/main" xmlns:r="http://schemas.openxmlformats.org/officeDocument/2006/relationships" xmlns:p="http://schemas.openxmlformats.org/presentationml/2006/main" preserve="1" userDrawn="1">
+  <p:cSld name="1줄ti">
+    <p:spTree>
+      <p:nvGrpSpPr>
+        <p:cNvPr id="1" name=""/>
+        <p:cNvGrpSpPr/>
+        <p:nvPr/>
+      </p:nvGrpSpPr>
+      <p:grpSpPr>
+        <a:xfrm>
+          <a:off x="0" y="0"/>
+          <a:ext cx="0" cy="0"/>
+          <a:chOff x="0" y="0"/>
+          <a:chExt cx="0" cy="0"/>
+        </a:xfrm>
+      </p:grpSpPr>
+      <p:sp>
+        <p:nvSpPr>
+          <p:cNvPr id="6" name="직사각형 5">
+            <a:extLst>
+              <a:ext uri="{FF2B5EF4-FFF2-40B4-BE49-F238E27FC236}">
+                <a16:creationId xmlns:a16="http://schemas.microsoft.com/office/drawing/2014/main" id="{D2D5CCD6-DEBA-4450-9DE6-51A3553927BC}"/>
+              </a:ext>
+            </a:extLst>
+          </p:cNvPr>
+          <p:cNvSpPr/>
+          <p:nvPr userDrawn="1"/>
+        </p:nvSpPr>
+        <p:spPr>
+          <a:xfrm>
+            <a:off x="0" y="6673174"/>
+            <a:ext cx="12192000" cy="184826"/>
+          </a:xfrm>
+          <a:prstGeom prst="rect">
+            <a:avLst/>
+          </a:prstGeom>
+          <a:solidFill>
+            <a:schemeClr val="tx1">
+              <a:lumMod val="85000"/>
+              <a:lumOff val="15000"/>
+            </a:schemeClr>
+          </a:solidFill>
+          <a:ln>
+            <a:noFill/>
+          </a:ln>
+        </p:spPr>
+        <p:style>
+          <a:lnRef idx="2">
+            <a:schemeClr val="accent1">
+              <a:shade val="50000"/>
+            </a:schemeClr>
+          </a:lnRef>
+          <a:fillRef idx="1">
+            <a:schemeClr val="accent1"/>
+          </a:fillRef>
+          <a:effectRef idx="0">
+            <a:schemeClr val="accent1"/>
+          </a:effectRef>
+          <a:fontRef idx="minor">
+            <a:schemeClr val="lt1"/>
+          </a:fontRef>
+        </p:style>
+        <p:txBody>
+          <a:bodyPr rtlCol="0" anchor="ctr"/>
+          <a:lstStyle/>
+          <a:p>
+            <a:pPr algn="ctr"/>
+            <a:endParaRPr lang="ko-KR" altLang="en-US">
+              <a:ln>
+                <a:solidFill>
+                  <a:schemeClr val="tx1">
+                    <a:alpha val="0"/>
+                  </a:schemeClr>
+                </a:solidFill>
+              </a:ln>
+            </a:endParaRPr>
+          </a:p>
+        </p:txBody>
+      </p:sp>
+      <p:sp>
+        <p:nvSpPr>
+          <p:cNvPr id="7" name="TextBox 6">
+            <a:extLst>
+              <a:ext uri="{FF2B5EF4-FFF2-40B4-BE49-F238E27FC236}">
+                <a16:creationId xmlns:a16="http://schemas.microsoft.com/office/drawing/2014/main" id="{552646BE-A0A3-4A62-820E-FB203AD599C0}"/>
+              </a:ext>
+            </a:extLst>
+          </p:cNvPr>
+          <p:cNvSpPr txBox="1"/>
+          <p:nvPr userDrawn="1"/>
+        </p:nvSpPr>
+        <p:spPr>
+          <a:xfrm>
+            <a:off x="4702830" y="6657796"/>
+            <a:ext cx="2786340" cy="215444"/>
+          </a:xfrm>
+          <a:prstGeom prst="rect">
+            <a:avLst/>
+          </a:prstGeom>
+          <a:noFill/>
+        </p:spPr>
+        <p:txBody>
+          <a:bodyPr wrap="none" rtlCol="0">
+            <a:spAutoFit/>
+          </a:bodyPr>
+          <a:lstStyle/>
+          <a:p>
+            <a:pPr marL="0" marR="0" lvl="0" indent="0" algn="ctr" defTabSz="914400" rtl="0" eaLnBrk="1" fontAlgn="auto" latinLnBrk="1" hangingPunct="1">
+              <a:lnSpc>
+                <a:spcPct val="100000"/>
+              </a:lnSpc>
+              <a:spcBef>
+                <a:spcPts val="0"/>
+              </a:spcBef>
+              <a:spcAft>
+                <a:spcPts val="0"/>
+              </a:spcAft>
+              <a:buClrTx/>
+              <a:buSzTx/>
+              <a:buFontTx/>
+              <a:buNone/>
+              <a:tabLst/>
+              <a:defRPr/>
+            </a:pPr>
+            <a:r>
+              <a:rPr lang="en-US" altLang="ko-KR" sz="800">
+                <a:ln>
+                  <a:solidFill>
+                    <a:schemeClr val="tx1">
+                      <a:alpha val="0"/>
+                    </a:schemeClr>
+                  </a:solidFill>
+                </a:ln>
+                <a:solidFill>
+                  <a:schemeClr val="bg1"/>
+                </a:solidFill>
+                <a:latin typeface="Gotham" panose="02000604030000020004" pitchFamily="50" charset="0"/>
+                <a:ea typeface="나눔바른고딕" pitchFamily="50" charset="-127"/>
+              </a:rPr>
+              <a:t>Copyright FASTCAMPUS Corp. All Rights Reserved</a:t>
+            </a:r>
+          </a:p>
+        </p:txBody>
+      </p:sp>
+      <p:sp>
+        <p:nvSpPr>
+          <p:cNvPr id="11" name="제목 10">
+            <a:extLst>
+              <a:ext uri="{FF2B5EF4-FFF2-40B4-BE49-F238E27FC236}">
+                <a16:creationId xmlns:a16="http://schemas.microsoft.com/office/drawing/2014/main" id="{0DB73C5E-A477-4148-A17D-8FBFC94B84D1}"/>
+              </a:ext>
+            </a:extLst>
+          </p:cNvPr>
+          <p:cNvSpPr>
+            <a:spLocks noGrp="1"/>
+          </p:cNvSpPr>
+          <p:nvPr>
+            <p:ph type="title" hasCustomPrompt="1"/>
+          </p:nvPr>
+        </p:nvSpPr>
+        <p:spPr>
+          <a:xfrm>
+            <a:off x="223228" y="333887"/>
+            <a:ext cx="10930266" cy="342659"/>
+          </a:xfrm>
+          <a:prstGeom prst="rect">
+            <a:avLst/>
+          </a:prstGeom>
+        </p:spPr>
+        <p:txBody>
+          <a:bodyPr/>
+          <a:lstStyle>
+            <a:lvl1pPr>
+              <a:defRPr sz="2400">
+                <a:ln>
+                  <a:solidFill>
+                    <a:schemeClr val="tx1">
+                      <a:alpha val="0"/>
+                    </a:schemeClr>
+                  </a:solidFill>
+                </a:ln>
+                <a:latin typeface="Noto Sans CJK KR Medium" panose="020B0600000000000000" pitchFamily="34" charset="-127"/>
+                <a:ea typeface="Noto Sans CJK KR Medium" panose="020B0600000000000000" pitchFamily="34" charset="-127"/>
+              </a:defRPr>
+            </a:lvl1pPr>
+          </a:lstStyle>
+          <a:p>
+            <a:r>
+              <a:rPr lang="ko-KR" altLang="en-US"/>
+              <a:t>슬라이드 핵심 내용이 한 줄이라면 이 슬라이드를 이용해 주세요</a:t>
+            </a:r>
+            <a:r>
+              <a:rPr lang="en-US" altLang="ko-KR"/>
+              <a:t>.</a:t>
+            </a:r>
+            <a:endParaRPr lang="ko-KR" altLang="en-US"/>
+          </a:p>
+        </p:txBody>
+      </p:sp>
+      <p:sp>
+        <p:nvSpPr>
+          <p:cNvPr id="13" name="TextBox 12">
+            <a:extLst>
+              <a:ext uri="{FF2B5EF4-FFF2-40B4-BE49-F238E27FC236}">
+                <a16:creationId xmlns:a16="http://schemas.microsoft.com/office/drawing/2014/main" id="{0F66DA56-C927-4870-A08B-A4E27CB636C4}"/>
+              </a:ext>
+            </a:extLst>
+          </p:cNvPr>
+          <p:cNvSpPr txBox="1"/>
+          <p:nvPr userDrawn="1"/>
+        </p:nvSpPr>
+        <p:spPr>
+          <a:xfrm>
+            <a:off x="103601" y="98583"/>
+            <a:ext cx="742511" cy="246221"/>
+          </a:xfrm>
+          <a:prstGeom prst="rect">
+            <a:avLst/>
+          </a:prstGeom>
+          <a:noFill/>
+        </p:spPr>
+        <p:txBody>
+          <a:bodyPr wrap="none" rtlCol="0">
+            <a:spAutoFit/>
+          </a:bodyPr>
+          <a:lstStyle/>
+          <a:p>
+            <a:r>
+              <a:rPr lang="en-US" altLang="ko-KR" sz="1000" b="1">
+                <a:ln>
+                  <a:solidFill>
+                    <a:schemeClr val="tx1">
+                      <a:alpha val="0"/>
+                    </a:schemeClr>
+                  </a:solidFill>
+                </a:ln>
+                <a:latin typeface="Gotham" panose="02000604030000020004" pitchFamily="50" charset="0"/>
+              </a:rPr>
+              <a:t>Chapter</a:t>
+            </a:r>
+            <a:r>
+              <a:rPr lang="en-US" altLang="ko-KR" sz="1000" b="1">
+                <a:ln>
+                  <a:solidFill>
+                    <a:schemeClr val="tx1">
+                      <a:alpha val="0"/>
+                    </a:schemeClr>
+                  </a:solidFill>
+                </a:ln>
+                <a:solidFill>
+                  <a:srgbClr val="EE234B"/>
+                </a:solidFill>
+                <a:latin typeface="Gotham" panose="02000604030000020004" pitchFamily="50" charset="0"/>
+              </a:rPr>
+              <a:t>.</a:t>
+            </a:r>
+            <a:endParaRPr lang="ko-KR" altLang="en-US" sz="1000" b="1">
+              <a:ln>
+                <a:solidFill>
+                  <a:schemeClr val="tx1">
+                    <a:alpha val="0"/>
+                  </a:schemeClr>
+                </a:solidFill>
+              </a:ln>
+              <a:solidFill>
+                <a:srgbClr val="EE234B"/>
+              </a:solidFill>
+              <a:latin typeface="Gotham" panose="02000604030000020004" pitchFamily="50" charset="0"/>
+            </a:endParaRPr>
+          </a:p>
+        </p:txBody>
+      </p:sp>
+      <p:sp>
+        <p:nvSpPr>
+          <p:cNvPr id="14" name="텍스트 개체 틀 15">
+            <a:extLst>
+              <a:ext uri="{FF2B5EF4-FFF2-40B4-BE49-F238E27FC236}">
+                <a16:creationId xmlns:a16="http://schemas.microsoft.com/office/drawing/2014/main" id="{E833FE27-D81B-4BD3-838C-88B7BEC0B521}"/>
+              </a:ext>
+            </a:extLst>
+          </p:cNvPr>
+          <p:cNvSpPr>
+            <a:spLocks noGrp="1"/>
+          </p:cNvSpPr>
+          <p:nvPr>
+            <p:ph type="body" sz="quarter" idx="10" hasCustomPrompt="1"/>
+          </p:nvPr>
+        </p:nvSpPr>
+        <p:spPr>
+          <a:xfrm>
+            <a:off x="682259" y="110625"/>
+            <a:ext cx="386922" cy="222136"/>
+          </a:xfrm>
+          <a:prstGeom prst="rect">
+            <a:avLst/>
+          </a:prstGeom>
+        </p:spPr>
+        <p:txBody>
+          <a:bodyPr/>
+          <a:lstStyle>
+            <a:lvl1pPr marL="0" indent="0">
+              <a:buNone/>
+              <a:defRPr lang="ko-KR" altLang="en-US" sz="1050" b="1" kern="1200">
+                <a:ln>
+                  <a:solidFill>
+                    <a:schemeClr val="tx1">
+                      <a:alpha val="0"/>
+                    </a:schemeClr>
+                  </a:solidFill>
+                </a:ln>
+                <a:solidFill>
+                  <a:schemeClr val="tx1"/>
+                </a:solidFill>
+                <a:latin typeface="Gotham" panose="02000604030000020004" pitchFamily="50" charset="0"/>
+                <a:ea typeface="+mn-ea"/>
+                <a:cs typeface="+mn-cs"/>
+              </a:defRPr>
+            </a:lvl1pPr>
+          </a:lstStyle>
+          <a:p>
+            <a:pPr lvl="0"/>
+            <a:r>
+              <a:rPr lang="en-US" altLang="ko-KR"/>
+              <a:t>00</a:t>
+            </a:r>
+            <a:endParaRPr lang="ko-KR" altLang="en-US"/>
+          </a:p>
+        </p:txBody>
+      </p:sp>
+      <p:cxnSp>
+        <p:nvCxnSpPr>
+          <p:cNvPr id="16" name="직선 연결선 15">
+            <a:extLst>
+              <a:ext uri="{FF2B5EF4-FFF2-40B4-BE49-F238E27FC236}">
+                <a16:creationId xmlns:a16="http://schemas.microsoft.com/office/drawing/2014/main" id="{16CD7445-9D88-43FB-A201-8A51AC3005BB}"/>
+              </a:ext>
+            </a:extLst>
+          </p:cNvPr>
+          <p:cNvCxnSpPr>
+            <a:cxnSpLocks/>
+          </p:cNvCxnSpPr>
+          <p:nvPr userDrawn="1"/>
+        </p:nvCxnSpPr>
+        <p:spPr>
+          <a:xfrm>
+            <a:off x="223228" y="433388"/>
+            <a:ext cx="0" cy="195262"/>
+          </a:xfrm>
+          <a:prstGeom prst="line">
+            <a:avLst/>
+          </a:prstGeom>
+          <a:ln w="28575">
+            <a:solidFill>
+              <a:schemeClr val="tx1"/>
+            </a:solidFill>
+          </a:ln>
+        </p:spPr>
+        <p:style>
+          <a:lnRef idx="1">
+            <a:schemeClr val="accent1"/>
+          </a:lnRef>
+          <a:fillRef idx="0">
+            <a:schemeClr val="accent1"/>
+          </a:fillRef>
+          <a:effectRef idx="0">
+            <a:schemeClr val="accent1"/>
+          </a:effectRef>
+          <a:fontRef idx="minor">
+            <a:schemeClr val="tx1"/>
+          </a:fontRef>
+        </p:style>
+      </p:cxnSp>
+      <p:sp>
+        <p:nvSpPr>
+          <p:cNvPr id="3" name="내용 개체 틀 2">
+            <a:extLst>
+              <a:ext uri="{FF2B5EF4-FFF2-40B4-BE49-F238E27FC236}">
+                <a16:creationId xmlns:a16="http://schemas.microsoft.com/office/drawing/2014/main" id="{F3613B8B-683C-4498-8B71-325E011C51AD}"/>
+              </a:ext>
+            </a:extLst>
+          </p:cNvPr>
+          <p:cNvSpPr>
+            <a:spLocks noGrp="1"/>
+          </p:cNvSpPr>
+          <p:nvPr>
+            <p:ph sz="quarter" idx="11" hasCustomPrompt="1"/>
+          </p:nvPr>
+        </p:nvSpPr>
+        <p:spPr>
+          <a:xfrm>
+            <a:off x="914559" y="110568"/>
+            <a:ext cx="2200592" cy="222250"/>
+          </a:xfrm>
+          <a:prstGeom prst="rect">
+            <a:avLst/>
+          </a:prstGeom>
+          <a:ln>
+            <a:noFill/>
+          </a:ln>
+        </p:spPr>
+        <p:txBody>
+          <a:bodyPr/>
+          <a:lstStyle>
+            <a:lvl1pPr marL="0" indent="0">
+              <a:buNone/>
+              <a:defRPr sz="1000">
+                <a:ln>
+                  <a:solidFill>
+                    <a:schemeClr val="tx1">
+                      <a:alpha val="0"/>
+                    </a:schemeClr>
+                  </a:solidFill>
+                </a:ln>
+                <a:solidFill>
+                  <a:srgbClr val="EF234B"/>
+                </a:solidFill>
+                <a:latin typeface="Noto Sans CJK KR Medium" panose="020B0600000000000000" pitchFamily="34" charset="-127"/>
+                <a:ea typeface="Noto Sans CJK KR Medium" panose="020B0600000000000000" pitchFamily="34" charset="-127"/>
+              </a:defRPr>
+            </a:lvl1pPr>
+          </a:lstStyle>
+          <a:p>
+            <a:pPr lvl="0"/>
+            <a:r>
+              <a:rPr lang="ko-KR" altLang="en-US" dirty="0" err="1"/>
+              <a:t>챕터명을</a:t>
+            </a:r>
+            <a:r>
+              <a:rPr lang="ko-KR" altLang="en-US" dirty="0"/>
+              <a:t> 적어주세요</a:t>
+            </a:r>
+            <a:r>
+              <a:rPr lang="en-US" altLang="ko-KR" dirty="0"/>
+              <a:t>.</a:t>
+            </a:r>
+            <a:endParaRPr lang="ko-KR" altLang="en-US" dirty="0"/>
+          </a:p>
+        </p:txBody>
+      </p:sp>
+      <p:sp>
+        <p:nvSpPr>
+          <p:cNvPr id="4" name="텍스트 개체 틀 3">
+            <a:extLst>
+              <a:ext uri="{FF2B5EF4-FFF2-40B4-BE49-F238E27FC236}">
+                <a16:creationId xmlns:a16="http://schemas.microsoft.com/office/drawing/2014/main" id="{87BEC569-FAE8-4A56-B45C-59458049BB63}"/>
+              </a:ext>
+            </a:extLst>
+          </p:cNvPr>
+          <p:cNvSpPr>
+            <a:spLocks noGrp="1"/>
+          </p:cNvSpPr>
+          <p:nvPr>
+            <p:ph type="body" sz="quarter" idx="12"/>
+          </p:nvPr>
+        </p:nvSpPr>
+        <p:spPr>
+          <a:xfrm>
+            <a:off x="682260" y="901517"/>
+            <a:ext cx="10471516" cy="631190"/>
+          </a:xfrm>
+          <a:prstGeom prst="rect">
+            <a:avLst/>
+          </a:prstGeom>
+        </p:spPr>
+        <p:txBody>
+          <a:bodyPr/>
+          <a:lstStyle>
+            <a:lvl1pPr>
+              <a:defRPr>
+                <a:latin typeface="+mn-ea"/>
+                <a:ea typeface="+mn-ea"/>
+              </a:defRPr>
+            </a:lvl1pPr>
+            <a:lvl2pPr marL="457200" indent="0">
+              <a:buNone/>
+              <a:defRPr>
+                <a:latin typeface="+mn-ea"/>
+                <a:ea typeface="+mn-ea"/>
+              </a:defRPr>
+            </a:lvl2pPr>
+            <a:lvl3pPr>
+              <a:defRPr>
+                <a:latin typeface="+mn-ea"/>
+                <a:ea typeface="+mn-ea"/>
+              </a:defRPr>
+            </a:lvl3pPr>
+            <a:lvl4pPr>
+              <a:defRPr>
+                <a:latin typeface="+mn-ea"/>
+                <a:ea typeface="+mn-ea"/>
+              </a:defRPr>
+            </a:lvl4pPr>
+            <a:lvl5pPr>
+              <a:defRPr>
+                <a:latin typeface="+mn-ea"/>
+                <a:ea typeface="+mn-ea"/>
+              </a:defRPr>
+            </a:lvl5pPr>
+          </a:lstStyle>
+          <a:p>
+            <a:pPr lvl="0"/>
+            <a:r>
+              <a:rPr lang="ko-KR" altLang="en-US" dirty="0"/>
+              <a:t>마스터 텍스트 스타일 편집</a:t>
+            </a:r>
+          </a:p>
+        </p:txBody>
+      </p:sp>
+      <p:sp>
+        <p:nvSpPr>
+          <p:cNvPr id="5" name="내용 개체 틀 4">
+            <a:extLst>
+              <a:ext uri="{FF2B5EF4-FFF2-40B4-BE49-F238E27FC236}">
+                <a16:creationId xmlns:a16="http://schemas.microsoft.com/office/drawing/2014/main" id="{3E03AC32-29DE-4F8F-B2CF-8ED75863342B}"/>
+              </a:ext>
+            </a:extLst>
+          </p:cNvPr>
+          <p:cNvSpPr>
+            <a:spLocks noGrp="1"/>
+          </p:cNvSpPr>
+          <p:nvPr>
+            <p:ph sz="quarter" idx="13"/>
+          </p:nvPr>
+        </p:nvSpPr>
+        <p:spPr>
+          <a:xfrm>
+            <a:off x="682625" y="1619793"/>
+            <a:ext cx="10471150" cy="4336690"/>
+          </a:xfrm>
+          <a:prstGeom prst="rect">
+            <a:avLst/>
+          </a:prstGeom>
+        </p:spPr>
+        <p:txBody>
+          <a:bodyPr/>
+          <a:lstStyle/>
+          <a:p>
+            <a:pPr lvl="0"/>
+            <a:r>
+              <a:rPr lang="ko-KR" altLang="en-US"/>
+              <a:t>마스터 텍스트 스타일 편집</a:t>
+            </a:r>
+          </a:p>
+          <a:p>
+            <a:pPr lvl="1"/>
+            <a:r>
+              <a:rPr lang="ko-KR" altLang="en-US"/>
+              <a:t>둘째 수준</a:t>
+            </a:r>
+          </a:p>
+          <a:p>
+            <a:pPr lvl="2"/>
+            <a:r>
+              <a:rPr lang="ko-KR" altLang="en-US"/>
+              <a:t>셋째 수준</a:t>
+            </a:r>
+          </a:p>
+          <a:p>
+            <a:pPr lvl="3"/>
+            <a:r>
+              <a:rPr lang="ko-KR" altLang="en-US"/>
+              <a:t>넷째 수준</a:t>
+            </a:r>
+          </a:p>
+          <a:p>
+            <a:pPr lvl="4"/>
+            <a:r>
+              <a:rPr lang="ko-KR" altLang="en-US"/>
+              <a:t>다섯째 수준</a:t>
+            </a:r>
+          </a:p>
+        </p:txBody>
+      </p:sp>
+    </p:spTree>
+    <p:extLst>
+      <p:ext uri="{BB962C8B-B14F-4D97-AF65-F5344CB8AC3E}">
+        <p14:creationId xmlns:p14="http://schemas.microsoft.com/office/powerpoint/2010/main" val="3345231262"/>
+      </p:ext>
+    </p:extLst>
+  </p:cSld>
+  <p:clrMapOvr>
+    <a:masterClrMapping/>
+  </p:clrMapOvr>
+</p:sldLayout>
+</file>
+
+<file path=ppt/slideLayouts/slideLayout5.xml><?xml version="1.0" encoding="utf-8"?>
+<p:sldLayout xmlns:a="http://schemas.openxmlformats.org/drawingml/2006/main" xmlns:r="http://schemas.openxmlformats.org/officeDocument/2006/relationships" xmlns:p="http://schemas.openxmlformats.org/presentationml/2006/main" preserve="1" userDrawn="1">
+  <p:cSld name="1줄ti2">
+    <p:spTree>
+      <p:nvGrpSpPr>
+        <p:cNvPr id="1" name=""/>
+        <p:cNvGrpSpPr/>
+        <p:nvPr/>
+      </p:nvGrpSpPr>
+      <p:grpSpPr>
+        <a:xfrm>
+          <a:off x="0" y="0"/>
+          <a:ext cx="0" cy="0"/>
+          <a:chOff x="0" y="0"/>
+          <a:chExt cx="0" cy="0"/>
+        </a:xfrm>
+      </p:grpSpPr>
+      <p:sp>
+        <p:nvSpPr>
+          <p:cNvPr id="6" name="직사각형 5">
+            <a:extLst>
+              <a:ext uri="{FF2B5EF4-FFF2-40B4-BE49-F238E27FC236}">
+                <a16:creationId xmlns:a16="http://schemas.microsoft.com/office/drawing/2014/main" id="{D2D5CCD6-DEBA-4450-9DE6-51A3553927BC}"/>
+              </a:ext>
+            </a:extLst>
+          </p:cNvPr>
+          <p:cNvSpPr/>
+          <p:nvPr userDrawn="1"/>
+        </p:nvSpPr>
+        <p:spPr>
+          <a:xfrm>
+            <a:off x="0" y="6673174"/>
+            <a:ext cx="12192000" cy="184826"/>
+          </a:xfrm>
+          <a:prstGeom prst="rect">
+            <a:avLst/>
+          </a:prstGeom>
+          <a:solidFill>
+            <a:schemeClr val="tx1">
+              <a:lumMod val="85000"/>
+              <a:lumOff val="15000"/>
+            </a:schemeClr>
+          </a:solidFill>
+          <a:ln>
+            <a:noFill/>
+          </a:ln>
+        </p:spPr>
+        <p:style>
+          <a:lnRef idx="2">
+            <a:schemeClr val="accent1">
+              <a:shade val="50000"/>
+            </a:schemeClr>
+          </a:lnRef>
+          <a:fillRef idx="1">
+            <a:schemeClr val="accent1"/>
+          </a:fillRef>
+          <a:effectRef idx="0">
+            <a:schemeClr val="accent1"/>
+          </a:effectRef>
+          <a:fontRef idx="minor">
+            <a:schemeClr val="lt1"/>
+          </a:fontRef>
+        </p:style>
+        <p:txBody>
+          <a:bodyPr rtlCol="0" anchor="ctr"/>
+          <a:lstStyle/>
+          <a:p>
+            <a:pPr algn="ctr"/>
+            <a:endParaRPr lang="ko-KR" altLang="en-US">
+              <a:ln>
+                <a:solidFill>
+                  <a:schemeClr val="tx1">
+                    <a:alpha val="0"/>
+                  </a:schemeClr>
+                </a:solidFill>
+              </a:ln>
+            </a:endParaRPr>
+          </a:p>
+        </p:txBody>
+      </p:sp>
+      <p:sp>
+        <p:nvSpPr>
+          <p:cNvPr id="7" name="TextBox 6">
+            <a:extLst>
+              <a:ext uri="{FF2B5EF4-FFF2-40B4-BE49-F238E27FC236}">
+                <a16:creationId xmlns:a16="http://schemas.microsoft.com/office/drawing/2014/main" id="{552646BE-A0A3-4A62-820E-FB203AD599C0}"/>
+              </a:ext>
+            </a:extLst>
+          </p:cNvPr>
+          <p:cNvSpPr txBox="1"/>
+          <p:nvPr userDrawn="1"/>
+        </p:nvSpPr>
+        <p:spPr>
+          <a:xfrm>
+            <a:off x="4702830" y="6657796"/>
+            <a:ext cx="2786340" cy="215444"/>
+          </a:xfrm>
+          <a:prstGeom prst="rect">
+            <a:avLst/>
+          </a:prstGeom>
+          <a:noFill/>
+        </p:spPr>
+        <p:txBody>
+          <a:bodyPr wrap="none" rtlCol="0">
+            <a:spAutoFit/>
+          </a:bodyPr>
+          <a:lstStyle/>
+          <a:p>
+            <a:pPr marL="0" marR="0" lvl="0" indent="0" algn="ctr" defTabSz="914400" rtl="0" eaLnBrk="1" fontAlgn="auto" latinLnBrk="1" hangingPunct="1">
+              <a:lnSpc>
+                <a:spcPct val="100000"/>
+              </a:lnSpc>
+              <a:spcBef>
+                <a:spcPts val="0"/>
+              </a:spcBef>
+              <a:spcAft>
+                <a:spcPts val="0"/>
+              </a:spcAft>
+              <a:buClrTx/>
+              <a:buSzTx/>
+              <a:buFontTx/>
+              <a:buNone/>
+              <a:tabLst/>
+              <a:defRPr/>
+            </a:pPr>
+            <a:r>
+              <a:rPr lang="en-US" altLang="ko-KR" sz="800">
+                <a:ln>
+                  <a:solidFill>
+                    <a:schemeClr val="tx1">
+                      <a:alpha val="0"/>
+                    </a:schemeClr>
+                  </a:solidFill>
+                </a:ln>
+                <a:solidFill>
+                  <a:schemeClr val="bg1"/>
+                </a:solidFill>
+                <a:latin typeface="Gotham" panose="02000604030000020004" pitchFamily="50" charset="0"/>
+                <a:ea typeface="나눔바른고딕" pitchFamily="50" charset="-127"/>
+              </a:rPr>
+              <a:t>Copyright FASTCAMPUS Corp. All Rights Reserved</a:t>
+            </a:r>
+          </a:p>
+        </p:txBody>
+      </p:sp>
+      <p:sp>
+        <p:nvSpPr>
+          <p:cNvPr id="11" name="제목 10">
+            <a:extLst>
+              <a:ext uri="{FF2B5EF4-FFF2-40B4-BE49-F238E27FC236}">
+                <a16:creationId xmlns:a16="http://schemas.microsoft.com/office/drawing/2014/main" id="{0DB73C5E-A477-4148-A17D-8FBFC94B84D1}"/>
+              </a:ext>
+            </a:extLst>
+          </p:cNvPr>
+          <p:cNvSpPr>
+            <a:spLocks noGrp="1"/>
+          </p:cNvSpPr>
+          <p:nvPr>
+            <p:ph type="title" hasCustomPrompt="1"/>
+          </p:nvPr>
+        </p:nvSpPr>
+        <p:spPr>
+          <a:xfrm>
+            <a:off x="223228" y="333887"/>
+            <a:ext cx="10930266" cy="342659"/>
+          </a:xfrm>
+          <a:prstGeom prst="rect">
+            <a:avLst/>
+          </a:prstGeom>
+        </p:spPr>
+        <p:txBody>
+          <a:bodyPr/>
+          <a:lstStyle>
+            <a:lvl1pPr>
+              <a:defRPr sz="2400">
+                <a:ln>
+                  <a:solidFill>
+                    <a:schemeClr val="tx1">
+                      <a:alpha val="0"/>
+                    </a:schemeClr>
+                  </a:solidFill>
+                </a:ln>
+                <a:latin typeface="Noto Sans CJK KR Medium" panose="020B0600000000000000" pitchFamily="34" charset="-127"/>
+                <a:ea typeface="Noto Sans CJK KR Medium" panose="020B0600000000000000" pitchFamily="34" charset="-127"/>
+              </a:defRPr>
+            </a:lvl1pPr>
+          </a:lstStyle>
+          <a:p>
+            <a:r>
+              <a:rPr lang="ko-KR" altLang="en-US"/>
+              <a:t>슬라이드 핵심 내용이 한 줄이라면 이 슬라이드를 이용해 주세요</a:t>
+            </a:r>
+            <a:r>
+              <a:rPr lang="en-US" altLang="ko-KR"/>
+              <a:t>.</a:t>
+            </a:r>
+            <a:endParaRPr lang="ko-KR" altLang="en-US"/>
+          </a:p>
+        </p:txBody>
+      </p:sp>
+      <p:sp>
+        <p:nvSpPr>
+          <p:cNvPr id="13" name="TextBox 12">
+            <a:extLst>
+              <a:ext uri="{FF2B5EF4-FFF2-40B4-BE49-F238E27FC236}">
+                <a16:creationId xmlns:a16="http://schemas.microsoft.com/office/drawing/2014/main" id="{0F66DA56-C927-4870-A08B-A4E27CB636C4}"/>
+              </a:ext>
+            </a:extLst>
+          </p:cNvPr>
+          <p:cNvSpPr txBox="1"/>
+          <p:nvPr userDrawn="1"/>
+        </p:nvSpPr>
+        <p:spPr>
+          <a:xfrm>
+            <a:off x="103601" y="98583"/>
+            <a:ext cx="742511" cy="246221"/>
+          </a:xfrm>
+          <a:prstGeom prst="rect">
+            <a:avLst/>
+          </a:prstGeom>
+          <a:noFill/>
+        </p:spPr>
+        <p:txBody>
+          <a:bodyPr wrap="none" rtlCol="0">
+            <a:spAutoFit/>
+          </a:bodyPr>
+          <a:lstStyle/>
+          <a:p>
+            <a:r>
+              <a:rPr lang="en-US" altLang="ko-KR" sz="1000" b="1">
+                <a:ln>
+                  <a:solidFill>
+                    <a:schemeClr val="tx1">
+                      <a:alpha val="0"/>
+                    </a:schemeClr>
+                  </a:solidFill>
+                </a:ln>
+                <a:latin typeface="Gotham" panose="02000604030000020004" pitchFamily="50" charset="0"/>
+              </a:rPr>
+              <a:t>Chapter</a:t>
+            </a:r>
+            <a:r>
+              <a:rPr lang="en-US" altLang="ko-KR" sz="1000" b="1">
+                <a:ln>
+                  <a:solidFill>
+                    <a:schemeClr val="tx1">
+                      <a:alpha val="0"/>
+                    </a:schemeClr>
+                  </a:solidFill>
+                </a:ln>
+                <a:solidFill>
+                  <a:srgbClr val="EE234B"/>
+                </a:solidFill>
+                <a:latin typeface="Gotham" panose="02000604030000020004" pitchFamily="50" charset="0"/>
+              </a:rPr>
+              <a:t>.</a:t>
+            </a:r>
+            <a:endParaRPr lang="ko-KR" altLang="en-US" sz="1000" b="1">
+              <a:ln>
+                <a:solidFill>
+                  <a:schemeClr val="tx1">
+                    <a:alpha val="0"/>
+                  </a:schemeClr>
+                </a:solidFill>
+              </a:ln>
+              <a:solidFill>
+                <a:srgbClr val="EE234B"/>
+              </a:solidFill>
+              <a:latin typeface="Gotham" panose="02000604030000020004" pitchFamily="50" charset="0"/>
+            </a:endParaRPr>
+          </a:p>
+        </p:txBody>
+      </p:sp>
+      <p:sp>
+        <p:nvSpPr>
+          <p:cNvPr id="14" name="텍스트 개체 틀 15">
+            <a:extLst>
+              <a:ext uri="{FF2B5EF4-FFF2-40B4-BE49-F238E27FC236}">
+                <a16:creationId xmlns:a16="http://schemas.microsoft.com/office/drawing/2014/main" id="{E833FE27-D81B-4BD3-838C-88B7BEC0B521}"/>
+              </a:ext>
+            </a:extLst>
+          </p:cNvPr>
+          <p:cNvSpPr>
+            <a:spLocks noGrp="1"/>
+          </p:cNvSpPr>
+          <p:nvPr>
+            <p:ph type="body" sz="quarter" idx="10" hasCustomPrompt="1"/>
+          </p:nvPr>
+        </p:nvSpPr>
+        <p:spPr>
+          <a:xfrm>
+            <a:off x="682259" y="110625"/>
+            <a:ext cx="386922" cy="222136"/>
+          </a:xfrm>
+          <a:prstGeom prst="rect">
+            <a:avLst/>
+          </a:prstGeom>
+        </p:spPr>
+        <p:txBody>
+          <a:bodyPr/>
+          <a:lstStyle>
+            <a:lvl1pPr marL="0" indent="0">
+              <a:buNone/>
+              <a:defRPr lang="ko-KR" altLang="en-US" sz="1050" b="1" kern="1200">
+                <a:ln>
+                  <a:solidFill>
+                    <a:schemeClr val="tx1">
+                      <a:alpha val="0"/>
+                    </a:schemeClr>
+                  </a:solidFill>
+                </a:ln>
+                <a:solidFill>
+                  <a:schemeClr val="tx1"/>
+                </a:solidFill>
+                <a:latin typeface="Gotham" panose="02000604030000020004" pitchFamily="50" charset="0"/>
+                <a:ea typeface="+mn-ea"/>
+                <a:cs typeface="+mn-cs"/>
+              </a:defRPr>
+            </a:lvl1pPr>
+          </a:lstStyle>
+          <a:p>
+            <a:pPr lvl="0"/>
+            <a:r>
+              <a:rPr lang="en-US" altLang="ko-KR"/>
+              <a:t>00</a:t>
+            </a:r>
+            <a:endParaRPr lang="ko-KR" altLang="en-US"/>
+          </a:p>
+        </p:txBody>
+      </p:sp>
+      <p:cxnSp>
+        <p:nvCxnSpPr>
+          <p:cNvPr id="16" name="직선 연결선 15">
+            <a:extLst>
+              <a:ext uri="{FF2B5EF4-FFF2-40B4-BE49-F238E27FC236}">
+                <a16:creationId xmlns:a16="http://schemas.microsoft.com/office/drawing/2014/main" id="{16CD7445-9D88-43FB-A201-8A51AC3005BB}"/>
+              </a:ext>
+            </a:extLst>
+          </p:cNvPr>
+          <p:cNvCxnSpPr>
+            <a:cxnSpLocks/>
+          </p:cNvCxnSpPr>
+          <p:nvPr userDrawn="1"/>
+        </p:nvCxnSpPr>
+        <p:spPr>
+          <a:xfrm>
+            <a:off x="223228" y="433388"/>
+            <a:ext cx="0" cy="195262"/>
+          </a:xfrm>
+          <a:prstGeom prst="line">
+            <a:avLst/>
+          </a:prstGeom>
+          <a:ln w="28575">
+            <a:solidFill>
+              <a:schemeClr val="tx1"/>
+            </a:solidFill>
+          </a:ln>
+        </p:spPr>
+        <p:style>
+          <a:lnRef idx="1">
+            <a:schemeClr val="accent1"/>
+          </a:lnRef>
+          <a:fillRef idx="0">
+            <a:schemeClr val="accent1"/>
+          </a:fillRef>
+          <a:effectRef idx="0">
+            <a:schemeClr val="accent1"/>
+          </a:effectRef>
+          <a:fontRef idx="minor">
+            <a:schemeClr val="tx1"/>
+          </a:fontRef>
+        </p:style>
+      </p:cxnSp>
+      <p:sp>
+        <p:nvSpPr>
+          <p:cNvPr id="3" name="내용 개체 틀 2">
+            <a:extLst>
+              <a:ext uri="{FF2B5EF4-FFF2-40B4-BE49-F238E27FC236}">
+                <a16:creationId xmlns:a16="http://schemas.microsoft.com/office/drawing/2014/main" id="{F3613B8B-683C-4498-8B71-325E011C51AD}"/>
+              </a:ext>
+            </a:extLst>
+          </p:cNvPr>
+          <p:cNvSpPr>
+            <a:spLocks noGrp="1"/>
+          </p:cNvSpPr>
+          <p:nvPr>
+            <p:ph sz="quarter" idx="11" hasCustomPrompt="1"/>
+          </p:nvPr>
+        </p:nvSpPr>
+        <p:spPr>
+          <a:xfrm>
+            <a:off x="914559" y="110568"/>
+            <a:ext cx="2200592" cy="222250"/>
+          </a:xfrm>
+          <a:prstGeom prst="rect">
+            <a:avLst/>
+          </a:prstGeom>
+          <a:ln>
+            <a:noFill/>
+          </a:ln>
+        </p:spPr>
+        <p:txBody>
+          <a:bodyPr/>
+          <a:lstStyle>
+            <a:lvl1pPr marL="0" indent="0">
+              <a:buNone/>
+              <a:defRPr sz="1000">
+                <a:ln>
+                  <a:solidFill>
+                    <a:schemeClr val="tx1">
+                      <a:alpha val="0"/>
+                    </a:schemeClr>
+                  </a:solidFill>
+                </a:ln>
+                <a:solidFill>
+                  <a:srgbClr val="EF234B"/>
+                </a:solidFill>
+                <a:latin typeface="Noto Sans CJK KR Medium" panose="020B0600000000000000" pitchFamily="34" charset="-127"/>
+                <a:ea typeface="Noto Sans CJK KR Medium" panose="020B0600000000000000" pitchFamily="34" charset="-127"/>
+              </a:defRPr>
+            </a:lvl1pPr>
+          </a:lstStyle>
+          <a:p>
+            <a:pPr lvl="0"/>
+            <a:r>
+              <a:rPr lang="ko-KR" altLang="en-US" dirty="0" err="1"/>
+              <a:t>챕터명을</a:t>
+            </a:r>
+            <a:r>
+              <a:rPr lang="ko-KR" altLang="en-US" dirty="0"/>
+              <a:t> 적어주세요</a:t>
+            </a:r>
+            <a:r>
+              <a:rPr lang="en-US" altLang="ko-KR" dirty="0"/>
+              <a:t>.</a:t>
+            </a:r>
+            <a:endParaRPr lang="ko-KR" altLang="en-US" dirty="0"/>
+          </a:p>
+        </p:txBody>
+      </p:sp>
+      <p:sp>
+        <p:nvSpPr>
+          <p:cNvPr id="4" name="텍스트 개체 틀 3">
+            <a:extLst>
+              <a:ext uri="{FF2B5EF4-FFF2-40B4-BE49-F238E27FC236}">
+                <a16:creationId xmlns:a16="http://schemas.microsoft.com/office/drawing/2014/main" id="{87BEC569-FAE8-4A56-B45C-59458049BB63}"/>
+              </a:ext>
+            </a:extLst>
+          </p:cNvPr>
+          <p:cNvSpPr>
+            <a:spLocks noGrp="1"/>
+          </p:cNvSpPr>
+          <p:nvPr>
+            <p:ph type="body" sz="quarter" idx="12"/>
+          </p:nvPr>
+        </p:nvSpPr>
+        <p:spPr>
+          <a:xfrm>
+            <a:off x="682260" y="901517"/>
+            <a:ext cx="10471516" cy="631190"/>
+          </a:xfrm>
+          <a:prstGeom prst="rect">
+            <a:avLst/>
+          </a:prstGeom>
+        </p:spPr>
+        <p:txBody>
+          <a:bodyPr/>
+          <a:lstStyle>
+            <a:lvl1pPr>
+              <a:defRPr>
+                <a:latin typeface="+mn-ea"/>
+                <a:ea typeface="+mn-ea"/>
+              </a:defRPr>
+            </a:lvl1pPr>
+            <a:lvl2pPr marL="457200" indent="0">
+              <a:buNone/>
+              <a:defRPr>
+                <a:latin typeface="+mn-ea"/>
+                <a:ea typeface="+mn-ea"/>
+              </a:defRPr>
+            </a:lvl2pPr>
+            <a:lvl3pPr>
+              <a:defRPr>
+                <a:latin typeface="+mn-ea"/>
+                <a:ea typeface="+mn-ea"/>
+              </a:defRPr>
+            </a:lvl3pPr>
+            <a:lvl4pPr>
+              <a:defRPr>
+                <a:latin typeface="+mn-ea"/>
+                <a:ea typeface="+mn-ea"/>
+              </a:defRPr>
+            </a:lvl4pPr>
+            <a:lvl5pPr>
+              <a:defRPr>
+                <a:latin typeface="+mn-ea"/>
+                <a:ea typeface="+mn-ea"/>
+              </a:defRPr>
+            </a:lvl5pPr>
+          </a:lstStyle>
+          <a:p>
+            <a:pPr lvl="0"/>
+            <a:r>
+              <a:rPr lang="ko-KR" altLang="en-US" dirty="0"/>
+              <a:t>마스터 텍스트 스타일 편집</a:t>
+            </a:r>
+          </a:p>
+        </p:txBody>
+      </p:sp>
+      <p:sp>
+        <p:nvSpPr>
+          <p:cNvPr id="5" name="내용 개체 틀 4">
+            <a:extLst>
+              <a:ext uri="{FF2B5EF4-FFF2-40B4-BE49-F238E27FC236}">
+                <a16:creationId xmlns:a16="http://schemas.microsoft.com/office/drawing/2014/main" id="{3E03AC32-29DE-4F8F-B2CF-8ED75863342B}"/>
+              </a:ext>
+            </a:extLst>
+          </p:cNvPr>
+          <p:cNvSpPr>
+            <a:spLocks noGrp="1"/>
+          </p:cNvSpPr>
+          <p:nvPr>
+            <p:ph sz="quarter" idx="13"/>
+          </p:nvPr>
+        </p:nvSpPr>
+        <p:spPr>
+          <a:xfrm>
+            <a:off x="682625" y="1619793"/>
+            <a:ext cx="5169535" cy="4336690"/>
+          </a:xfrm>
+          <a:prstGeom prst="rect">
+            <a:avLst/>
+          </a:prstGeom>
+        </p:spPr>
+        <p:txBody>
+          <a:bodyPr/>
+          <a:lstStyle/>
+          <a:p>
+            <a:pPr lvl="0"/>
+            <a:r>
+              <a:rPr lang="ko-KR" altLang="en-US" dirty="0"/>
+              <a:t>마스터 텍스트 스타일 편집</a:t>
+            </a:r>
+          </a:p>
+          <a:p>
+            <a:pPr lvl="1"/>
+            <a:r>
+              <a:rPr lang="ko-KR" altLang="en-US" dirty="0"/>
+              <a:t>둘째 수준</a:t>
+            </a:r>
+          </a:p>
+          <a:p>
+            <a:pPr lvl="2"/>
+            <a:r>
+              <a:rPr lang="ko-KR" altLang="en-US" dirty="0"/>
+              <a:t>셋째 수준</a:t>
+            </a:r>
+          </a:p>
+          <a:p>
+            <a:pPr lvl="3"/>
+            <a:r>
+              <a:rPr lang="ko-KR" altLang="en-US" dirty="0"/>
+              <a:t>넷째 수준</a:t>
+            </a:r>
+          </a:p>
+          <a:p>
+            <a:pPr lvl="4"/>
+            <a:r>
+              <a:rPr lang="ko-KR" altLang="en-US" dirty="0"/>
+              <a:t>다섯째 수준</a:t>
+            </a:r>
+          </a:p>
+        </p:txBody>
+      </p:sp>
+      <p:sp>
+        <p:nvSpPr>
+          <p:cNvPr id="12" name="내용 개체 틀 4">
+            <a:extLst>
+              <a:ext uri="{FF2B5EF4-FFF2-40B4-BE49-F238E27FC236}">
+                <a16:creationId xmlns:a16="http://schemas.microsoft.com/office/drawing/2014/main" id="{61C4AEFD-B035-4BBC-81D7-BBDDAD7E6956}"/>
+              </a:ext>
+            </a:extLst>
+          </p:cNvPr>
+          <p:cNvSpPr>
+            <a:spLocks noGrp="1"/>
+          </p:cNvSpPr>
+          <p:nvPr>
+            <p:ph sz="quarter" idx="14"/>
+          </p:nvPr>
+        </p:nvSpPr>
+        <p:spPr>
+          <a:xfrm>
+            <a:off x="5914290" y="1619793"/>
+            <a:ext cx="5239204" cy="4336690"/>
+          </a:xfrm>
+          <a:prstGeom prst="rect">
+            <a:avLst/>
+          </a:prstGeom>
+        </p:spPr>
+        <p:txBody>
+          <a:bodyPr/>
+          <a:lstStyle/>
+          <a:p>
+            <a:pPr lvl="0"/>
+            <a:r>
+              <a:rPr lang="ko-KR" altLang="en-US"/>
+              <a:t>마스터 텍스트 스타일 편집</a:t>
+            </a:r>
+          </a:p>
+          <a:p>
+            <a:pPr lvl="1"/>
+            <a:r>
+              <a:rPr lang="ko-KR" altLang="en-US"/>
+              <a:t>둘째 수준</a:t>
+            </a:r>
+          </a:p>
+          <a:p>
+            <a:pPr lvl="2"/>
+            <a:r>
+              <a:rPr lang="ko-KR" altLang="en-US"/>
+              <a:t>셋째 수준</a:t>
+            </a:r>
+          </a:p>
+          <a:p>
+            <a:pPr lvl="3"/>
+            <a:r>
+              <a:rPr lang="ko-KR" altLang="en-US"/>
+              <a:t>넷째 수준</a:t>
+            </a:r>
+          </a:p>
+          <a:p>
+            <a:pPr lvl="4"/>
+            <a:r>
+              <a:rPr lang="ko-KR" altLang="en-US"/>
+              <a:t>다섯째 수준</a:t>
+            </a:r>
+          </a:p>
+        </p:txBody>
+      </p:sp>
+    </p:spTree>
+    <p:extLst>
+      <p:ext uri="{BB962C8B-B14F-4D97-AF65-F5344CB8AC3E}">
+        <p14:creationId xmlns:p14="http://schemas.microsoft.com/office/powerpoint/2010/main" val="3380895896"/>
+      </p:ext>
+    </p:extLst>
+  </p:cSld>
+  <p:clrMapOvr>
+    <a:masterClrMapping/>
+  </p:clrMapOvr>
+</p:sldLayout>
+</file>
+
+<file path=ppt/slideLayouts/slideLayout6.xml><?xml version="1.0" encoding="utf-8"?>
+<p:sldLayout xmlns:a="http://schemas.openxmlformats.org/drawingml/2006/main" xmlns:r="http://schemas.openxmlformats.org/officeDocument/2006/relationships" xmlns:p="http://schemas.openxmlformats.org/presentationml/2006/main" preserve="1" userDrawn="1">
+  <p:cSld name="2줄t">
+    <p:spTree>
+      <p:nvGrpSpPr>
+        <p:cNvPr id="1" name=""/>
+        <p:cNvGrpSpPr/>
+        <p:nvPr/>
+      </p:nvGrpSpPr>
+      <p:grpSpPr>
+        <a:xfrm>
+          <a:off x="0" y="0"/>
+          <a:ext cx="0" cy="0"/>
+          <a:chOff x="0" y="0"/>
+          <a:chExt cx="0" cy="0"/>
+        </a:xfrm>
+      </p:grpSpPr>
+      <p:sp>
+        <p:nvSpPr>
+          <p:cNvPr id="6" name="직사각형 5">
+            <a:extLst>
+              <a:ext uri="{FF2B5EF4-FFF2-40B4-BE49-F238E27FC236}">
+                <a16:creationId xmlns:a16="http://schemas.microsoft.com/office/drawing/2014/main" id="{D2D5CCD6-DEBA-4450-9DE6-51A3553927BC}"/>
+              </a:ext>
+            </a:extLst>
+          </p:cNvPr>
+          <p:cNvSpPr/>
+          <p:nvPr userDrawn="1"/>
+        </p:nvSpPr>
+        <p:spPr>
+          <a:xfrm>
+            <a:off x="0" y="6673174"/>
+            <a:ext cx="12192000" cy="184826"/>
+          </a:xfrm>
+          <a:prstGeom prst="rect">
+            <a:avLst/>
+          </a:prstGeom>
+          <a:solidFill>
+            <a:schemeClr val="tx1">
+              <a:lumMod val="85000"/>
+              <a:lumOff val="15000"/>
+            </a:schemeClr>
+          </a:solidFill>
+          <a:ln>
+            <a:noFill/>
+          </a:ln>
+        </p:spPr>
+        <p:style>
+          <a:lnRef idx="2">
+            <a:schemeClr val="accent1">
+              <a:shade val="50000"/>
+            </a:schemeClr>
+          </a:lnRef>
+          <a:fillRef idx="1">
+            <a:schemeClr val="accent1"/>
+          </a:fillRef>
+          <a:effectRef idx="0">
+            <a:schemeClr val="accent1"/>
+          </a:effectRef>
+          <a:fontRef idx="minor">
+            <a:schemeClr val="lt1"/>
+          </a:fontRef>
+        </p:style>
+        <p:txBody>
+          <a:bodyPr rtlCol="0" anchor="ctr"/>
+          <a:lstStyle/>
+          <a:p>
+            <a:pPr algn="ctr"/>
+            <a:endParaRPr lang="ko-KR" altLang="en-US">
+              <a:ln>
+                <a:solidFill>
+                  <a:schemeClr val="tx1">
+                    <a:alpha val="0"/>
+                  </a:schemeClr>
+                </a:solidFill>
+              </a:ln>
+            </a:endParaRPr>
+          </a:p>
+        </p:txBody>
+      </p:sp>
+      <p:sp>
+        <p:nvSpPr>
+          <p:cNvPr id="7" name="TextBox 6">
+            <a:extLst>
+              <a:ext uri="{FF2B5EF4-FFF2-40B4-BE49-F238E27FC236}">
+                <a16:creationId xmlns:a16="http://schemas.microsoft.com/office/drawing/2014/main" id="{552646BE-A0A3-4A62-820E-FB203AD599C0}"/>
+              </a:ext>
+            </a:extLst>
+          </p:cNvPr>
+          <p:cNvSpPr txBox="1"/>
+          <p:nvPr userDrawn="1"/>
+        </p:nvSpPr>
+        <p:spPr>
+          <a:xfrm>
+            <a:off x="4702830" y="6657796"/>
+            <a:ext cx="2786340" cy="215444"/>
+          </a:xfrm>
+          <a:prstGeom prst="rect">
+            <a:avLst/>
+          </a:prstGeom>
+          <a:noFill/>
+        </p:spPr>
+        <p:txBody>
+          <a:bodyPr wrap="none" rtlCol="0">
+            <a:spAutoFit/>
+          </a:bodyPr>
+          <a:lstStyle/>
+          <a:p>
+            <a:pPr marL="0" marR="0" lvl="0" indent="0" algn="ctr" defTabSz="914400" rtl="0" eaLnBrk="1" fontAlgn="auto" latinLnBrk="1" hangingPunct="1">
+              <a:lnSpc>
+                <a:spcPct val="100000"/>
+              </a:lnSpc>
+              <a:spcBef>
+                <a:spcPts val="0"/>
+              </a:spcBef>
+              <a:spcAft>
+                <a:spcPts val="0"/>
+              </a:spcAft>
+              <a:buClrTx/>
+              <a:buSzTx/>
+              <a:buFontTx/>
+              <a:buNone/>
+              <a:tabLst/>
+              <a:defRPr/>
+            </a:pPr>
+            <a:r>
+              <a:rPr lang="en-US" altLang="ko-KR" sz="800">
+                <a:ln>
+                  <a:solidFill>
+                    <a:schemeClr val="tx1">
+                      <a:alpha val="0"/>
+                    </a:schemeClr>
+                  </a:solidFill>
+                </a:ln>
+                <a:solidFill>
+                  <a:schemeClr val="bg1"/>
+                </a:solidFill>
+                <a:latin typeface="Gotham" panose="02000604030000020004" pitchFamily="50" charset="0"/>
+                <a:ea typeface="나눔바른고딕" pitchFamily="50" charset="-127"/>
+              </a:rPr>
+              <a:t>Copyright FASTCAMPUS Corp. All Rights Reserved</a:t>
+            </a:r>
+          </a:p>
+        </p:txBody>
+      </p:sp>
+      <p:sp>
+        <p:nvSpPr>
+          <p:cNvPr id="11" name="제목 10">
+            <a:extLst>
+              <a:ext uri="{FF2B5EF4-FFF2-40B4-BE49-F238E27FC236}">
+                <a16:creationId xmlns:a16="http://schemas.microsoft.com/office/drawing/2014/main" id="{0DB73C5E-A477-4148-A17D-8FBFC94B84D1}"/>
+              </a:ext>
+            </a:extLst>
+          </p:cNvPr>
+          <p:cNvSpPr>
+            <a:spLocks noGrp="1"/>
+          </p:cNvSpPr>
+          <p:nvPr>
+            <p:ph type="title" hasCustomPrompt="1"/>
+          </p:nvPr>
+        </p:nvSpPr>
+        <p:spPr>
+          <a:xfrm>
+            <a:off x="223228" y="333887"/>
+            <a:ext cx="10930266" cy="747201"/>
+          </a:xfrm>
+          <a:prstGeom prst="rect">
+            <a:avLst/>
+          </a:prstGeom>
+        </p:spPr>
+        <p:txBody>
+          <a:bodyPr/>
+          <a:lstStyle>
+            <a:lvl1pPr>
+              <a:defRPr sz="2400">
+                <a:ln>
+                  <a:solidFill>
+                    <a:schemeClr val="tx1">
+                      <a:alpha val="0"/>
+                    </a:schemeClr>
+                  </a:solidFill>
+                </a:ln>
+                <a:latin typeface="Noto Sans CJK KR Medium" panose="020B0600000000000000" pitchFamily="34" charset="-127"/>
+                <a:ea typeface="Noto Sans CJK KR Medium" panose="020B0600000000000000" pitchFamily="34" charset="-127"/>
+              </a:defRPr>
+            </a:lvl1pPr>
+          </a:lstStyle>
+          <a:p>
+            <a:r>
+              <a:rPr lang="ko-KR" altLang="en-US"/>
+              <a:t>슬라이드 핵심 내용이 두 줄이라면 이 슬라이드를 이용해 주세요</a:t>
+            </a:r>
+            <a:r>
+              <a:rPr lang="en-US" altLang="ko-KR"/>
+              <a:t>.</a:t>
+            </a:r>
+            <a:br>
+              <a:rPr lang="en-US" altLang="ko-KR"/>
+            </a:br>
+            <a:r>
+              <a:rPr lang="ko-KR" altLang="en-US"/>
+              <a:t>슬라이드 핵심 내용이 두 줄이라면 이 슬라이드를 이용해 주세요</a:t>
+            </a:r>
+            <a:r>
+              <a:rPr lang="en-US" altLang="ko-KR"/>
+              <a:t>.</a:t>
+            </a:r>
+            <a:endParaRPr lang="ko-KR" altLang="en-US"/>
+          </a:p>
+        </p:txBody>
+      </p:sp>
+      <p:cxnSp>
+        <p:nvCxnSpPr>
+          <p:cNvPr id="15" name="직선 연결선 14">
+            <a:extLst>
+              <a:ext uri="{FF2B5EF4-FFF2-40B4-BE49-F238E27FC236}">
+                <a16:creationId xmlns:a16="http://schemas.microsoft.com/office/drawing/2014/main" id="{2D8FABE3-381D-4D33-92D4-6730414AF52B}"/>
+              </a:ext>
+            </a:extLst>
+          </p:cNvPr>
+          <p:cNvCxnSpPr>
+            <a:cxnSpLocks/>
+          </p:cNvCxnSpPr>
+          <p:nvPr userDrawn="1"/>
+        </p:nvCxnSpPr>
+        <p:spPr>
+          <a:xfrm>
+            <a:off x="223228" y="433388"/>
+            <a:ext cx="0" cy="509587"/>
+          </a:xfrm>
+          <a:prstGeom prst="line">
+            <a:avLst/>
+          </a:prstGeom>
+          <a:ln w="28575">
+            <a:solidFill>
+              <a:schemeClr val="tx1"/>
+            </a:solidFill>
+          </a:ln>
+        </p:spPr>
+        <p:style>
+          <a:lnRef idx="1">
+            <a:schemeClr val="accent1"/>
+          </a:lnRef>
+          <a:fillRef idx="0">
+            <a:schemeClr val="accent1"/>
+          </a:fillRef>
+          <a:effectRef idx="0">
+            <a:schemeClr val="accent1"/>
+          </a:effectRef>
+          <a:fontRef idx="minor">
+            <a:schemeClr val="tx1"/>
+          </a:fontRef>
+        </p:style>
+      </p:cxnSp>
+      <p:sp>
+        <p:nvSpPr>
+          <p:cNvPr id="10" name="TextBox 9">
+            <a:extLst>
+              <a:ext uri="{FF2B5EF4-FFF2-40B4-BE49-F238E27FC236}">
+                <a16:creationId xmlns:a16="http://schemas.microsoft.com/office/drawing/2014/main" id="{FBFEADF3-9FC1-4591-881B-0202C29DA1EB}"/>
+              </a:ext>
+            </a:extLst>
+          </p:cNvPr>
+          <p:cNvSpPr txBox="1"/>
+          <p:nvPr userDrawn="1"/>
+        </p:nvSpPr>
+        <p:spPr>
+          <a:xfrm>
+            <a:off x="103601" y="98583"/>
+            <a:ext cx="742511" cy="246221"/>
+          </a:xfrm>
+          <a:prstGeom prst="rect">
+            <a:avLst/>
+          </a:prstGeom>
+          <a:noFill/>
+        </p:spPr>
+        <p:txBody>
+          <a:bodyPr wrap="none" rtlCol="0">
+            <a:spAutoFit/>
+          </a:bodyPr>
+          <a:lstStyle/>
+          <a:p>
+            <a:r>
+              <a:rPr lang="en-US" altLang="ko-KR" sz="1000" b="1">
+                <a:ln>
+                  <a:solidFill>
+                    <a:schemeClr val="tx1">
+                      <a:alpha val="0"/>
+                    </a:schemeClr>
+                  </a:solidFill>
+                </a:ln>
+                <a:latin typeface="Gotham" panose="02000604030000020004" pitchFamily="50" charset="0"/>
+              </a:rPr>
+              <a:t>Chapter</a:t>
+            </a:r>
+            <a:r>
+              <a:rPr lang="en-US" altLang="ko-KR" sz="1000" b="1">
+                <a:ln>
+                  <a:solidFill>
+                    <a:schemeClr val="tx1">
+                      <a:alpha val="0"/>
+                    </a:schemeClr>
+                  </a:solidFill>
+                </a:ln>
+                <a:solidFill>
+                  <a:srgbClr val="EE234B"/>
+                </a:solidFill>
+                <a:latin typeface="Gotham" panose="02000604030000020004" pitchFamily="50" charset="0"/>
+              </a:rPr>
+              <a:t>.</a:t>
+            </a:r>
+            <a:endParaRPr lang="ko-KR" altLang="en-US" sz="1000" b="1">
+              <a:ln>
+                <a:solidFill>
+                  <a:schemeClr val="tx1">
+                    <a:alpha val="0"/>
+                  </a:schemeClr>
+                </a:solidFill>
+              </a:ln>
+              <a:solidFill>
+                <a:srgbClr val="EE234B"/>
+              </a:solidFill>
+              <a:latin typeface="Gotham" panose="02000604030000020004" pitchFamily="50" charset="0"/>
+            </a:endParaRPr>
+          </a:p>
+        </p:txBody>
+      </p:sp>
+      <p:sp>
+        <p:nvSpPr>
+          <p:cNvPr id="12" name="텍스트 개체 틀 15">
+            <a:extLst>
+              <a:ext uri="{FF2B5EF4-FFF2-40B4-BE49-F238E27FC236}">
+                <a16:creationId xmlns:a16="http://schemas.microsoft.com/office/drawing/2014/main" id="{5109B78E-4EB3-4BA4-A001-983E3344F50F}"/>
+              </a:ext>
+            </a:extLst>
+          </p:cNvPr>
+          <p:cNvSpPr>
+            <a:spLocks noGrp="1"/>
+          </p:cNvSpPr>
+          <p:nvPr>
+            <p:ph type="body" sz="quarter" idx="10" hasCustomPrompt="1"/>
+          </p:nvPr>
+        </p:nvSpPr>
+        <p:spPr>
+          <a:xfrm>
+            <a:off x="682259" y="110625"/>
+            <a:ext cx="386922" cy="222136"/>
+          </a:xfrm>
+          <a:prstGeom prst="rect">
+            <a:avLst/>
+          </a:prstGeom>
+        </p:spPr>
+        <p:txBody>
+          <a:bodyPr/>
+          <a:lstStyle>
+            <a:lvl1pPr marL="0" indent="0">
+              <a:buNone/>
+              <a:defRPr lang="ko-KR" altLang="en-US" sz="1050" b="1" kern="1200">
+                <a:ln>
+                  <a:solidFill>
+                    <a:schemeClr val="tx1">
+                      <a:alpha val="0"/>
+                    </a:schemeClr>
+                  </a:solidFill>
+                </a:ln>
+                <a:solidFill>
+                  <a:schemeClr val="tx1"/>
+                </a:solidFill>
+                <a:latin typeface="Gotham" panose="02000604030000020004" pitchFamily="50" charset="0"/>
+                <a:ea typeface="+mn-ea"/>
+                <a:cs typeface="+mn-cs"/>
+              </a:defRPr>
+            </a:lvl1pPr>
+          </a:lstStyle>
+          <a:p>
+            <a:pPr lvl="0"/>
+            <a:r>
+              <a:rPr lang="en-US" altLang="ko-KR"/>
+              <a:t>00</a:t>
+            </a:r>
+            <a:endParaRPr lang="ko-KR" altLang="en-US"/>
+          </a:p>
+        </p:txBody>
+      </p:sp>
+      <p:sp>
+        <p:nvSpPr>
+          <p:cNvPr id="16" name="내용 개체 틀 2">
+            <a:extLst>
+              <a:ext uri="{FF2B5EF4-FFF2-40B4-BE49-F238E27FC236}">
+                <a16:creationId xmlns:a16="http://schemas.microsoft.com/office/drawing/2014/main" id="{28AC45E3-D3DA-4BCD-A59C-BF8E0CA51FBE}"/>
+              </a:ext>
+            </a:extLst>
+          </p:cNvPr>
+          <p:cNvSpPr>
+            <a:spLocks noGrp="1"/>
+          </p:cNvSpPr>
+          <p:nvPr>
+            <p:ph sz="quarter" idx="11" hasCustomPrompt="1"/>
+          </p:nvPr>
+        </p:nvSpPr>
+        <p:spPr>
+          <a:xfrm>
+            <a:off x="914559" y="110568"/>
+            <a:ext cx="2200592" cy="222250"/>
+          </a:xfrm>
+          <a:prstGeom prst="rect">
+            <a:avLst/>
+          </a:prstGeom>
+          <a:ln>
+            <a:noFill/>
+          </a:ln>
+        </p:spPr>
+        <p:txBody>
+          <a:bodyPr/>
+          <a:lstStyle>
+            <a:lvl1pPr marL="0" indent="0">
+              <a:buNone/>
+              <a:defRPr sz="1000">
+                <a:ln>
+                  <a:solidFill>
+                    <a:schemeClr val="tx1">
+                      <a:alpha val="0"/>
+                    </a:schemeClr>
+                  </a:solidFill>
+                </a:ln>
+                <a:solidFill>
+                  <a:srgbClr val="EF234B"/>
+                </a:solidFill>
+                <a:latin typeface="Noto Sans CJK KR Medium" panose="020B0600000000000000" pitchFamily="34" charset="-127"/>
+                <a:ea typeface="Noto Sans CJK KR Medium" panose="020B0600000000000000" pitchFamily="34" charset="-127"/>
+              </a:defRPr>
+            </a:lvl1pPr>
+          </a:lstStyle>
+          <a:p>
+            <a:pPr lvl="0"/>
+            <a:r>
+              <a:rPr lang="ko-KR" altLang="en-US"/>
+              <a:t>챕터명을 적어주세요</a:t>
+            </a:r>
+            <a:r>
+              <a:rPr lang="en-US" altLang="ko-KR"/>
+              <a:t>.</a:t>
+            </a:r>
+            <a:endParaRPr lang="ko-KR" altLang="en-US"/>
+          </a:p>
+        </p:txBody>
+      </p:sp>
+      <p:sp>
+        <p:nvSpPr>
+          <p:cNvPr id="9" name="텍스트 개체 틀 3">
+            <a:extLst>
+              <a:ext uri="{FF2B5EF4-FFF2-40B4-BE49-F238E27FC236}">
+                <a16:creationId xmlns:a16="http://schemas.microsoft.com/office/drawing/2014/main" id="{7814FD79-ABF7-4808-9A34-2E29F3977DB1}"/>
+              </a:ext>
+            </a:extLst>
+          </p:cNvPr>
+          <p:cNvSpPr>
+            <a:spLocks noGrp="1"/>
+          </p:cNvSpPr>
+          <p:nvPr>
+            <p:ph type="body" sz="quarter" idx="12"/>
+          </p:nvPr>
+        </p:nvSpPr>
+        <p:spPr>
+          <a:xfrm>
+            <a:off x="682260" y="1316392"/>
+            <a:ext cx="10471516" cy="4404958"/>
+          </a:xfrm>
+          <a:prstGeom prst="rect">
+            <a:avLst/>
+          </a:prstGeom>
+        </p:spPr>
+        <p:txBody>
+          <a:bodyPr/>
+          <a:lstStyle>
+            <a:lvl1pPr>
+              <a:defRPr>
+                <a:latin typeface="+mn-ea"/>
+                <a:ea typeface="+mn-ea"/>
+              </a:defRPr>
+            </a:lvl1pPr>
+            <a:lvl2pPr>
+              <a:defRPr>
+                <a:latin typeface="+mn-ea"/>
+                <a:ea typeface="+mn-ea"/>
+              </a:defRPr>
+            </a:lvl2pPr>
+            <a:lvl3pPr>
+              <a:defRPr>
+                <a:latin typeface="+mn-ea"/>
+                <a:ea typeface="+mn-ea"/>
+              </a:defRPr>
+            </a:lvl3pPr>
+            <a:lvl4pPr>
+              <a:defRPr>
+                <a:latin typeface="+mn-ea"/>
+                <a:ea typeface="+mn-ea"/>
+              </a:defRPr>
+            </a:lvl4pPr>
+            <a:lvl5pPr>
+              <a:defRPr>
+                <a:latin typeface="+mn-ea"/>
+                <a:ea typeface="+mn-ea"/>
+              </a:defRPr>
+            </a:lvl5pPr>
+          </a:lstStyle>
+          <a:p>
+            <a:pPr lvl="0"/>
+            <a:r>
+              <a:rPr lang="ko-KR" altLang="en-US" dirty="0"/>
+              <a:t>마스터 텍스트 스타일 편집</a:t>
+            </a:r>
+          </a:p>
+          <a:p>
+            <a:pPr lvl="1"/>
+            <a:r>
+              <a:rPr lang="ko-KR" altLang="en-US" dirty="0"/>
+              <a:t>둘째 수준</a:t>
+            </a:r>
+          </a:p>
+          <a:p>
+            <a:pPr lvl="2"/>
+            <a:r>
+              <a:rPr lang="ko-KR" altLang="en-US" dirty="0"/>
+              <a:t>셋째 수준</a:t>
+            </a:r>
+          </a:p>
+          <a:p>
+            <a:pPr lvl="3"/>
+            <a:r>
+              <a:rPr lang="ko-KR" altLang="en-US" dirty="0"/>
+              <a:t>넷째 수준</a:t>
+            </a:r>
+          </a:p>
+          <a:p>
+            <a:pPr lvl="4"/>
+            <a:r>
+              <a:rPr lang="ko-KR" altLang="en-US" dirty="0"/>
+              <a:t>다섯째 수준</a:t>
+            </a:r>
+          </a:p>
+        </p:txBody>
+      </p:sp>
+    </p:spTree>
+    <p:extLst>
+      <p:ext uri="{BB962C8B-B14F-4D97-AF65-F5344CB8AC3E}">
+        <p14:creationId xmlns:p14="http://schemas.microsoft.com/office/powerpoint/2010/main" val="2159620223"/>
+      </p:ext>
+    </p:extLst>
+  </p:cSld>
+  <p:clrMapOvr>
+    <a:masterClrMapping/>
+  </p:clrMapOvr>
+</p:sldLayout>
+</file>
+
+<file path=ppt/slideLayouts/slideLayout7.xml><?xml version="1.0" encoding="utf-8"?>
+<p:sldLayout xmlns:a="http://schemas.openxmlformats.org/drawingml/2006/main" xmlns:r="http://schemas.openxmlformats.org/officeDocument/2006/relationships" xmlns:p="http://schemas.openxmlformats.org/presentationml/2006/main" preserve="1" userDrawn="1">
+  <p:cSld name="2줄ti">
+    <p:spTree>
+      <p:nvGrpSpPr>
+        <p:cNvPr id="1" name=""/>
+        <p:cNvGrpSpPr/>
+        <p:nvPr/>
+      </p:nvGrpSpPr>
+      <p:grpSpPr>
+        <a:xfrm>
+          <a:off x="0" y="0"/>
+          <a:ext cx="0" cy="0"/>
+          <a:chOff x="0" y="0"/>
+          <a:chExt cx="0" cy="0"/>
+        </a:xfrm>
+      </p:grpSpPr>
+      <p:sp>
+        <p:nvSpPr>
+          <p:cNvPr id="6" name="직사각형 5">
+            <a:extLst>
+              <a:ext uri="{FF2B5EF4-FFF2-40B4-BE49-F238E27FC236}">
+                <a16:creationId xmlns:a16="http://schemas.microsoft.com/office/drawing/2014/main" id="{D2D5CCD6-DEBA-4450-9DE6-51A3553927BC}"/>
+              </a:ext>
+            </a:extLst>
+          </p:cNvPr>
+          <p:cNvSpPr/>
+          <p:nvPr userDrawn="1"/>
+        </p:nvSpPr>
+        <p:spPr>
+          <a:xfrm>
+            <a:off x="0" y="6673174"/>
+            <a:ext cx="12192000" cy="184826"/>
+          </a:xfrm>
+          <a:prstGeom prst="rect">
+            <a:avLst/>
+          </a:prstGeom>
+          <a:solidFill>
+            <a:schemeClr val="tx1">
+              <a:lumMod val="85000"/>
+              <a:lumOff val="15000"/>
+            </a:schemeClr>
+          </a:solidFill>
+          <a:ln>
+            <a:noFill/>
+          </a:ln>
+        </p:spPr>
+        <p:style>
+          <a:lnRef idx="2">
+            <a:schemeClr val="accent1">
+              <a:shade val="50000"/>
+            </a:schemeClr>
+          </a:lnRef>
+          <a:fillRef idx="1">
+            <a:schemeClr val="accent1"/>
+          </a:fillRef>
+          <a:effectRef idx="0">
+            <a:schemeClr val="accent1"/>
+          </a:effectRef>
+          <a:fontRef idx="minor">
+            <a:schemeClr val="lt1"/>
+          </a:fontRef>
+        </p:style>
+        <p:txBody>
+          <a:bodyPr rtlCol="0" anchor="ctr"/>
+          <a:lstStyle/>
+          <a:p>
+            <a:pPr algn="ctr"/>
+            <a:endParaRPr lang="ko-KR" altLang="en-US">
+              <a:ln>
+                <a:solidFill>
+                  <a:schemeClr val="tx1">
+                    <a:alpha val="0"/>
+                  </a:schemeClr>
+                </a:solidFill>
+              </a:ln>
+            </a:endParaRPr>
+          </a:p>
+        </p:txBody>
+      </p:sp>
+      <p:sp>
+        <p:nvSpPr>
+          <p:cNvPr id="7" name="TextBox 6">
+            <a:extLst>
+              <a:ext uri="{FF2B5EF4-FFF2-40B4-BE49-F238E27FC236}">
+                <a16:creationId xmlns:a16="http://schemas.microsoft.com/office/drawing/2014/main" id="{552646BE-A0A3-4A62-820E-FB203AD599C0}"/>
+              </a:ext>
+            </a:extLst>
+          </p:cNvPr>
+          <p:cNvSpPr txBox="1"/>
+          <p:nvPr userDrawn="1"/>
+        </p:nvSpPr>
+        <p:spPr>
+          <a:xfrm>
+            <a:off x="4702830" y="6657796"/>
+            <a:ext cx="2786340" cy="215444"/>
+          </a:xfrm>
+          <a:prstGeom prst="rect">
+            <a:avLst/>
+          </a:prstGeom>
+          <a:noFill/>
+        </p:spPr>
+        <p:txBody>
+          <a:bodyPr wrap="none" rtlCol="0">
+            <a:spAutoFit/>
+          </a:bodyPr>
+          <a:lstStyle/>
+          <a:p>
+            <a:pPr marL="0" marR="0" lvl="0" indent="0" algn="ctr" defTabSz="914400" rtl="0" eaLnBrk="1" fontAlgn="auto" latinLnBrk="1" hangingPunct="1">
+              <a:lnSpc>
+                <a:spcPct val="100000"/>
+              </a:lnSpc>
+              <a:spcBef>
+                <a:spcPts val="0"/>
+              </a:spcBef>
+              <a:spcAft>
+                <a:spcPts val="0"/>
+              </a:spcAft>
+              <a:buClrTx/>
+              <a:buSzTx/>
+              <a:buFontTx/>
+              <a:buNone/>
+              <a:tabLst/>
+              <a:defRPr/>
+            </a:pPr>
+            <a:r>
+              <a:rPr lang="en-US" altLang="ko-KR" sz="800">
+                <a:ln>
+                  <a:solidFill>
+                    <a:schemeClr val="tx1">
+                      <a:alpha val="0"/>
+                    </a:schemeClr>
+                  </a:solidFill>
+                </a:ln>
+                <a:solidFill>
+                  <a:schemeClr val="bg1"/>
+                </a:solidFill>
+                <a:latin typeface="Gotham" panose="02000604030000020004" pitchFamily="50" charset="0"/>
+                <a:ea typeface="나눔바른고딕" pitchFamily="50" charset="-127"/>
+              </a:rPr>
+              <a:t>Copyright FASTCAMPUS Corp. All Rights Reserved</a:t>
+            </a:r>
+          </a:p>
+        </p:txBody>
+      </p:sp>
+      <p:sp>
+        <p:nvSpPr>
+          <p:cNvPr id="11" name="제목 10">
+            <a:extLst>
+              <a:ext uri="{FF2B5EF4-FFF2-40B4-BE49-F238E27FC236}">
+                <a16:creationId xmlns:a16="http://schemas.microsoft.com/office/drawing/2014/main" id="{0DB73C5E-A477-4148-A17D-8FBFC94B84D1}"/>
+              </a:ext>
+            </a:extLst>
+          </p:cNvPr>
+          <p:cNvSpPr>
+            <a:spLocks noGrp="1"/>
+          </p:cNvSpPr>
+          <p:nvPr>
+            <p:ph type="title" hasCustomPrompt="1"/>
+          </p:nvPr>
+        </p:nvSpPr>
+        <p:spPr>
+          <a:xfrm>
+            <a:off x="223228" y="333887"/>
+            <a:ext cx="10930266" cy="747201"/>
+          </a:xfrm>
+          <a:prstGeom prst="rect">
+            <a:avLst/>
+          </a:prstGeom>
+        </p:spPr>
+        <p:txBody>
+          <a:bodyPr/>
+          <a:lstStyle>
+            <a:lvl1pPr>
+              <a:defRPr sz="2400">
+                <a:ln>
+                  <a:solidFill>
+                    <a:schemeClr val="tx1">
+                      <a:alpha val="0"/>
+                    </a:schemeClr>
+                  </a:solidFill>
+                </a:ln>
+                <a:latin typeface="Noto Sans CJK KR Medium" panose="020B0600000000000000" pitchFamily="34" charset="-127"/>
+                <a:ea typeface="Noto Sans CJK KR Medium" panose="020B0600000000000000" pitchFamily="34" charset="-127"/>
+              </a:defRPr>
+            </a:lvl1pPr>
+          </a:lstStyle>
+          <a:p>
+            <a:r>
+              <a:rPr lang="ko-KR" altLang="en-US"/>
+              <a:t>슬라이드 핵심 내용이 두 줄이라면 이 슬라이드를 이용해 주세요</a:t>
+            </a:r>
+            <a:r>
+              <a:rPr lang="en-US" altLang="ko-KR"/>
+              <a:t>.</a:t>
+            </a:r>
+            <a:br>
+              <a:rPr lang="en-US" altLang="ko-KR"/>
+            </a:br>
+            <a:r>
+              <a:rPr lang="ko-KR" altLang="en-US"/>
+              <a:t>슬라이드 핵심 내용이 두 줄이라면 이 슬라이드를 이용해 주세요</a:t>
+            </a:r>
+            <a:r>
+              <a:rPr lang="en-US" altLang="ko-KR"/>
+              <a:t>.</a:t>
+            </a:r>
+            <a:endParaRPr lang="ko-KR" altLang="en-US"/>
+          </a:p>
+        </p:txBody>
+      </p:sp>
+      <p:cxnSp>
+        <p:nvCxnSpPr>
+          <p:cNvPr id="15" name="직선 연결선 14">
+            <a:extLst>
+              <a:ext uri="{FF2B5EF4-FFF2-40B4-BE49-F238E27FC236}">
+                <a16:creationId xmlns:a16="http://schemas.microsoft.com/office/drawing/2014/main" id="{2D8FABE3-381D-4D33-92D4-6730414AF52B}"/>
+              </a:ext>
+            </a:extLst>
+          </p:cNvPr>
+          <p:cNvCxnSpPr>
+            <a:cxnSpLocks/>
+          </p:cNvCxnSpPr>
+          <p:nvPr userDrawn="1"/>
+        </p:nvCxnSpPr>
+        <p:spPr>
+          <a:xfrm>
+            <a:off x="223228" y="433388"/>
+            <a:ext cx="0" cy="509587"/>
+          </a:xfrm>
+          <a:prstGeom prst="line">
+            <a:avLst/>
+          </a:prstGeom>
+          <a:ln w="28575">
+            <a:solidFill>
+              <a:schemeClr val="tx1"/>
+            </a:solidFill>
+          </a:ln>
+        </p:spPr>
+        <p:style>
+          <a:lnRef idx="1">
+            <a:schemeClr val="accent1"/>
+          </a:lnRef>
+          <a:fillRef idx="0">
+            <a:schemeClr val="accent1"/>
+          </a:fillRef>
+          <a:effectRef idx="0">
+            <a:schemeClr val="accent1"/>
+          </a:effectRef>
+          <a:fontRef idx="minor">
+            <a:schemeClr val="tx1"/>
+          </a:fontRef>
+        </p:style>
+      </p:cxnSp>
+      <p:sp>
+        <p:nvSpPr>
+          <p:cNvPr id="10" name="TextBox 9">
+            <a:extLst>
+              <a:ext uri="{FF2B5EF4-FFF2-40B4-BE49-F238E27FC236}">
+                <a16:creationId xmlns:a16="http://schemas.microsoft.com/office/drawing/2014/main" id="{FBFEADF3-9FC1-4591-881B-0202C29DA1EB}"/>
+              </a:ext>
+            </a:extLst>
+          </p:cNvPr>
+          <p:cNvSpPr txBox="1"/>
+          <p:nvPr userDrawn="1"/>
+        </p:nvSpPr>
+        <p:spPr>
+          <a:xfrm>
+            <a:off x="103601" y="98583"/>
+            <a:ext cx="742511" cy="246221"/>
+          </a:xfrm>
+          <a:prstGeom prst="rect">
+            <a:avLst/>
+          </a:prstGeom>
+          <a:noFill/>
+        </p:spPr>
+        <p:txBody>
+          <a:bodyPr wrap="none" rtlCol="0">
+            <a:spAutoFit/>
+          </a:bodyPr>
+          <a:lstStyle/>
+          <a:p>
+            <a:r>
+              <a:rPr lang="en-US" altLang="ko-KR" sz="1000" b="1">
+                <a:ln>
+                  <a:solidFill>
+                    <a:schemeClr val="tx1">
+                      <a:alpha val="0"/>
+                    </a:schemeClr>
+                  </a:solidFill>
+                </a:ln>
+                <a:latin typeface="Gotham" panose="02000604030000020004" pitchFamily="50" charset="0"/>
+              </a:rPr>
+              <a:t>Chapter</a:t>
+            </a:r>
+            <a:r>
+              <a:rPr lang="en-US" altLang="ko-KR" sz="1000" b="1">
+                <a:ln>
+                  <a:solidFill>
+                    <a:schemeClr val="tx1">
+                      <a:alpha val="0"/>
+                    </a:schemeClr>
+                  </a:solidFill>
+                </a:ln>
+                <a:solidFill>
+                  <a:srgbClr val="EE234B"/>
+                </a:solidFill>
+                <a:latin typeface="Gotham" panose="02000604030000020004" pitchFamily="50" charset="0"/>
+              </a:rPr>
+              <a:t>.</a:t>
+            </a:r>
+            <a:endParaRPr lang="ko-KR" altLang="en-US" sz="1000" b="1">
+              <a:ln>
+                <a:solidFill>
+                  <a:schemeClr val="tx1">
+                    <a:alpha val="0"/>
+                  </a:schemeClr>
+                </a:solidFill>
+              </a:ln>
+              <a:solidFill>
+                <a:srgbClr val="EE234B"/>
+              </a:solidFill>
+              <a:latin typeface="Gotham" panose="02000604030000020004" pitchFamily="50" charset="0"/>
+            </a:endParaRPr>
+          </a:p>
+        </p:txBody>
+      </p:sp>
+      <p:sp>
+        <p:nvSpPr>
+          <p:cNvPr id="12" name="텍스트 개체 틀 15">
+            <a:extLst>
+              <a:ext uri="{FF2B5EF4-FFF2-40B4-BE49-F238E27FC236}">
+                <a16:creationId xmlns:a16="http://schemas.microsoft.com/office/drawing/2014/main" id="{5109B78E-4EB3-4BA4-A001-983E3344F50F}"/>
+              </a:ext>
+            </a:extLst>
+          </p:cNvPr>
+          <p:cNvSpPr>
+            <a:spLocks noGrp="1"/>
+          </p:cNvSpPr>
+          <p:nvPr>
+            <p:ph type="body" sz="quarter" idx="10" hasCustomPrompt="1"/>
+          </p:nvPr>
+        </p:nvSpPr>
+        <p:spPr>
+          <a:xfrm>
+            <a:off x="682259" y="110625"/>
+            <a:ext cx="386922" cy="222136"/>
+          </a:xfrm>
+          <a:prstGeom prst="rect">
+            <a:avLst/>
+          </a:prstGeom>
+        </p:spPr>
+        <p:txBody>
+          <a:bodyPr/>
+          <a:lstStyle>
+            <a:lvl1pPr marL="0" indent="0">
+              <a:buNone/>
+              <a:defRPr lang="ko-KR" altLang="en-US" sz="1050" b="1" kern="1200">
+                <a:ln>
+                  <a:solidFill>
+                    <a:schemeClr val="tx1">
+                      <a:alpha val="0"/>
+                    </a:schemeClr>
+                  </a:solidFill>
+                </a:ln>
+                <a:solidFill>
+                  <a:schemeClr val="tx1"/>
+                </a:solidFill>
+                <a:latin typeface="Gotham" panose="02000604030000020004" pitchFamily="50" charset="0"/>
+                <a:ea typeface="+mn-ea"/>
+                <a:cs typeface="+mn-cs"/>
+              </a:defRPr>
+            </a:lvl1pPr>
+          </a:lstStyle>
+          <a:p>
+            <a:pPr lvl="0"/>
+            <a:r>
+              <a:rPr lang="en-US" altLang="ko-KR"/>
+              <a:t>00</a:t>
+            </a:r>
+            <a:endParaRPr lang="ko-KR" altLang="en-US"/>
+          </a:p>
+        </p:txBody>
+      </p:sp>
+      <p:sp>
+        <p:nvSpPr>
+          <p:cNvPr id="16" name="내용 개체 틀 2">
+            <a:extLst>
+              <a:ext uri="{FF2B5EF4-FFF2-40B4-BE49-F238E27FC236}">
+                <a16:creationId xmlns:a16="http://schemas.microsoft.com/office/drawing/2014/main" id="{28AC45E3-D3DA-4BCD-A59C-BF8E0CA51FBE}"/>
+              </a:ext>
+            </a:extLst>
+          </p:cNvPr>
+          <p:cNvSpPr>
+            <a:spLocks noGrp="1"/>
+          </p:cNvSpPr>
+          <p:nvPr>
+            <p:ph sz="quarter" idx="11" hasCustomPrompt="1"/>
+          </p:nvPr>
+        </p:nvSpPr>
+        <p:spPr>
+          <a:xfrm>
+            <a:off x="914559" y="110568"/>
+            <a:ext cx="2200592" cy="222250"/>
+          </a:xfrm>
+          <a:prstGeom prst="rect">
+            <a:avLst/>
+          </a:prstGeom>
+          <a:ln>
+            <a:noFill/>
+          </a:ln>
+        </p:spPr>
+        <p:txBody>
+          <a:bodyPr/>
+          <a:lstStyle>
+            <a:lvl1pPr marL="0" indent="0">
+              <a:buNone/>
+              <a:defRPr sz="1000">
+                <a:ln>
+                  <a:solidFill>
+                    <a:schemeClr val="tx1">
+                      <a:alpha val="0"/>
+                    </a:schemeClr>
+                  </a:solidFill>
+                </a:ln>
+                <a:solidFill>
+                  <a:srgbClr val="EF234B"/>
+                </a:solidFill>
+                <a:latin typeface="Noto Sans CJK KR Medium" panose="020B0600000000000000" pitchFamily="34" charset="-127"/>
+                <a:ea typeface="Noto Sans CJK KR Medium" panose="020B0600000000000000" pitchFamily="34" charset="-127"/>
+              </a:defRPr>
+            </a:lvl1pPr>
+          </a:lstStyle>
+          <a:p>
+            <a:pPr lvl="0"/>
+            <a:r>
+              <a:rPr lang="ko-KR" altLang="en-US"/>
+              <a:t>챕터명을 적어주세요</a:t>
+            </a:r>
+            <a:r>
+              <a:rPr lang="en-US" altLang="ko-KR"/>
+              <a:t>.</a:t>
+            </a:r>
+            <a:endParaRPr lang="ko-KR" altLang="en-US"/>
+          </a:p>
+        </p:txBody>
+      </p:sp>
+      <p:sp>
+        <p:nvSpPr>
+          <p:cNvPr id="13" name="텍스트 개체 틀 3">
+            <a:extLst>
+              <a:ext uri="{FF2B5EF4-FFF2-40B4-BE49-F238E27FC236}">
+                <a16:creationId xmlns:a16="http://schemas.microsoft.com/office/drawing/2014/main" id="{220DC519-6952-4452-B5C2-E7BF30533A07}"/>
+              </a:ext>
+            </a:extLst>
+          </p:cNvPr>
+          <p:cNvSpPr>
+            <a:spLocks noGrp="1"/>
+          </p:cNvSpPr>
+          <p:nvPr>
+            <p:ph type="body" sz="quarter" idx="12"/>
+          </p:nvPr>
+        </p:nvSpPr>
+        <p:spPr>
+          <a:xfrm>
+            <a:off x="682260" y="1197611"/>
+            <a:ext cx="10471516" cy="631190"/>
+          </a:xfrm>
+          <a:prstGeom prst="rect">
+            <a:avLst/>
+          </a:prstGeom>
+        </p:spPr>
+        <p:txBody>
+          <a:bodyPr/>
+          <a:lstStyle>
+            <a:lvl1pPr>
+              <a:defRPr>
+                <a:latin typeface="+mn-ea"/>
+                <a:ea typeface="+mn-ea"/>
+              </a:defRPr>
+            </a:lvl1pPr>
+            <a:lvl2pPr marL="457200" indent="0">
+              <a:buNone/>
+              <a:defRPr>
+                <a:latin typeface="+mn-ea"/>
+                <a:ea typeface="+mn-ea"/>
+              </a:defRPr>
+            </a:lvl2pPr>
+            <a:lvl3pPr>
+              <a:defRPr>
+                <a:latin typeface="+mn-ea"/>
+                <a:ea typeface="+mn-ea"/>
+              </a:defRPr>
+            </a:lvl3pPr>
+            <a:lvl4pPr>
+              <a:defRPr>
+                <a:latin typeface="+mn-ea"/>
+                <a:ea typeface="+mn-ea"/>
+              </a:defRPr>
+            </a:lvl4pPr>
+            <a:lvl5pPr>
+              <a:defRPr>
+                <a:latin typeface="+mn-ea"/>
+                <a:ea typeface="+mn-ea"/>
+              </a:defRPr>
+            </a:lvl5pPr>
+          </a:lstStyle>
+          <a:p>
+            <a:pPr lvl="0"/>
+            <a:r>
+              <a:rPr lang="ko-KR" altLang="en-US" dirty="0"/>
+              <a:t>마스터 텍스트 스타일 편집</a:t>
+            </a:r>
+          </a:p>
+        </p:txBody>
+      </p:sp>
+      <p:sp>
+        <p:nvSpPr>
+          <p:cNvPr id="14" name="내용 개체 틀 4">
+            <a:extLst>
+              <a:ext uri="{FF2B5EF4-FFF2-40B4-BE49-F238E27FC236}">
+                <a16:creationId xmlns:a16="http://schemas.microsoft.com/office/drawing/2014/main" id="{B4BCBC52-90ED-473A-8D76-FDCE98E926C1}"/>
+              </a:ext>
+            </a:extLst>
+          </p:cNvPr>
+          <p:cNvSpPr>
+            <a:spLocks noGrp="1"/>
+          </p:cNvSpPr>
+          <p:nvPr>
+            <p:ph sz="quarter" idx="13"/>
+          </p:nvPr>
+        </p:nvSpPr>
+        <p:spPr>
+          <a:xfrm>
+            <a:off x="682625" y="1915887"/>
+            <a:ext cx="10471150" cy="3994196"/>
+          </a:xfrm>
+          <a:prstGeom prst="rect">
+            <a:avLst/>
+          </a:prstGeom>
+        </p:spPr>
+        <p:txBody>
+          <a:bodyPr/>
+          <a:lstStyle/>
+          <a:p>
+            <a:pPr lvl="0"/>
+            <a:r>
+              <a:rPr lang="ko-KR" altLang="en-US"/>
+              <a:t>마스터 텍스트 스타일 편집</a:t>
+            </a:r>
+          </a:p>
+          <a:p>
+            <a:pPr lvl="1"/>
+            <a:r>
+              <a:rPr lang="ko-KR" altLang="en-US"/>
+              <a:t>둘째 수준</a:t>
+            </a:r>
+          </a:p>
+          <a:p>
+            <a:pPr lvl="2"/>
+            <a:r>
+              <a:rPr lang="ko-KR" altLang="en-US"/>
+              <a:t>셋째 수준</a:t>
+            </a:r>
+          </a:p>
+          <a:p>
+            <a:pPr lvl="3"/>
+            <a:r>
+              <a:rPr lang="ko-KR" altLang="en-US"/>
+              <a:t>넷째 수준</a:t>
+            </a:r>
+          </a:p>
+          <a:p>
+            <a:pPr lvl="4"/>
+            <a:r>
+              <a:rPr lang="ko-KR" altLang="en-US"/>
+              <a:t>다섯째 수준</a:t>
+            </a:r>
+          </a:p>
+        </p:txBody>
+      </p:sp>
+    </p:spTree>
+    <p:extLst>
+      <p:ext uri="{BB962C8B-B14F-4D97-AF65-F5344CB8AC3E}">
+        <p14:creationId xmlns:p14="http://schemas.microsoft.com/office/powerpoint/2010/main" val="3916191393"/>
+      </p:ext>
+    </p:extLst>
+  </p:cSld>
+  <p:clrMapOvr>
+    <a:masterClrMapping/>
+  </p:clrMapOvr>
+</p:sldLayout>
+</file>
+
+<file path=ppt/slideLayouts/slideLayout8.xml><?xml version="1.0" encoding="utf-8"?>
+<p:sldLayout xmlns:a="http://schemas.openxmlformats.org/drawingml/2006/main" xmlns:r="http://schemas.openxmlformats.org/officeDocument/2006/relationships" xmlns:p="http://schemas.openxmlformats.org/presentationml/2006/main" preserve="1" userDrawn="1">
+  <p:cSld name="2줄ti2">
+    <p:spTree>
+      <p:nvGrpSpPr>
+        <p:cNvPr id="1" name=""/>
+        <p:cNvGrpSpPr/>
+        <p:nvPr/>
+      </p:nvGrpSpPr>
+      <p:grpSpPr>
+        <a:xfrm>
+          <a:off x="0" y="0"/>
+          <a:ext cx="0" cy="0"/>
+          <a:chOff x="0" y="0"/>
+          <a:chExt cx="0" cy="0"/>
+        </a:xfrm>
+      </p:grpSpPr>
+      <p:sp>
+        <p:nvSpPr>
+          <p:cNvPr id="6" name="직사각형 5">
+            <a:extLst>
+              <a:ext uri="{FF2B5EF4-FFF2-40B4-BE49-F238E27FC236}">
+                <a16:creationId xmlns:a16="http://schemas.microsoft.com/office/drawing/2014/main" id="{D2D5CCD6-DEBA-4450-9DE6-51A3553927BC}"/>
+              </a:ext>
+            </a:extLst>
+          </p:cNvPr>
+          <p:cNvSpPr/>
+          <p:nvPr userDrawn="1"/>
+        </p:nvSpPr>
+        <p:spPr>
+          <a:xfrm>
+            <a:off x="0" y="6673174"/>
+            <a:ext cx="12192000" cy="184826"/>
+          </a:xfrm>
+          <a:prstGeom prst="rect">
+            <a:avLst/>
+          </a:prstGeom>
+          <a:solidFill>
+            <a:schemeClr val="tx1">
+              <a:lumMod val="85000"/>
+              <a:lumOff val="15000"/>
+            </a:schemeClr>
+          </a:solidFill>
+          <a:ln>
+            <a:noFill/>
+          </a:ln>
+        </p:spPr>
+        <p:style>
+          <a:lnRef idx="2">
+            <a:schemeClr val="accent1">
+              <a:shade val="50000"/>
+            </a:schemeClr>
+          </a:lnRef>
+          <a:fillRef idx="1">
+            <a:schemeClr val="accent1"/>
+          </a:fillRef>
+          <a:effectRef idx="0">
+            <a:schemeClr val="accent1"/>
+          </a:effectRef>
+          <a:fontRef idx="minor">
+            <a:schemeClr val="lt1"/>
+          </a:fontRef>
+        </p:style>
+        <p:txBody>
+          <a:bodyPr rtlCol="0" anchor="ctr"/>
+          <a:lstStyle/>
+          <a:p>
+            <a:pPr algn="ctr"/>
+            <a:endParaRPr lang="ko-KR" altLang="en-US">
+              <a:ln>
+                <a:solidFill>
+                  <a:schemeClr val="tx1">
+                    <a:alpha val="0"/>
+                  </a:schemeClr>
+                </a:solidFill>
+              </a:ln>
+            </a:endParaRPr>
+          </a:p>
+        </p:txBody>
+      </p:sp>
+      <p:sp>
+        <p:nvSpPr>
+          <p:cNvPr id="7" name="TextBox 6">
+            <a:extLst>
+              <a:ext uri="{FF2B5EF4-FFF2-40B4-BE49-F238E27FC236}">
+                <a16:creationId xmlns:a16="http://schemas.microsoft.com/office/drawing/2014/main" id="{552646BE-A0A3-4A62-820E-FB203AD599C0}"/>
+              </a:ext>
+            </a:extLst>
+          </p:cNvPr>
+          <p:cNvSpPr txBox="1"/>
+          <p:nvPr userDrawn="1"/>
+        </p:nvSpPr>
+        <p:spPr>
+          <a:xfrm>
+            <a:off x="4702830" y="6657796"/>
+            <a:ext cx="2786340" cy="215444"/>
+          </a:xfrm>
+          <a:prstGeom prst="rect">
+            <a:avLst/>
+          </a:prstGeom>
+          <a:noFill/>
+        </p:spPr>
+        <p:txBody>
+          <a:bodyPr wrap="none" rtlCol="0">
+            <a:spAutoFit/>
+          </a:bodyPr>
+          <a:lstStyle/>
+          <a:p>
+            <a:pPr marL="0" marR="0" lvl="0" indent="0" algn="ctr" defTabSz="914400" rtl="0" eaLnBrk="1" fontAlgn="auto" latinLnBrk="1" hangingPunct="1">
+              <a:lnSpc>
+                <a:spcPct val="100000"/>
+              </a:lnSpc>
+              <a:spcBef>
+                <a:spcPts val="0"/>
+              </a:spcBef>
+              <a:spcAft>
+                <a:spcPts val="0"/>
+              </a:spcAft>
+              <a:buClrTx/>
+              <a:buSzTx/>
+              <a:buFontTx/>
+              <a:buNone/>
+              <a:tabLst/>
+              <a:defRPr/>
+            </a:pPr>
+            <a:r>
+              <a:rPr lang="en-US" altLang="ko-KR" sz="800">
+                <a:ln>
+                  <a:solidFill>
+                    <a:schemeClr val="tx1">
+                      <a:alpha val="0"/>
+                    </a:schemeClr>
+                  </a:solidFill>
+                </a:ln>
+                <a:solidFill>
+                  <a:schemeClr val="bg1"/>
+                </a:solidFill>
+                <a:latin typeface="Gotham" panose="02000604030000020004" pitchFamily="50" charset="0"/>
+                <a:ea typeface="나눔바른고딕" pitchFamily="50" charset="-127"/>
+              </a:rPr>
+              <a:t>Copyright FASTCAMPUS Corp. All Rights Reserved</a:t>
+            </a:r>
+          </a:p>
+        </p:txBody>
+      </p:sp>
+      <p:sp>
+        <p:nvSpPr>
+          <p:cNvPr id="11" name="제목 10">
+            <a:extLst>
+              <a:ext uri="{FF2B5EF4-FFF2-40B4-BE49-F238E27FC236}">
+                <a16:creationId xmlns:a16="http://schemas.microsoft.com/office/drawing/2014/main" id="{0DB73C5E-A477-4148-A17D-8FBFC94B84D1}"/>
+              </a:ext>
+            </a:extLst>
+          </p:cNvPr>
+          <p:cNvSpPr>
+            <a:spLocks noGrp="1"/>
+          </p:cNvSpPr>
+          <p:nvPr>
+            <p:ph type="title" hasCustomPrompt="1"/>
+          </p:nvPr>
+        </p:nvSpPr>
+        <p:spPr>
+          <a:xfrm>
+            <a:off x="223228" y="333887"/>
+            <a:ext cx="10930266" cy="747201"/>
+          </a:xfrm>
+          <a:prstGeom prst="rect">
+            <a:avLst/>
+          </a:prstGeom>
+        </p:spPr>
+        <p:txBody>
+          <a:bodyPr/>
+          <a:lstStyle>
+            <a:lvl1pPr>
+              <a:defRPr sz="2400">
+                <a:ln>
+                  <a:solidFill>
+                    <a:schemeClr val="tx1">
+                      <a:alpha val="0"/>
+                    </a:schemeClr>
+                  </a:solidFill>
+                </a:ln>
+                <a:latin typeface="Noto Sans CJK KR Medium" panose="020B0600000000000000" pitchFamily="34" charset="-127"/>
+                <a:ea typeface="Noto Sans CJK KR Medium" panose="020B0600000000000000" pitchFamily="34" charset="-127"/>
+              </a:defRPr>
+            </a:lvl1pPr>
+          </a:lstStyle>
+          <a:p>
+            <a:r>
+              <a:rPr lang="ko-KR" altLang="en-US"/>
+              <a:t>슬라이드 핵심 내용이 두 줄이라면 이 슬라이드를 이용해 주세요</a:t>
+            </a:r>
+            <a:r>
+              <a:rPr lang="en-US" altLang="ko-KR"/>
+              <a:t>.</a:t>
+            </a:r>
+            <a:br>
+              <a:rPr lang="en-US" altLang="ko-KR"/>
+            </a:br>
+            <a:r>
+              <a:rPr lang="ko-KR" altLang="en-US"/>
+              <a:t>슬라이드 핵심 내용이 두 줄이라면 이 슬라이드를 이용해 주세요</a:t>
+            </a:r>
+            <a:r>
+              <a:rPr lang="en-US" altLang="ko-KR"/>
+              <a:t>.</a:t>
+            </a:r>
+            <a:endParaRPr lang="ko-KR" altLang="en-US"/>
+          </a:p>
+        </p:txBody>
+      </p:sp>
+      <p:cxnSp>
+        <p:nvCxnSpPr>
+          <p:cNvPr id="15" name="직선 연결선 14">
+            <a:extLst>
+              <a:ext uri="{FF2B5EF4-FFF2-40B4-BE49-F238E27FC236}">
+                <a16:creationId xmlns:a16="http://schemas.microsoft.com/office/drawing/2014/main" id="{2D8FABE3-381D-4D33-92D4-6730414AF52B}"/>
+              </a:ext>
+            </a:extLst>
+          </p:cNvPr>
+          <p:cNvCxnSpPr>
+            <a:cxnSpLocks/>
+          </p:cNvCxnSpPr>
+          <p:nvPr userDrawn="1"/>
+        </p:nvCxnSpPr>
+        <p:spPr>
+          <a:xfrm>
+            <a:off x="223228" y="433388"/>
+            <a:ext cx="0" cy="509587"/>
+          </a:xfrm>
+          <a:prstGeom prst="line">
+            <a:avLst/>
+          </a:prstGeom>
+          <a:ln w="28575">
+            <a:solidFill>
+              <a:schemeClr val="tx1"/>
+            </a:solidFill>
+          </a:ln>
+        </p:spPr>
+        <p:style>
+          <a:lnRef idx="1">
+            <a:schemeClr val="accent1"/>
+          </a:lnRef>
+          <a:fillRef idx="0">
+            <a:schemeClr val="accent1"/>
+          </a:fillRef>
+          <a:effectRef idx="0">
+            <a:schemeClr val="accent1"/>
+          </a:effectRef>
+          <a:fontRef idx="minor">
+            <a:schemeClr val="tx1"/>
+          </a:fontRef>
+        </p:style>
+      </p:cxnSp>
+      <p:sp>
+        <p:nvSpPr>
+          <p:cNvPr id="10" name="TextBox 9">
+            <a:extLst>
+              <a:ext uri="{FF2B5EF4-FFF2-40B4-BE49-F238E27FC236}">
+                <a16:creationId xmlns:a16="http://schemas.microsoft.com/office/drawing/2014/main" id="{FBFEADF3-9FC1-4591-881B-0202C29DA1EB}"/>
+              </a:ext>
+            </a:extLst>
+          </p:cNvPr>
+          <p:cNvSpPr txBox="1"/>
+          <p:nvPr userDrawn="1"/>
+        </p:nvSpPr>
+        <p:spPr>
+          <a:xfrm>
+            <a:off x="103601" y="98583"/>
+            <a:ext cx="742511" cy="246221"/>
+          </a:xfrm>
+          <a:prstGeom prst="rect">
+            <a:avLst/>
+          </a:prstGeom>
+          <a:noFill/>
+        </p:spPr>
+        <p:txBody>
+          <a:bodyPr wrap="none" rtlCol="0">
+            <a:spAutoFit/>
+          </a:bodyPr>
+          <a:lstStyle/>
+          <a:p>
+            <a:r>
+              <a:rPr lang="en-US" altLang="ko-KR" sz="1000" b="1">
+                <a:ln>
+                  <a:solidFill>
+                    <a:schemeClr val="tx1">
+                      <a:alpha val="0"/>
+                    </a:schemeClr>
+                  </a:solidFill>
+                </a:ln>
+                <a:latin typeface="Gotham" panose="02000604030000020004" pitchFamily="50" charset="0"/>
+              </a:rPr>
+              <a:t>Chapter</a:t>
+            </a:r>
+            <a:r>
+              <a:rPr lang="en-US" altLang="ko-KR" sz="1000" b="1">
+                <a:ln>
+                  <a:solidFill>
+                    <a:schemeClr val="tx1">
+                      <a:alpha val="0"/>
+                    </a:schemeClr>
+                  </a:solidFill>
+                </a:ln>
+                <a:solidFill>
+                  <a:srgbClr val="EE234B"/>
+                </a:solidFill>
+                <a:latin typeface="Gotham" panose="02000604030000020004" pitchFamily="50" charset="0"/>
+              </a:rPr>
+              <a:t>.</a:t>
+            </a:r>
+            <a:endParaRPr lang="ko-KR" altLang="en-US" sz="1000" b="1">
+              <a:ln>
+                <a:solidFill>
+                  <a:schemeClr val="tx1">
+                    <a:alpha val="0"/>
+                  </a:schemeClr>
+                </a:solidFill>
+              </a:ln>
+              <a:solidFill>
+                <a:srgbClr val="EE234B"/>
+              </a:solidFill>
+              <a:latin typeface="Gotham" panose="02000604030000020004" pitchFamily="50" charset="0"/>
+            </a:endParaRPr>
+          </a:p>
+        </p:txBody>
+      </p:sp>
+      <p:sp>
+        <p:nvSpPr>
+          <p:cNvPr id="12" name="텍스트 개체 틀 15">
+            <a:extLst>
+              <a:ext uri="{FF2B5EF4-FFF2-40B4-BE49-F238E27FC236}">
+                <a16:creationId xmlns:a16="http://schemas.microsoft.com/office/drawing/2014/main" id="{5109B78E-4EB3-4BA4-A001-983E3344F50F}"/>
+              </a:ext>
+            </a:extLst>
+          </p:cNvPr>
+          <p:cNvSpPr>
+            <a:spLocks noGrp="1"/>
+          </p:cNvSpPr>
+          <p:nvPr>
+            <p:ph type="body" sz="quarter" idx="10" hasCustomPrompt="1"/>
+          </p:nvPr>
+        </p:nvSpPr>
+        <p:spPr>
+          <a:xfrm>
+            <a:off x="682259" y="110625"/>
+            <a:ext cx="386922" cy="222136"/>
+          </a:xfrm>
+          <a:prstGeom prst="rect">
+            <a:avLst/>
+          </a:prstGeom>
+        </p:spPr>
+        <p:txBody>
+          <a:bodyPr/>
+          <a:lstStyle>
+            <a:lvl1pPr marL="0" indent="0">
+              <a:buNone/>
+              <a:defRPr lang="ko-KR" altLang="en-US" sz="1050" b="1" kern="1200">
+                <a:ln>
+                  <a:solidFill>
+                    <a:schemeClr val="tx1">
+                      <a:alpha val="0"/>
+                    </a:schemeClr>
+                  </a:solidFill>
+                </a:ln>
+                <a:solidFill>
+                  <a:schemeClr val="tx1"/>
+                </a:solidFill>
+                <a:latin typeface="Gotham" panose="02000604030000020004" pitchFamily="50" charset="0"/>
+                <a:ea typeface="+mn-ea"/>
+                <a:cs typeface="+mn-cs"/>
+              </a:defRPr>
+            </a:lvl1pPr>
+          </a:lstStyle>
+          <a:p>
+            <a:pPr lvl="0"/>
+            <a:r>
+              <a:rPr lang="en-US" altLang="ko-KR"/>
+              <a:t>00</a:t>
+            </a:r>
+            <a:endParaRPr lang="ko-KR" altLang="en-US"/>
+          </a:p>
+        </p:txBody>
+      </p:sp>
+      <p:sp>
+        <p:nvSpPr>
+          <p:cNvPr id="16" name="내용 개체 틀 2">
+            <a:extLst>
+              <a:ext uri="{FF2B5EF4-FFF2-40B4-BE49-F238E27FC236}">
+                <a16:creationId xmlns:a16="http://schemas.microsoft.com/office/drawing/2014/main" id="{28AC45E3-D3DA-4BCD-A59C-BF8E0CA51FBE}"/>
+              </a:ext>
+            </a:extLst>
+          </p:cNvPr>
+          <p:cNvSpPr>
+            <a:spLocks noGrp="1"/>
+          </p:cNvSpPr>
+          <p:nvPr>
+            <p:ph sz="quarter" idx="11" hasCustomPrompt="1"/>
+          </p:nvPr>
+        </p:nvSpPr>
+        <p:spPr>
+          <a:xfrm>
+            <a:off x="914559" y="110568"/>
+            <a:ext cx="2200592" cy="222250"/>
+          </a:xfrm>
+          <a:prstGeom prst="rect">
+            <a:avLst/>
+          </a:prstGeom>
+          <a:ln>
+            <a:noFill/>
+          </a:ln>
+        </p:spPr>
+        <p:txBody>
+          <a:bodyPr/>
+          <a:lstStyle>
+            <a:lvl1pPr marL="0" indent="0">
+              <a:buNone/>
+              <a:defRPr sz="1000">
+                <a:ln>
+                  <a:solidFill>
+                    <a:schemeClr val="tx1">
+                      <a:alpha val="0"/>
+                    </a:schemeClr>
+                  </a:solidFill>
+                </a:ln>
+                <a:solidFill>
+                  <a:srgbClr val="EF234B"/>
+                </a:solidFill>
+                <a:latin typeface="Noto Sans CJK KR Medium" panose="020B0600000000000000" pitchFamily="34" charset="-127"/>
+                <a:ea typeface="Noto Sans CJK KR Medium" panose="020B0600000000000000" pitchFamily="34" charset="-127"/>
+              </a:defRPr>
+            </a:lvl1pPr>
+          </a:lstStyle>
+          <a:p>
+            <a:pPr lvl="0"/>
+            <a:r>
+              <a:rPr lang="ko-KR" altLang="en-US"/>
+              <a:t>챕터명을 적어주세요</a:t>
+            </a:r>
+            <a:r>
+              <a:rPr lang="en-US" altLang="ko-KR"/>
+              <a:t>.</a:t>
+            </a:r>
+            <a:endParaRPr lang="ko-KR" altLang="en-US"/>
+          </a:p>
+        </p:txBody>
+      </p:sp>
+      <p:sp>
+        <p:nvSpPr>
+          <p:cNvPr id="13" name="텍스트 개체 틀 3">
+            <a:extLst>
+              <a:ext uri="{FF2B5EF4-FFF2-40B4-BE49-F238E27FC236}">
+                <a16:creationId xmlns:a16="http://schemas.microsoft.com/office/drawing/2014/main" id="{220DC519-6952-4452-B5C2-E7BF30533A07}"/>
+              </a:ext>
+            </a:extLst>
+          </p:cNvPr>
+          <p:cNvSpPr>
+            <a:spLocks noGrp="1"/>
+          </p:cNvSpPr>
+          <p:nvPr>
+            <p:ph type="body" sz="quarter" idx="12"/>
+          </p:nvPr>
+        </p:nvSpPr>
+        <p:spPr>
+          <a:xfrm>
+            <a:off x="682260" y="1197611"/>
+            <a:ext cx="10471516" cy="631190"/>
+          </a:xfrm>
+          <a:prstGeom prst="rect">
+            <a:avLst/>
+          </a:prstGeom>
+        </p:spPr>
+        <p:txBody>
+          <a:bodyPr/>
+          <a:lstStyle>
+            <a:lvl1pPr>
+              <a:defRPr>
+                <a:latin typeface="+mn-ea"/>
+                <a:ea typeface="+mn-ea"/>
+              </a:defRPr>
+            </a:lvl1pPr>
+            <a:lvl2pPr marL="457200" indent="0">
+              <a:buNone/>
+              <a:defRPr>
+                <a:latin typeface="+mn-ea"/>
+                <a:ea typeface="+mn-ea"/>
+              </a:defRPr>
+            </a:lvl2pPr>
+            <a:lvl3pPr>
+              <a:defRPr>
+                <a:latin typeface="+mn-ea"/>
+                <a:ea typeface="+mn-ea"/>
+              </a:defRPr>
+            </a:lvl3pPr>
+            <a:lvl4pPr>
+              <a:defRPr>
+                <a:latin typeface="+mn-ea"/>
+                <a:ea typeface="+mn-ea"/>
+              </a:defRPr>
+            </a:lvl4pPr>
+            <a:lvl5pPr>
+              <a:defRPr>
+                <a:latin typeface="+mn-ea"/>
+                <a:ea typeface="+mn-ea"/>
+              </a:defRPr>
+            </a:lvl5pPr>
+          </a:lstStyle>
+          <a:p>
+            <a:pPr lvl="0"/>
+            <a:r>
+              <a:rPr lang="ko-KR" altLang="en-US" dirty="0"/>
+              <a:t>마스터 텍스트 스타일 편집</a:t>
+            </a:r>
+          </a:p>
+        </p:txBody>
+      </p:sp>
+      <p:sp>
+        <p:nvSpPr>
+          <p:cNvPr id="17" name="내용 개체 틀 4">
+            <a:extLst>
+              <a:ext uri="{FF2B5EF4-FFF2-40B4-BE49-F238E27FC236}">
+                <a16:creationId xmlns:a16="http://schemas.microsoft.com/office/drawing/2014/main" id="{B15C081F-1D4D-4052-8657-2AB86AAD7A38}"/>
+              </a:ext>
+            </a:extLst>
+          </p:cNvPr>
+          <p:cNvSpPr>
+            <a:spLocks noGrp="1"/>
+          </p:cNvSpPr>
+          <p:nvPr>
+            <p:ph sz="quarter" idx="13"/>
+          </p:nvPr>
+        </p:nvSpPr>
+        <p:spPr>
+          <a:xfrm>
+            <a:off x="682625" y="1945323"/>
+            <a:ext cx="5169535" cy="4011159"/>
+          </a:xfrm>
+          <a:prstGeom prst="rect">
+            <a:avLst/>
+          </a:prstGeom>
+        </p:spPr>
+        <p:txBody>
+          <a:bodyPr/>
+          <a:lstStyle/>
+          <a:p>
+            <a:pPr lvl="0"/>
+            <a:r>
+              <a:rPr lang="ko-KR" altLang="en-US" dirty="0"/>
+              <a:t>마스터 텍스트 스타일 편집</a:t>
+            </a:r>
+          </a:p>
+          <a:p>
+            <a:pPr lvl="1"/>
+            <a:r>
+              <a:rPr lang="ko-KR" altLang="en-US" dirty="0"/>
+              <a:t>둘째 수준</a:t>
+            </a:r>
+          </a:p>
+          <a:p>
+            <a:pPr lvl="2"/>
+            <a:r>
+              <a:rPr lang="ko-KR" altLang="en-US" dirty="0"/>
+              <a:t>셋째 수준</a:t>
+            </a:r>
+          </a:p>
+          <a:p>
+            <a:pPr lvl="3"/>
+            <a:r>
+              <a:rPr lang="ko-KR" altLang="en-US" dirty="0"/>
+              <a:t>넷째 수준</a:t>
+            </a:r>
+          </a:p>
+          <a:p>
+            <a:pPr lvl="4"/>
+            <a:r>
+              <a:rPr lang="ko-KR" altLang="en-US" dirty="0"/>
+              <a:t>다섯째 수준</a:t>
+            </a:r>
+          </a:p>
+        </p:txBody>
+      </p:sp>
+      <p:sp>
+        <p:nvSpPr>
+          <p:cNvPr id="18" name="내용 개체 틀 4">
+            <a:extLst>
+              <a:ext uri="{FF2B5EF4-FFF2-40B4-BE49-F238E27FC236}">
+                <a16:creationId xmlns:a16="http://schemas.microsoft.com/office/drawing/2014/main" id="{04DAF7CC-0848-4905-B147-9B9563F28CAB}"/>
+              </a:ext>
+            </a:extLst>
+          </p:cNvPr>
+          <p:cNvSpPr>
+            <a:spLocks noGrp="1"/>
+          </p:cNvSpPr>
+          <p:nvPr>
+            <p:ph sz="quarter" idx="14"/>
+          </p:nvPr>
+        </p:nvSpPr>
+        <p:spPr>
+          <a:xfrm>
+            <a:off x="5914290" y="1945323"/>
+            <a:ext cx="5239204" cy="4011159"/>
+          </a:xfrm>
+          <a:prstGeom prst="rect">
+            <a:avLst/>
+          </a:prstGeom>
+        </p:spPr>
+        <p:txBody>
+          <a:bodyPr/>
+          <a:lstStyle/>
+          <a:p>
+            <a:pPr lvl="0"/>
+            <a:r>
+              <a:rPr lang="ko-KR" altLang="en-US"/>
+              <a:t>마스터 텍스트 스타일 편집</a:t>
+            </a:r>
+          </a:p>
+          <a:p>
+            <a:pPr lvl="1"/>
+            <a:r>
+              <a:rPr lang="ko-KR" altLang="en-US"/>
+              <a:t>둘째 수준</a:t>
+            </a:r>
+          </a:p>
+          <a:p>
+            <a:pPr lvl="2"/>
+            <a:r>
+              <a:rPr lang="ko-KR" altLang="en-US"/>
+              <a:t>셋째 수준</a:t>
+            </a:r>
+          </a:p>
+          <a:p>
+            <a:pPr lvl="3"/>
+            <a:r>
+              <a:rPr lang="ko-KR" altLang="en-US"/>
+              <a:t>넷째 수준</a:t>
+            </a:r>
+          </a:p>
+          <a:p>
+            <a:pPr lvl="4"/>
+            <a:r>
+              <a:rPr lang="ko-KR" altLang="en-US"/>
+              <a:t>다섯째 수준</a:t>
+            </a:r>
+          </a:p>
+        </p:txBody>
+      </p:sp>
+    </p:spTree>
+    <p:extLst>
+      <p:ext uri="{BB962C8B-B14F-4D97-AF65-F5344CB8AC3E}">
+        <p14:creationId xmlns:p14="http://schemas.microsoft.com/office/powerpoint/2010/main" val="3294406577"/>
+      </p:ext>
+    </p:extLst>
+  </p:cSld>
+  <p:clrMapOvr>
+    <a:masterClrMapping/>
+  </p:clrMapOvr>
+</p:sldLayout>
+</file>
+
+<file path=ppt/slideLayouts/slideLayout9.xml><?xml version="1.0" encoding="utf-8"?>
+<p:sldLayout xmlns:a="http://schemas.openxmlformats.org/drawingml/2006/main" xmlns:r="http://schemas.openxmlformats.org/officeDocument/2006/relationships" xmlns:p="http://schemas.openxmlformats.org/presentationml/2006/main" preserve="1" userDrawn="1">
+  <p:cSld name="빈">
+    <p:spTree>
+      <p:nvGrpSpPr>
+        <p:cNvPr id="1" name=""/>
+        <p:cNvGrpSpPr/>
+        <p:nvPr/>
+      </p:nvGrpSpPr>
+      <p:grpSpPr>
+        <a:xfrm>
+          <a:off x="0" y="0"/>
+          <a:ext cx="0" cy="0"/>
+          <a:chOff x="0" y="0"/>
+          <a:chExt cx="0" cy="0"/>
+        </a:xfrm>
+      </p:grpSpPr>
+      <p:sp>
+        <p:nvSpPr>
+          <p:cNvPr id="6" name="직사각형 5">
+            <a:extLst>
+              <a:ext uri="{FF2B5EF4-FFF2-40B4-BE49-F238E27FC236}">
+                <a16:creationId xmlns:a16="http://schemas.microsoft.com/office/drawing/2014/main" id="{D2D5CCD6-DEBA-4450-9DE6-51A3553927BC}"/>
+              </a:ext>
+            </a:extLst>
+          </p:cNvPr>
+          <p:cNvSpPr/>
+          <p:nvPr userDrawn="1"/>
+        </p:nvSpPr>
+        <p:spPr>
+          <a:xfrm>
+            <a:off x="0" y="6673174"/>
+            <a:ext cx="12192000" cy="184826"/>
+          </a:xfrm>
+          <a:prstGeom prst="rect">
+            <a:avLst/>
+          </a:prstGeom>
+          <a:solidFill>
+            <a:schemeClr val="tx1">
+              <a:lumMod val="85000"/>
+              <a:lumOff val="15000"/>
+            </a:schemeClr>
+          </a:solidFill>
+          <a:ln>
+            <a:noFill/>
+          </a:ln>
+        </p:spPr>
+        <p:style>
+          <a:lnRef idx="2">
+            <a:schemeClr val="accent1">
+              <a:shade val="50000"/>
+            </a:schemeClr>
+          </a:lnRef>
+          <a:fillRef idx="1">
+            <a:schemeClr val="accent1"/>
+          </a:fillRef>
+          <a:effectRef idx="0">
+            <a:schemeClr val="accent1"/>
+          </a:effectRef>
+          <a:fontRef idx="minor">
+            <a:schemeClr val="lt1"/>
+          </a:fontRef>
+        </p:style>
+        <p:txBody>
+          <a:bodyPr rtlCol="0" anchor="ctr"/>
+          <a:lstStyle/>
+          <a:p>
+            <a:pPr algn="ctr"/>
+            <a:endParaRPr lang="ko-KR" altLang="en-US">
+              <a:ln>
+                <a:solidFill>
+                  <a:schemeClr val="tx1">
+                    <a:alpha val="0"/>
+                  </a:schemeClr>
+                </a:solidFill>
+              </a:ln>
+            </a:endParaRPr>
+          </a:p>
+        </p:txBody>
+      </p:sp>
+      <p:sp>
+        <p:nvSpPr>
+          <p:cNvPr id="7" name="TextBox 6">
+            <a:extLst>
+              <a:ext uri="{FF2B5EF4-FFF2-40B4-BE49-F238E27FC236}">
+                <a16:creationId xmlns:a16="http://schemas.microsoft.com/office/drawing/2014/main" id="{552646BE-A0A3-4A62-820E-FB203AD599C0}"/>
+              </a:ext>
+            </a:extLst>
+          </p:cNvPr>
+          <p:cNvSpPr txBox="1"/>
+          <p:nvPr userDrawn="1"/>
+        </p:nvSpPr>
+        <p:spPr>
+          <a:xfrm>
+            <a:off x="4702830" y="6657796"/>
+            <a:ext cx="2786340" cy="215444"/>
+          </a:xfrm>
+          <a:prstGeom prst="rect">
+            <a:avLst/>
+          </a:prstGeom>
+          <a:noFill/>
+        </p:spPr>
+        <p:txBody>
+          <a:bodyPr wrap="none" rtlCol="0">
+            <a:spAutoFit/>
+          </a:bodyPr>
+          <a:lstStyle/>
+          <a:p>
+            <a:pPr marL="0" marR="0" lvl="0" indent="0" algn="ctr" defTabSz="914400" rtl="0" eaLnBrk="1" fontAlgn="auto" latinLnBrk="1" hangingPunct="1">
+              <a:lnSpc>
+                <a:spcPct val="100000"/>
+              </a:lnSpc>
+              <a:spcBef>
+                <a:spcPts val="0"/>
+              </a:spcBef>
+              <a:spcAft>
+                <a:spcPts val="0"/>
+              </a:spcAft>
+              <a:buClrTx/>
+              <a:buSzTx/>
+              <a:buFontTx/>
+              <a:buNone/>
+              <a:tabLst/>
+              <a:defRPr/>
+            </a:pPr>
+            <a:r>
+              <a:rPr lang="en-US" altLang="ko-KR" sz="800">
+                <a:ln>
+                  <a:solidFill>
+                    <a:schemeClr val="tx1">
+                      <a:alpha val="0"/>
+                    </a:schemeClr>
+                  </a:solidFill>
+                </a:ln>
+                <a:solidFill>
+                  <a:schemeClr val="bg1"/>
+                </a:solidFill>
+                <a:latin typeface="Gotham" panose="02000604030000020004" pitchFamily="50" charset="0"/>
+                <a:ea typeface="나눔바른고딕" pitchFamily="50" charset="-127"/>
+              </a:rPr>
+              <a:t>Copyright FASTCAMPUS Corp. All Rights Reserved</a:t>
+            </a:r>
+          </a:p>
+        </p:txBody>
+      </p:sp>
+    </p:spTree>
+    <p:extLst>
+      <p:ext uri="{BB962C8B-B14F-4D97-AF65-F5344CB8AC3E}">
+        <p14:creationId xmlns:p14="http://schemas.microsoft.com/office/powerpoint/2010/main" val="1599381654"/>
+      </p:ext>
+    </p:extLst>
+  </p:cSld>
+  <p:clrMapOvr>
+    <a:masterClrMapping/>
+  </p:clrMapOvr>
+</p:sldLayout>
+</file>
+
 <file path=ppt/slideMasters/slideMaster1.xml><?xml version="1.0" encoding="utf-8"?>
 <p:sldMaster xmlns:a="http://schemas.openxmlformats.org/drawingml/2006/main" xmlns:r="http://schemas.openxmlformats.org/officeDocument/2006/relationships" xmlns:p="http://schemas.openxmlformats.org/presentationml/2006/main">
   <p:cSld>
@@ -5109,7 +6420,7 @@
           <p:nvPr userDrawn="1"/>
         </p:nvPicPr>
         <p:blipFill>
-          <a:blip r:embed="rId10">
+          <a:blip r:embed="rId12">
             <a:extLst>
               <a:ext uri="{28A0092B-C50C-407E-A947-70E740481C1C}">
                 <a14:useLocalDpi xmlns:a14="http://schemas.microsoft.com/office/drawing/2010/main" val="0"/>
@@ -5329,10 +6640,12 @@
     <p:sldLayoutId id="2147483657" r:id="rId2"/>
     <p:sldLayoutId id="2147483650" r:id="rId3"/>
     <p:sldLayoutId id="2147483662" r:id="rId4"/>
-    <p:sldLayoutId id="2147483658" r:id="rId5"/>
-    <p:sldLayoutId id="2147483663" r:id="rId6"/>
-    <p:sldLayoutId id="2147483659" r:id="rId7"/>
-    <p:sldLayoutId id="2147483661" r:id="rId8"/>
+    <p:sldLayoutId id="2147483664" r:id="rId5"/>
+    <p:sldLayoutId id="2147483658" r:id="rId6"/>
+    <p:sldLayoutId id="2147483663" r:id="rId7"/>
+    <p:sldLayoutId id="2147483665" r:id="rId8"/>
+    <p:sldLayoutId id="2147483659" r:id="rId9"/>
+    <p:sldLayoutId id="2147483661" r:id="rId10"/>
   </p:sldLayoutIdLst>
   <p:txStyles>
     <p:titleStyle>
